--- a/Slides/Lesson 6.2 Generalizing Over Functions.pptx
+++ b/Slides/Lesson 6.2 Generalizing Over Functions.pptx
@@ -5,7 +5,7 @@
     <p:sldMasterId id="2147483661" r:id="rId1"/>
   </p:sldMasterIdLst>
   <p:notesMasterIdLst>
-    <p:notesMasterId r:id="rId34"/>
+    <p:notesMasterId r:id="rId33"/>
   </p:notesMasterIdLst>
   <p:sldIdLst>
     <p:sldId id="257" r:id="rId2"/>
@@ -17,34 +17,33 @@
     <p:sldId id="299" r:id="rId8"/>
     <p:sldId id="300" r:id="rId9"/>
     <p:sldId id="311" r:id="rId10"/>
-    <p:sldId id="310" r:id="rId11"/>
-    <p:sldId id="313" r:id="rId12"/>
-    <p:sldId id="314" r:id="rId13"/>
-    <p:sldId id="301" r:id="rId14"/>
-    <p:sldId id="302" r:id="rId15"/>
-    <p:sldId id="315" r:id="rId16"/>
-    <p:sldId id="303" r:id="rId17"/>
-    <p:sldId id="304" r:id="rId18"/>
-    <p:sldId id="323" r:id="rId19"/>
-    <p:sldId id="324" r:id="rId20"/>
-    <p:sldId id="305" r:id="rId21"/>
-    <p:sldId id="316" r:id="rId22"/>
-    <p:sldId id="306" r:id="rId23"/>
-    <p:sldId id="307" r:id="rId24"/>
-    <p:sldId id="308" r:id="rId25"/>
-    <p:sldId id="317" r:id="rId26"/>
-    <p:sldId id="319" r:id="rId27"/>
-    <p:sldId id="318" r:id="rId28"/>
-    <p:sldId id="321" r:id="rId29"/>
-    <p:sldId id="322" r:id="rId30"/>
-    <p:sldId id="325" r:id="rId31"/>
-    <p:sldId id="326" r:id="rId32"/>
-    <p:sldId id="294" r:id="rId33"/>
+    <p:sldId id="313" r:id="rId11"/>
+    <p:sldId id="314" r:id="rId12"/>
+    <p:sldId id="301" r:id="rId13"/>
+    <p:sldId id="302" r:id="rId14"/>
+    <p:sldId id="315" r:id="rId15"/>
+    <p:sldId id="303" r:id="rId16"/>
+    <p:sldId id="304" r:id="rId17"/>
+    <p:sldId id="323" r:id="rId18"/>
+    <p:sldId id="324" r:id="rId19"/>
+    <p:sldId id="305" r:id="rId20"/>
+    <p:sldId id="316" r:id="rId21"/>
+    <p:sldId id="306" r:id="rId22"/>
+    <p:sldId id="307" r:id="rId23"/>
+    <p:sldId id="308" r:id="rId24"/>
+    <p:sldId id="317" r:id="rId25"/>
+    <p:sldId id="319" r:id="rId26"/>
+    <p:sldId id="318" r:id="rId27"/>
+    <p:sldId id="321" r:id="rId28"/>
+    <p:sldId id="322" r:id="rId29"/>
+    <p:sldId id="325" r:id="rId30"/>
+    <p:sldId id="326" r:id="rId31"/>
+    <p:sldId id="294" r:id="rId32"/>
   </p:sldIdLst>
   <p:sldSz cx="9144000" cy="6858000" type="screen4x3"/>
   <p:notesSz cx="6858000" cy="9144000"/>
   <p:custDataLst>
-    <p:tags r:id="rId35"/>
+    <p:tags r:id="rId34"/>
   </p:custDataLst>
   <p:defaultTextStyle>
     <a:defPPr>
@@ -672,7 +671,7 @@
             <a:fld id="{00E1DFD8-B619-4FFF-B366-BDCC98D08110}" type="slidenum">
               <a:rPr lang="en-US" smtClean="0"/>
               <a:pPr/>
-              <a:t>16</a:t>
+              <a:t>15</a:t>
             </a:fld>
             <a:endParaRPr lang="en-US"/>
           </a:p>
@@ -757,7 +756,7 @@
             <a:fld id="{00E1DFD8-B619-4FFF-B366-BDCC98D08110}" type="slidenum">
               <a:rPr lang="en-US" smtClean="0"/>
               <a:pPr/>
-              <a:t>17</a:t>
+              <a:t>16</a:t>
             </a:fld>
             <a:endParaRPr lang="en-US"/>
           </a:p>
@@ -842,7 +841,7 @@
             <a:fld id="{00E1DFD8-B619-4FFF-B366-BDCC98D08110}" type="slidenum">
               <a:rPr lang="en-US" smtClean="0"/>
               <a:pPr/>
-              <a:t>20</a:t>
+              <a:t>19</a:t>
             </a:fld>
             <a:endParaRPr lang="en-US"/>
           </a:p>
@@ -927,7 +926,7 @@
             <a:fld id="{00E1DFD8-B619-4FFF-B366-BDCC98D08110}" type="slidenum">
               <a:rPr lang="en-US" smtClean="0"/>
               <a:pPr/>
-              <a:t>22</a:t>
+              <a:t>21</a:t>
             </a:fld>
             <a:endParaRPr lang="en-US"/>
           </a:p>
@@ -1012,7 +1011,7 @@
             <a:fld id="{00E1DFD8-B619-4FFF-B366-BDCC98D08110}" type="slidenum">
               <a:rPr lang="en-US" smtClean="0"/>
               <a:pPr/>
-              <a:t>23</a:t>
+              <a:t>22</a:t>
             </a:fld>
             <a:endParaRPr lang="en-US"/>
           </a:p>
@@ -1097,7 +1096,7 @@
             <a:fld id="{00E1DFD8-B619-4FFF-B366-BDCC98D08110}" type="slidenum">
               <a:rPr lang="en-US" smtClean="0"/>
               <a:pPr/>
-              <a:t>24</a:t>
+              <a:t>23</a:t>
             </a:fld>
             <a:endParaRPr lang="en-US"/>
           </a:p>
@@ -1182,7 +1181,7 @@
             <a:fld id="{00E1DFD8-B619-4FFF-B366-BDCC98D08110}" type="slidenum">
               <a:rPr lang="en-US" smtClean="0"/>
               <a:pPr/>
-              <a:t>25</a:t>
+              <a:t>24</a:t>
             </a:fld>
             <a:endParaRPr lang="en-US"/>
           </a:p>
@@ -1631,7 +1630,7 @@
             <a:fld id="{00E1DFD8-B619-4FFF-B366-BDCC98D08110}" type="slidenum">
               <a:rPr lang="en-US" smtClean="0"/>
               <a:pPr/>
-              <a:t>11</a:t>
+              <a:t>10</a:t>
             </a:fld>
             <a:endParaRPr lang="en-US"/>
           </a:p>
@@ -1716,7 +1715,7 @@
             <a:fld id="{00E1DFD8-B619-4FFF-B366-BDCC98D08110}" type="slidenum">
               <a:rPr lang="en-US" smtClean="0"/>
               <a:pPr/>
-              <a:t>13</a:t>
+              <a:t>12</a:t>
             </a:fld>
             <a:endParaRPr lang="en-US"/>
           </a:p>
@@ -1809,7 +1808,7 @@
             <a:fld id="{00E1DFD8-B619-4FFF-B366-BDCC98D08110}" type="slidenum">
               <a:rPr lang="en-US" smtClean="0"/>
               <a:pPr/>
-              <a:t>14</a:t>
+              <a:t>13</a:t>
             </a:fld>
             <a:endParaRPr lang="en-US"/>
           </a:p>
@@ -1897,7 +1896,7 @@
             <a:fld id="{00E1DFD8-B619-4FFF-B366-BDCC98D08110}" type="slidenum">
               <a:rPr lang="en-US" smtClean="0"/>
               <a:pPr/>
-              <a:t>15</a:t>
+              <a:t>14</a:t>
             </a:fld>
             <a:endParaRPr lang="en-US"/>
           </a:p>
@@ -5859,13 +5858,13 @@
         <p:spPr/>
         <p:txBody>
           <a:bodyPr>
-            <a:normAutofit fontScale="90000"/>
+            <a:normAutofit/>
           </a:bodyPr>
           <a:lstStyle/>
           <a:p>
             <a:r>
               <a:rPr lang="en-US" dirty="0"/>
-              <a:t>A small but important detail: we need to switch languages</a:t>
+              <a:t>What about the design strategy?</a:t>
             </a:r>
           </a:p>
         </p:txBody>
@@ -5880,38 +5879,318 @@
             <p:ph idx="1"/>
           </p:nvPr>
         </p:nvSpPr>
-        <p:spPr/>
-        <p:txBody>
-          <a:bodyPr/>
-          <a:lstStyle/>
-          <a:p>
-            <a:r>
-              <a:rPr lang="en-US" dirty="0"/>
-              <a:t>Racket's Basic Student Language (BSL) does not allow us to pass functions as arguments.</a:t>
-            </a:r>
-          </a:p>
-          <a:p>
-            <a:r>
-              <a:rPr lang="en-US" dirty="0"/>
-              <a:t>So we use the Intermediate Student Language + Lambda (</a:t>
-            </a:r>
-            <a:r>
-              <a:rPr lang="en-US" dirty="0" err="1"/>
-              <a:t>ISL+Lambda</a:t>
-            </a:r>
-            <a:r>
-              <a:rPr lang="en-US" dirty="0"/>
-              <a:t>), which allows functions as arguments and has several other useful features.</a:t>
-            </a:r>
-          </a:p>
-          <a:p>
-            <a:r>
-              <a:rPr lang="en-US" dirty="0"/>
-              <a:t>We will use this for the next several weeks.</a:t>
-            </a:r>
-          </a:p>
-          <a:p>
-            <a:endParaRPr lang="en-US" dirty="0"/>
+        <p:spPr>
+          <a:xfrm>
+            <a:off x="152400" y="1600200"/>
+            <a:ext cx="8839200" cy="4953000"/>
+          </a:xfrm>
+        </p:spPr>
+        <p:txBody>
+          <a:bodyPr>
+            <a:normAutofit fontScale="47500" lnSpcReduction="20000"/>
+          </a:bodyPr>
+          <a:lstStyle/>
+          <a:p>
+            <a:pPr>
+              <a:buNone/>
+            </a:pPr>
+            <a:r>
+              <a:rPr lang="en-US" sz="5100" dirty="0"/>
+              <a:t>The definition for </a:t>
+            </a:r>
+            <a:r>
+              <a:rPr lang="en-US" sz="5100" b="1" dirty="0">
+                <a:latin typeface="Consolas" panose="020B0609020204030204" pitchFamily="49" charset="0"/>
+                <a:cs typeface="Consolas" panose="020B0609020204030204" pitchFamily="49" charset="0"/>
+              </a:rPr>
+              <a:t>apply-to-each</a:t>
+            </a:r>
+            <a:r>
+              <a:rPr lang="en-US" sz="5100" dirty="0"/>
+              <a:t> follows the template, so the</a:t>
+            </a:r>
+          </a:p>
+          <a:p>
+            <a:pPr>
+              <a:buNone/>
+            </a:pPr>
+            <a:r>
+              <a:rPr lang="en-US" sz="5100" dirty="0"/>
+              <a:t>strategy is "use template".  This will work on lists of any</a:t>
+            </a:r>
+          </a:p>
+          <a:p>
+            <a:pPr>
+              <a:buNone/>
+            </a:pPr>
+            <a:r>
+              <a:rPr lang="en-US" sz="5100" dirty="0"/>
+              <a:t>kind of value, so we say it uses the template for </a:t>
+            </a:r>
+            <a:r>
+              <a:rPr lang="en-US" sz="5100" b="1" dirty="0">
+                <a:latin typeface="Consolas" panose="020B0609020204030204" pitchFamily="49" charset="0"/>
+                <a:cs typeface="Consolas" panose="020B0609020204030204" pitchFamily="49" charset="0"/>
+              </a:rPr>
+              <a:t>XList</a:t>
+            </a:r>
+            <a:r>
+              <a:rPr lang="en-US" sz="5100" dirty="0"/>
+              <a:t>.</a:t>
+            </a:r>
+          </a:p>
+          <a:p>
+            <a:pPr>
+              <a:buNone/>
+            </a:pPr>
+            <a:r>
+              <a:rPr lang="en-US" sz="5100" b="1" dirty="0">
+                <a:latin typeface="Lucida Console" pitchFamily="49" charset="0"/>
+              </a:rPr>
+              <a:t> </a:t>
+            </a:r>
+          </a:p>
+          <a:p>
+            <a:pPr>
+              <a:buNone/>
+            </a:pPr>
+            <a:endParaRPr lang="en-US" sz="2600" b="1" dirty="0">
+              <a:latin typeface="Lucida Console" pitchFamily="49" charset="0"/>
+              <a:cs typeface="Consolas" pitchFamily="49" charset="0"/>
+            </a:endParaRPr>
+          </a:p>
+          <a:p>
+            <a:pPr>
+              <a:buNone/>
+            </a:pPr>
+            <a:r>
+              <a:rPr lang="en-US" sz="5100" b="1" dirty="0">
+                <a:latin typeface="Consolas" pitchFamily="49" charset="0"/>
+                <a:cs typeface="Consolas" pitchFamily="49" charset="0"/>
+              </a:rPr>
+              <a:t> ;; STRATEGY: </a:t>
+            </a:r>
+            <a:r>
+              <a:rPr lang="en-US" sz="5100" b="1" dirty="0">
+                <a:solidFill>
+                  <a:srgbClr val="FF0000"/>
+                </a:solidFill>
+                <a:latin typeface="Consolas" pitchFamily="49" charset="0"/>
+                <a:cs typeface="Consolas" pitchFamily="49" charset="0"/>
+              </a:rPr>
+              <a:t>Use template for XList on </a:t>
+            </a:r>
+            <a:r>
+              <a:rPr lang="en-US" sz="5100" b="1" dirty="0" err="1">
+                <a:solidFill>
+                  <a:srgbClr val="FF0000"/>
+                </a:solidFill>
+                <a:latin typeface="Consolas" pitchFamily="49" charset="0"/>
+                <a:cs typeface="Consolas" pitchFamily="49" charset="0"/>
+              </a:rPr>
+              <a:t>lst</a:t>
+            </a:r>
+            <a:endParaRPr lang="en-US" sz="5100" b="1" dirty="0">
+              <a:solidFill>
+                <a:srgbClr val="FF0000"/>
+              </a:solidFill>
+              <a:latin typeface="Consolas" pitchFamily="49" charset="0"/>
+              <a:cs typeface="Consolas" pitchFamily="49" charset="0"/>
+            </a:endParaRPr>
+          </a:p>
+          <a:p>
+            <a:pPr>
+              <a:buNone/>
+            </a:pPr>
+            <a:r>
+              <a:rPr lang="en-US" sz="5100" b="1" dirty="0">
+                <a:latin typeface="Consolas" pitchFamily="49" charset="0"/>
+                <a:cs typeface="Consolas" pitchFamily="49" charset="0"/>
+              </a:rPr>
+              <a:t> (define (apply-to-each </a:t>
+            </a:r>
+            <a:r>
+              <a:rPr lang="en-US" sz="5100" b="1" dirty="0">
+                <a:solidFill>
+                  <a:srgbClr val="00B050"/>
+                </a:solidFill>
+                <a:latin typeface="Consolas" pitchFamily="49" charset="0"/>
+                <a:cs typeface="Consolas" pitchFamily="49" charset="0"/>
+              </a:rPr>
+              <a:t>fn</a:t>
+            </a:r>
+            <a:r>
+              <a:rPr lang="en-US" sz="5100" b="1" dirty="0">
+                <a:latin typeface="Consolas" pitchFamily="49" charset="0"/>
+                <a:cs typeface="Consolas" pitchFamily="49" charset="0"/>
+              </a:rPr>
+              <a:t> </a:t>
+            </a:r>
+            <a:r>
+              <a:rPr lang="en-US" sz="5100" b="1" dirty="0" err="1">
+                <a:latin typeface="Consolas" pitchFamily="49" charset="0"/>
+                <a:cs typeface="Consolas" pitchFamily="49" charset="0"/>
+              </a:rPr>
+              <a:t>lst</a:t>
+            </a:r>
+            <a:r>
+              <a:rPr lang="en-US" sz="5100" b="1" dirty="0">
+                <a:latin typeface="Consolas" pitchFamily="49" charset="0"/>
+                <a:cs typeface="Consolas" pitchFamily="49" charset="0"/>
+              </a:rPr>
+              <a:t>) </a:t>
+            </a:r>
+          </a:p>
+          <a:p>
+            <a:pPr>
+              <a:buNone/>
+            </a:pPr>
+            <a:r>
+              <a:rPr lang="en-US" sz="5100" b="1" dirty="0">
+                <a:latin typeface="Consolas" pitchFamily="49" charset="0"/>
+                <a:cs typeface="Consolas" pitchFamily="49" charset="0"/>
+              </a:rPr>
+              <a:t>    (</a:t>
+            </a:r>
+            <a:r>
+              <a:rPr lang="en-US" sz="5100" b="1" dirty="0" err="1">
+                <a:latin typeface="Consolas" pitchFamily="49" charset="0"/>
+                <a:cs typeface="Consolas" pitchFamily="49" charset="0"/>
+              </a:rPr>
+              <a:t>cond</a:t>
+            </a:r>
+            <a:endParaRPr lang="en-US" sz="5100" b="1" dirty="0">
+              <a:latin typeface="Consolas" pitchFamily="49" charset="0"/>
+              <a:cs typeface="Consolas" pitchFamily="49" charset="0"/>
+            </a:endParaRPr>
+          </a:p>
+          <a:p>
+            <a:pPr>
+              <a:buNone/>
+            </a:pPr>
+            <a:r>
+              <a:rPr lang="en-US" sz="5100" b="1" dirty="0">
+                <a:latin typeface="Consolas" pitchFamily="49" charset="0"/>
+                <a:cs typeface="Consolas" pitchFamily="49" charset="0"/>
+              </a:rPr>
+              <a:t>      [(empty? </a:t>
+            </a:r>
+            <a:r>
+              <a:rPr lang="en-US" sz="5100" b="1" dirty="0" err="1">
+                <a:latin typeface="Consolas" pitchFamily="49" charset="0"/>
+                <a:cs typeface="Consolas" pitchFamily="49" charset="0"/>
+              </a:rPr>
+              <a:t>lst</a:t>
+            </a:r>
+            <a:r>
+              <a:rPr lang="en-US" sz="5100" b="1" dirty="0">
+                <a:latin typeface="Consolas" pitchFamily="49" charset="0"/>
+                <a:cs typeface="Consolas" pitchFamily="49" charset="0"/>
+              </a:rPr>
+              <a:t>) empty]</a:t>
+            </a:r>
+          </a:p>
+          <a:p>
+            <a:pPr>
+              <a:buNone/>
+            </a:pPr>
+            <a:r>
+              <a:rPr lang="en-US" sz="5100" b="1" dirty="0">
+                <a:latin typeface="Consolas" pitchFamily="49" charset="0"/>
+                <a:cs typeface="Consolas" pitchFamily="49" charset="0"/>
+              </a:rPr>
+              <a:t>      [else (cons</a:t>
+            </a:r>
+          </a:p>
+          <a:p>
+            <a:pPr>
+              <a:buNone/>
+            </a:pPr>
+            <a:r>
+              <a:rPr lang="en-US" sz="5100" b="1" dirty="0">
+                <a:latin typeface="Consolas" pitchFamily="49" charset="0"/>
+                <a:cs typeface="Consolas" pitchFamily="49" charset="0"/>
+              </a:rPr>
+              <a:t>              (</a:t>
+            </a:r>
+            <a:r>
+              <a:rPr lang="en-US" sz="5100" b="1" dirty="0">
+                <a:solidFill>
+                  <a:srgbClr val="00B050"/>
+                </a:solidFill>
+                <a:latin typeface="Consolas" pitchFamily="49" charset="0"/>
+                <a:cs typeface="Consolas" pitchFamily="49" charset="0"/>
+              </a:rPr>
+              <a:t>fn</a:t>
+            </a:r>
+            <a:r>
+              <a:rPr lang="en-US" sz="5100" b="1" dirty="0">
+                <a:latin typeface="Consolas" pitchFamily="49" charset="0"/>
+                <a:cs typeface="Consolas" pitchFamily="49" charset="0"/>
+              </a:rPr>
+              <a:t> (first </a:t>
+            </a:r>
+            <a:r>
+              <a:rPr lang="en-US" sz="5100" b="1" dirty="0" err="1">
+                <a:latin typeface="Consolas" pitchFamily="49" charset="0"/>
+                <a:cs typeface="Consolas" pitchFamily="49" charset="0"/>
+              </a:rPr>
+              <a:t>lst</a:t>
+            </a:r>
+            <a:r>
+              <a:rPr lang="en-US" sz="5100" b="1" dirty="0">
+                <a:latin typeface="Consolas" pitchFamily="49" charset="0"/>
+                <a:cs typeface="Consolas" pitchFamily="49" charset="0"/>
+              </a:rPr>
+              <a:t>))</a:t>
+            </a:r>
+          </a:p>
+          <a:p>
+            <a:pPr>
+              <a:buNone/>
+            </a:pPr>
+            <a:r>
+              <a:rPr lang="en-US" sz="5100" b="1" dirty="0">
+                <a:latin typeface="Consolas" pitchFamily="49" charset="0"/>
+                <a:cs typeface="Consolas" pitchFamily="49" charset="0"/>
+              </a:rPr>
+              <a:t>              (apply-to-each fn (rest </a:t>
+            </a:r>
+            <a:r>
+              <a:rPr lang="en-US" sz="5100" b="1" dirty="0" err="1">
+                <a:latin typeface="Consolas" pitchFamily="49" charset="0"/>
+                <a:cs typeface="Consolas" pitchFamily="49" charset="0"/>
+              </a:rPr>
+              <a:t>lst</a:t>
+            </a:r>
+            <a:r>
+              <a:rPr lang="en-US" sz="5100" b="1" dirty="0">
+                <a:latin typeface="Consolas" pitchFamily="49" charset="0"/>
+                <a:cs typeface="Consolas" pitchFamily="49" charset="0"/>
+              </a:rPr>
+              <a:t>)))]))</a:t>
+            </a:r>
+          </a:p>
+          <a:p>
+            <a:pPr>
+              <a:buNone/>
+            </a:pPr>
+            <a:endParaRPr lang="en-US" sz="2600" b="1" dirty="0">
+              <a:latin typeface="Consolas" pitchFamily="49" charset="0"/>
+              <a:cs typeface="Consolas" pitchFamily="49" charset="0"/>
+            </a:endParaRPr>
+          </a:p>
+          <a:p>
+            <a:pPr>
+              <a:buNone/>
+            </a:pPr>
+            <a:r>
+              <a:rPr lang="en-US" sz="2600" b="1" dirty="0">
+                <a:latin typeface="Consolas" pitchFamily="49" charset="0"/>
+                <a:cs typeface="Consolas" pitchFamily="49" charset="0"/>
+              </a:rPr>
+              <a:t> </a:t>
+            </a:r>
           </a:p>
         </p:txBody>
       </p:sp>
@@ -5942,7 +6221,7 @@
     </p:spTree>
     <p:extLst>
       <p:ext uri="{BB962C8B-B14F-4D97-AF65-F5344CB8AC3E}">
-        <p14:creationId xmlns:p14="http://schemas.microsoft.com/office/powerpoint/2010/main" val="746337838"/>
+        <p14:creationId xmlns:p14="http://schemas.microsoft.com/office/powerpoint/2010/main" val="4269771210"/>
       </p:ext>
     </p:extLst>
   </p:cSld>
@@ -5982,13 +6261,13 @@
         <p:spPr/>
         <p:txBody>
           <a:bodyPr>
-            <a:normAutofit/>
+            <a:normAutofit fontScale="90000"/>
           </a:bodyPr>
           <a:lstStyle/>
           <a:p>
             <a:r>
               <a:rPr lang="en-US" dirty="0"/>
-              <a:t>What about the design strategy?</a:t>
+              <a:t>What about add-1-to-each and extract-names?</a:t>
             </a:r>
           </a:p>
         </p:txBody>
@@ -6003,337 +6282,111 @@
             <p:ph idx="1"/>
           </p:nvPr>
         </p:nvSpPr>
-        <p:spPr>
-          <a:xfrm>
-            <a:off x="152400" y="1600200"/>
-            <a:ext cx="8839200" cy="4953000"/>
-          </a:xfrm>
-        </p:spPr>
+        <p:spPr/>
         <p:txBody>
           <a:bodyPr>
-            <a:normAutofit fontScale="47500" lnSpcReduction="20000"/>
+            <a:normAutofit fontScale="92500" lnSpcReduction="10000"/>
           </a:bodyPr>
           <a:lstStyle/>
           <a:p>
-            <a:pPr>
-              <a:buNone/>
-            </a:pPr>
-            <a:r>
-              <a:rPr lang="en-US" sz="5100" dirty="0"/>
-              <a:t>The definition for </a:t>
-            </a:r>
-            <a:r>
-              <a:rPr lang="en-US" sz="5100" b="1" dirty="0">
+            <a:r>
+              <a:rPr lang="en-US" dirty="0"/>
+              <a:t>Our new definitions for </a:t>
+            </a:r>
+            <a:r>
+              <a:rPr lang="en-US" b="1" dirty="0">
                 <a:latin typeface="Consolas" panose="020B0609020204030204" pitchFamily="49" charset="0"/>
                 <a:cs typeface="Consolas" panose="020B0609020204030204" pitchFamily="49" charset="0"/>
               </a:rPr>
-              <a:t>apply-to-each</a:t>
-            </a:r>
-            <a:r>
-              <a:rPr lang="en-US" sz="5100" dirty="0"/>
-              <a:t> follows the template, so the</a:t>
-            </a:r>
-          </a:p>
-          <a:p>
-            <a:pPr>
-              <a:buNone/>
-            </a:pPr>
-            <a:r>
-              <a:rPr lang="en-US" sz="5100" dirty="0"/>
-              <a:t>strategy is "use template".  This will work on lists of any</a:t>
-            </a:r>
-          </a:p>
-          <a:p>
-            <a:pPr>
-              <a:buNone/>
-            </a:pPr>
-            <a:r>
-              <a:rPr lang="en-US" sz="5100" dirty="0"/>
-              <a:t>kind of value, so we say it uses the template for </a:t>
-            </a:r>
-            <a:r>
-              <a:rPr lang="en-US" sz="5100" b="1" dirty="0" err="1">
+              <a:t>add-1-to-each</a:t>
+            </a:r>
+            <a:r>
+              <a:rPr lang="en-US" dirty="0"/>
+              <a:t> and </a:t>
+            </a:r>
+            <a:r>
+              <a:rPr lang="en-US" b="1" dirty="0">
                 <a:latin typeface="Consolas" panose="020B0609020204030204" pitchFamily="49" charset="0"/>
                 <a:cs typeface="Consolas" panose="020B0609020204030204" pitchFamily="49" charset="0"/>
               </a:rPr>
-              <a:t>ListOfX</a:t>
-            </a:r>
-            <a:r>
-              <a:rPr lang="en-US" sz="5100" dirty="0"/>
-              <a:t>.</a:t>
-            </a:r>
-          </a:p>
-          <a:p>
-            <a:pPr>
-              <a:buNone/>
-            </a:pPr>
-            <a:r>
-              <a:rPr lang="en-US" sz="5100" b="1" dirty="0">
-                <a:latin typeface="Lucida Console" pitchFamily="49" charset="0"/>
-              </a:rPr>
+              <a:t>extract-names</a:t>
+            </a:r>
+            <a:r>
+              <a:rPr lang="en-US" dirty="0"/>
+              <a:t> do not follow the template: they just </a:t>
+            </a:r>
+            <a:r>
+              <a:rPr lang="en-US" i="1" dirty="0"/>
+              <a:t>use</a:t>
+            </a:r>
+            <a:r>
+              <a:rPr lang="en-US" dirty="0"/>
               <a:t> </a:t>
             </a:r>
-          </a:p>
-          <a:p>
-            <a:pPr>
-              <a:buNone/>
-            </a:pPr>
-            <a:endParaRPr lang="en-US" sz="2600" b="1" dirty="0">
-              <a:latin typeface="Lucida Console" pitchFamily="49" charset="0"/>
-              <a:cs typeface="Consolas" pitchFamily="49" charset="0"/>
-            </a:endParaRPr>
-          </a:p>
-          <a:p>
-            <a:pPr>
-              <a:buNone/>
-            </a:pPr>
-            <a:r>
-              <a:rPr lang="en-US" sz="5100" b="1" dirty="0">
-                <a:latin typeface="Consolas" pitchFamily="49" charset="0"/>
-                <a:cs typeface="Consolas" pitchFamily="49" charset="0"/>
-              </a:rPr>
-              <a:t> ;; STRATEGY: </a:t>
-            </a:r>
-            <a:r>
-              <a:rPr lang="en-US" sz="5100" b="1" dirty="0">
+            <a:r>
+              <a:rPr lang="en-US" b="1" dirty="0">
+                <a:latin typeface="Consolas" panose="020B0609020204030204" pitchFamily="49" charset="0"/>
+                <a:cs typeface="Consolas" panose="020B0609020204030204" pitchFamily="49" charset="0"/>
+              </a:rPr>
+              <a:t>apply-to-each</a:t>
+            </a:r>
+            <a:r>
+              <a:rPr lang="en-US" dirty="0"/>
+              <a:t>.  </a:t>
+            </a:r>
+          </a:p>
+          <a:p>
+            <a:r>
+              <a:rPr lang="en-US" dirty="0"/>
+              <a:t>We say that these functions use the strategy of </a:t>
+            </a:r>
+            <a:r>
+              <a:rPr lang="en-US" i="1" dirty="0">
                 <a:solidFill>
                   <a:srgbClr val="FF0000"/>
                 </a:solidFill>
-                <a:latin typeface="Consolas" pitchFamily="49" charset="0"/>
-                <a:cs typeface="Consolas" pitchFamily="49" charset="0"/>
-              </a:rPr>
-              <a:t>Use template for </a:t>
-            </a:r>
-            <a:r>
-              <a:rPr lang="en-US" sz="5100" b="1" dirty="0" err="1">
-                <a:solidFill>
-                  <a:srgbClr val="FF0000"/>
-                </a:solidFill>
-                <a:latin typeface="Consolas" pitchFamily="49" charset="0"/>
-                <a:cs typeface="Consolas" pitchFamily="49" charset="0"/>
-              </a:rPr>
-              <a:t>ListOfX</a:t>
-            </a:r>
-            <a:r>
-              <a:rPr lang="en-US" sz="5100" b="1" dirty="0">
-                <a:solidFill>
-                  <a:srgbClr val="FF0000"/>
-                </a:solidFill>
-                <a:latin typeface="Consolas" pitchFamily="49" charset="0"/>
-                <a:cs typeface="Consolas" pitchFamily="49" charset="0"/>
-              </a:rPr>
-              <a:t> on </a:t>
-            </a:r>
-            <a:r>
-              <a:rPr lang="en-US" sz="5100" b="1" dirty="0" err="1">
-                <a:solidFill>
-                  <a:srgbClr val="FF0000"/>
-                </a:solidFill>
-                <a:latin typeface="Consolas" pitchFamily="49" charset="0"/>
-                <a:cs typeface="Consolas" pitchFamily="49" charset="0"/>
-              </a:rPr>
-              <a:t>lst</a:t>
-            </a:r>
-            <a:endParaRPr lang="en-US" sz="5100" b="1" dirty="0">
-              <a:solidFill>
-                <a:srgbClr val="FF0000"/>
-              </a:solidFill>
-              <a:latin typeface="Consolas" pitchFamily="49" charset="0"/>
-              <a:cs typeface="Consolas" pitchFamily="49" charset="0"/>
-            </a:endParaRPr>
-          </a:p>
-          <a:p>
-            <a:pPr>
-              <a:buNone/>
-            </a:pPr>
-            <a:r>
-              <a:rPr lang="en-US" sz="5100" b="1" dirty="0">
-                <a:latin typeface="Consolas" pitchFamily="49" charset="0"/>
-                <a:cs typeface="Consolas" pitchFamily="49" charset="0"/>
-              </a:rPr>
-              <a:t> (define (apply-to-each </a:t>
-            </a:r>
-            <a:r>
-              <a:rPr lang="en-US" sz="5100" b="1" dirty="0">
-                <a:solidFill>
-                  <a:srgbClr val="00B050"/>
-                </a:solidFill>
-                <a:latin typeface="Consolas" pitchFamily="49" charset="0"/>
-                <a:cs typeface="Consolas" pitchFamily="49" charset="0"/>
-              </a:rPr>
-              <a:t>fn</a:t>
-            </a:r>
-            <a:r>
-              <a:rPr lang="en-US" sz="5100" b="1" dirty="0">
-                <a:latin typeface="Consolas" pitchFamily="49" charset="0"/>
-                <a:cs typeface="Consolas" pitchFamily="49" charset="0"/>
-              </a:rPr>
-              <a:t> </a:t>
-            </a:r>
-            <a:r>
-              <a:rPr lang="en-US" sz="5100" b="1" dirty="0" err="1">
-                <a:latin typeface="Consolas" pitchFamily="49" charset="0"/>
-                <a:cs typeface="Consolas" pitchFamily="49" charset="0"/>
-              </a:rPr>
-              <a:t>lst</a:t>
-            </a:r>
-            <a:r>
-              <a:rPr lang="en-US" sz="5100" b="1" dirty="0">
-                <a:latin typeface="Consolas" pitchFamily="49" charset="0"/>
-                <a:cs typeface="Consolas" pitchFamily="49" charset="0"/>
-              </a:rPr>
-              <a:t>) </a:t>
-            </a:r>
-          </a:p>
-          <a:p>
-            <a:pPr>
-              <a:buNone/>
-            </a:pPr>
-            <a:r>
-              <a:rPr lang="en-US" sz="5100" b="1" dirty="0">
-                <a:latin typeface="Consolas" pitchFamily="49" charset="0"/>
-                <a:cs typeface="Consolas" pitchFamily="49" charset="0"/>
-              </a:rPr>
-              <a:t>    (</a:t>
-            </a:r>
-            <a:r>
-              <a:rPr lang="en-US" sz="5100" b="1" dirty="0" err="1">
-                <a:latin typeface="Consolas" pitchFamily="49" charset="0"/>
-                <a:cs typeface="Consolas" pitchFamily="49" charset="0"/>
-              </a:rPr>
-              <a:t>cond</a:t>
-            </a:r>
-            <a:endParaRPr lang="en-US" sz="5100" b="1" dirty="0">
-              <a:latin typeface="Consolas" pitchFamily="49" charset="0"/>
-              <a:cs typeface="Consolas" pitchFamily="49" charset="0"/>
-            </a:endParaRPr>
-          </a:p>
-          <a:p>
-            <a:pPr>
-              <a:buNone/>
-            </a:pPr>
-            <a:r>
-              <a:rPr lang="en-US" sz="5100" b="1" dirty="0">
-                <a:latin typeface="Consolas" pitchFamily="49" charset="0"/>
-                <a:cs typeface="Consolas" pitchFamily="49" charset="0"/>
-              </a:rPr>
-              <a:t>      [(empty? </a:t>
-            </a:r>
-            <a:r>
-              <a:rPr lang="en-US" sz="5100" b="1" dirty="0" err="1">
-                <a:latin typeface="Consolas" pitchFamily="49" charset="0"/>
-                <a:cs typeface="Consolas" pitchFamily="49" charset="0"/>
-              </a:rPr>
-              <a:t>loe</a:t>
-            </a:r>
-            <a:r>
-              <a:rPr lang="en-US" sz="5100" b="1" dirty="0">
-                <a:latin typeface="Consolas" pitchFamily="49" charset="0"/>
-                <a:cs typeface="Consolas" pitchFamily="49" charset="0"/>
-              </a:rPr>
-              <a:t>) empty]</a:t>
-            </a:r>
-          </a:p>
-          <a:p>
-            <a:pPr>
-              <a:buNone/>
-            </a:pPr>
-            <a:r>
-              <a:rPr lang="en-US" sz="5100" b="1" dirty="0">
-                <a:latin typeface="Consolas" pitchFamily="49" charset="0"/>
-                <a:cs typeface="Consolas" pitchFamily="49" charset="0"/>
-              </a:rPr>
-              <a:t>      [else (cons</a:t>
-            </a:r>
-          </a:p>
-          <a:p>
-            <a:pPr>
-              <a:buNone/>
-            </a:pPr>
-            <a:r>
-              <a:rPr lang="en-US" sz="5100" b="1" dirty="0">
-                <a:latin typeface="Consolas" pitchFamily="49" charset="0"/>
-                <a:cs typeface="Consolas" pitchFamily="49" charset="0"/>
-              </a:rPr>
-              <a:t>              (</a:t>
-            </a:r>
-            <a:r>
-              <a:rPr lang="en-US" sz="5100" b="1" dirty="0">
-                <a:solidFill>
-                  <a:srgbClr val="00B050"/>
-                </a:solidFill>
-                <a:latin typeface="Consolas" pitchFamily="49" charset="0"/>
-                <a:cs typeface="Consolas" pitchFamily="49" charset="0"/>
-              </a:rPr>
-              <a:t>fn</a:t>
-            </a:r>
-            <a:r>
-              <a:rPr lang="en-US" sz="5100" b="1" dirty="0">
-                <a:latin typeface="Consolas" pitchFamily="49" charset="0"/>
-                <a:cs typeface="Consolas" pitchFamily="49" charset="0"/>
-              </a:rPr>
-              <a:t> (first </a:t>
-            </a:r>
-            <a:r>
-              <a:rPr lang="en-US" sz="5100" b="1" dirty="0" err="1">
-                <a:latin typeface="Consolas" pitchFamily="49" charset="0"/>
-                <a:cs typeface="Consolas" pitchFamily="49" charset="0"/>
-              </a:rPr>
-              <a:t>lst</a:t>
-            </a:r>
-            <a:r>
-              <a:rPr lang="en-US" sz="5100" b="1" dirty="0">
-                <a:latin typeface="Consolas" pitchFamily="49" charset="0"/>
-                <a:cs typeface="Consolas" pitchFamily="49" charset="0"/>
-              </a:rPr>
-              <a:t>))</a:t>
-            </a:r>
-          </a:p>
-          <a:p>
-            <a:pPr>
-              <a:buNone/>
-            </a:pPr>
-            <a:r>
-              <a:rPr lang="en-US" sz="5100" b="1" dirty="0">
-                <a:latin typeface="Consolas" pitchFamily="49" charset="0"/>
-                <a:cs typeface="Consolas" pitchFamily="49" charset="0"/>
-              </a:rPr>
-              <a:t>              (apply-to-each fn (rest </a:t>
-            </a:r>
-            <a:r>
-              <a:rPr lang="en-US" sz="5100" b="1" dirty="0" err="1">
-                <a:latin typeface="Consolas" pitchFamily="49" charset="0"/>
-                <a:cs typeface="Consolas" pitchFamily="49" charset="0"/>
-              </a:rPr>
-              <a:t>lst</a:t>
-            </a:r>
-            <a:r>
-              <a:rPr lang="en-US" sz="5100" b="1" dirty="0">
-                <a:latin typeface="Consolas" pitchFamily="49" charset="0"/>
-                <a:cs typeface="Consolas" pitchFamily="49" charset="0"/>
-              </a:rPr>
-              <a:t>)))]))</a:t>
-            </a:r>
-          </a:p>
-          <a:p>
-            <a:pPr>
-              <a:buNone/>
-            </a:pPr>
-            <a:endParaRPr lang="en-US" sz="2600" b="1" dirty="0">
-              <a:latin typeface="Consolas" pitchFamily="49" charset="0"/>
-              <a:cs typeface="Consolas" pitchFamily="49" charset="0"/>
-            </a:endParaRPr>
-          </a:p>
-          <a:p>
-            <a:pPr>
-              <a:buNone/>
-            </a:pPr>
-            <a:r>
-              <a:rPr lang="en-US" sz="2600" b="1" dirty="0">
-                <a:latin typeface="Consolas" pitchFamily="49" charset="0"/>
-                <a:cs typeface="Consolas" pitchFamily="49" charset="0"/>
-              </a:rPr>
-              <a:t> </a:t>
+              </a:rPr>
+              <a:t>using a higher-order function (HOF)</a:t>
+            </a:r>
+            <a:r>
+              <a:rPr lang="en-US" dirty="0"/>
+              <a:t>.  </a:t>
+            </a:r>
+          </a:p>
+          <a:p>
+            <a:r>
+              <a:rPr lang="en-US" dirty="0"/>
+              <a:t>A higher-order function is simply a function where one or more of the arguments is a function, such as </a:t>
+            </a:r>
+            <a:r>
+              <a:rPr lang="en-US" b="1" dirty="0"/>
+              <a:t>add1</a:t>
+            </a:r>
+            <a:r>
+              <a:rPr lang="en-US" dirty="0"/>
+              <a:t> or </a:t>
+            </a:r>
+            <a:r>
+              <a:rPr lang="en-US" b="1" dirty="0"/>
+              <a:t>employee-name</a:t>
+            </a:r>
+            <a:r>
+              <a:rPr lang="en-US" dirty="0"/>
+              <a:t>.</a:t>
+            </a:r>
+          </a:p>
+          <a:p>
+            <a:r>
+              <a:rPr lang="en-US" dirty="0"/>
+              <a:t>Note that this terminology is different from that in </a:t>
+            </a:r>
+            <a:r>
+              <a:rPr lang="en-US" dirty="0" err="1"/>
+              <a:t>HtDP</a:t>
+            </a:r>
+            <a:r>
+              <a:rPr lang="en-US" dirty="0"/>
+              <a:t>.</a:t>
             </a:r>
           </a:p>
         </p:txBody>
@@ -6365,7 +6418,7 @@
     </p:spTree>
     <p:extLst>
       <p:ext uri="{BB962C8B-B14F-4D97-AF65-F5344CB8AC3E}">
-        <p14:creationId xmlns:p14="http://schemas.microsoft.com/office/powerpoint/2010/main" val="4269771210"/>
+        <p14:creationId xmlns:p14="http://schemas.microsoft.com/office/powerpoint/2010/main" val="1010546273"/>
       </p:ext>
     </p:extLst>
   </p:cSld>
@@ -6426,111 +6479,240 @@
             <p:ph idx="1"/>
           </p:nvPr>
         </p:nvSpPr>
-        <p:spPr/>
+        <p:spPr>
+          <a:xfrm>
+            <a:off x="0" y="1600200"/>
+            <a:ext cx="8915400" cy="4525963"/>
+          </a:xfrm>
+        </p:spPr>
         <p:txBody>
           <a:bodyPr>
-            <a:normAutofit fontScale="92500" lnSpcReduction="10000"/>
+            <a:normAutofit/>
           </a:bodyPr>
           <a:lstStyle/>
           <a:p>
-            <a:r>
-              <a:rPr lang="en-US" dirty="0"/>
-              <a:t>Our new definitions for </a:t>
-            </a:r>
-            <a:r>
-              <a:rPr lang="en-US" b="1" dirty="0">
-                <a:latin typeface="Consolas" panose="020B0609020204030204" pitchFamily="49" charset="0"/>
-                <a:cs typeface="Consolas" panose="020B0609020204030204" pitchFamily="49" charset="0"/>
-              </a:rPr>
-              <a:t>add-1-to-each</a:t>
-            </a:r>
-            <a:r>
-              <a:rPr lang="en-US" dirty="0"/>
-              <a:t> and </a:t>
-            </a:r>
-            <a:r>
-              <a:rPr lang="en-US" b="1" dirty="0">
-                <a:latin typeface="Consolas" panose="020B0609020204030204" pitchFamily="49" charset="0"/>
-                <a:cs typeface="Consolas" panose="020B0609020204030204" pitchFamily="49" charset="0"/>
-              </a:rPr>
-              <a:t>extract-names</a:t>
-            </a:r>
-            <a:r>
-              <a:rPr lang="en-US" dirty="0"/>
-              <a:t> do not follow the template: they just </a:t>
-            </a:r>
-            <a:r>
-              <a:rPr lang="en-US" i="1" dirty="0"/>
-              <a:t>use</a:t>
-            </a:r>
-            <a:r>
-              <a:rPr lang="en-US" dirty="0"/>
-              <a:t> </a:t>
-            </a:r>
-            <a:r>
-              <a:rPr lang="en-US" b="1" dirty="0">
-                <a:latin typeface="Consolas" panose="020B0609020204030204" pitchFamily="49" charset="0"/>
-                <a:cs typeface="Consolas" panose="020B0609020204030204" pitchFamily="49" charset="0"/>
-              </a:rPr>
-              <a:t>apply-to-each</a:t>
-            </a:r>
-            <a:r>
-              <a:rPr lang="en-US" dirty="0"/>
-              <a:t>.  </a:t>
-            </a:r>
-          </a:p>
-          <a:p>
-            <a:r>
-              <a:rPr lang="en-US" dirty="0"/>
-              <a:t>We say that these functions use the strategy of </a:t>
-            </a:r>
-            <a:r>
-              <a:rPr lang="en-US" i="1" dirty="0">
+            <a:pPr>
+              <a:buNone/>
+            </a:pPr>
+            <a:r>
+              <a:rPr lang="en-US" sz="2600" b="1" dirty="0">
+                <a:latin typeface="Consolas" pitchFamily="49" charset="0"/>
+                <a:cs typeface="Consolas" pitchFamily="49" charset="0"/>
+              </a:rPr>
+              <a:t> ;; strategy: </a:t>
+            </a:r>
+            <a:r>
+              <a:rPr lang="en-US" sz="2600" b="1" i="1" dirty="0">
                 <a:solidFill>
                   <a:srgbClr val="FF0000"/>
                 </a:solidFill>
-              </a:rPr>
-              <a:t>using a higher-order function (HOF)</a:t>
-            </a:r>
-            <a:r>
-              <a:rPr lang="en-US" dirty="0"/>
-              <a:t>.  </a:t>
-            </a:r>
-          </a:p>
-          <a:p>
-            <a:r>
-              <a:rPr lang="en-US" dirty="0"/>
-              <a:t>A higher-order function is simply a function where one or more of the arguments is a function, such as </a:t>
-            </a:r>
-            <a:r>
-              <a:rPr lang="en-US" b="1" dirty="0"/>
+                <a:latin typeface="Consolas" pitchFamily="49" charset="0"/>
+                <a:cs typeface="Consolas" pitchFamily="49" charset="0"/>
+              </a:rPr>
+              <a:t>Use HOF apply-to-each on </a:t>
+            </a:r>
+            <a:r>
+              <a:rPr lang="en-US" sz="2600" b="1" i="1" dirty="0" err="1">
+                <a:solidFill>
+                  <a:srgbClr val="FF0000"/>
+                </a:solidFill>
+                <a:latin typeface="Consolas" pitchFamily="49" charset="0"/>
+                <a:cs typeface="Consolas" pitchFamily="49" charset="0"/>
+              </a:rPr>
+              <a:t>lst</a:t>
+            </a:r>
+            <a:endParaRPr lang="en-US" sz="2600" b="1" i="1" dirty="0">
+              <a:solidFill>
+                <a:srgbClr val="FF0000"/>
+              </a:solidFill>
+              <a:latin typeface="Consolas" pitchFamily="49" charset="0"/>
+              <a:cs typeface="Consolas" pitchFamily="49" charset="0"/>
+            </a:endParaRPr>
+          </a:p>
+          <a:p>
+            <a:pPr>
+              <a:buNone/>
+            </a:pPr>
+            <a:r>
+              <a:rPr lang="en-US" sz="2600" b="1" dirty="0">
+                <a:latin typeface="Consolas" pitchFamily="49" charset="0"/>
+                <a:cs typeface="Consolas" pitchFamily="49" charset="0"/>
+              </a:rPr>
+              <a:t> (define (add-1-to-each </a:t>
+            </a:r>
+            <a:r>
+              <a:rPr lang="en-US" sz="2600" b="1" dirty="0" err="1">
+                <a:latin typeface="Consolas" pitchFamily="49" charset="0"/>
+                <a:cs typeface="Consolas" pitchFamily="49" charset="0"/>
+              </a:rPr>
+              <a:t>lst</a:t>
+            </a:r>
+            <a:r>
+              <a:rPr lang="en-US" sz="2600" b="1" dirty="0">
+                <a:latin typeface="Consolas" pitchFamily="49" charset="0"/>
+                <a:cs typeface="Consolas" pitchFamily="49" charset="0"/>
+              </a:rPr>
+              <a:t>)</a:t>
+            </a:r>
+          </a:p>
+          <a:p>
+            <a:pPr>
+              <a:buNone/>
+            </a:pPr>
+            <a:r>
+              <a:rPr lang="en-US" sz="2600" b="1" dirty="0">
+                <a:latin typeface="Consolas" pitchFamily="49" charset="0"/>
+                <a:cs typeface="Consolas" pitchFamily="49" charset="0"/>
+              </a:rPr>
+              <a:t>    (apply-to-each </a:t>
+            </a:r>
+            <a:r>
+              <a:rPr lang="en-US" sz="2600" b="1" dirty="0">
+                <a:solidFill>
+                  <a:srgbClr val="00B050"/>
+                </a:solidFill>
+                <a:latin typeface="Consolas" pitchFamily="49" charset="0"/>
+                <a:cs typeface="Consolas" pitchFamily="49" charset="0"/>
+              </a:rPr>
               <a:t>add1</a:t>
             </a:r>
             <a:r>
-              <a:rPr lang="en-US" dirty="0"/>
-              <a:t> or </a:t>
-            </a:r>
-            <a:r>
-              <a:rPr lang="en-US" b="1" dirty="0"/>
+              <a:rPr lang="en-US" sz="2600" b="1" dirty="0">
+                <a:latin typeface="Consolas" pitchFamily="49" charset="0"/>
+                <a:cs typeface="Consolas" pitchFamily="49" charset="0"/>
+              </a:rPr>
+              <a:t> </a:t>
+            </a:r>
+            <a:r>
+              <a:rPr lang="en-US" sz="2600" b="1" dirty="0" err="1">
+                <a:latin typeface="Consolas" pitchFamily="49" charset="0"/>
+                <a:cs typeface="Consolas" pitchFamily="49" charset="0"/>
+              </a:rPr>
+              <a:t>lst</a:t>
+            </a:r>
+            <a:r>
+              <a:rPr lang="en-US" sz="2600" b="1" dirty="0">
+                <a:latin typeface="Consolas" pitchFamily="49" charset="0"/>
+                <a:cs typeface="Consolas" pitchFamily="49" charset="0"/>
+              </a:rPr>
+              <a:t>))</a:t>
+            </a:r>
+          </a:p>
+          <a:p>
+            <a:pPr>
+              <a:buNone/>
+            </a:pPr>
+            <a:endParaRPr lang="en-US" sz="2600" b="1" dirty="0">
+              <a:latin typeface="Consolas" pitchFamily="49" charset="0"/>
+              <a:cs typeface="Consolas" pitchFamily="49" charset="0"/>
+            </a:endParaRPr>
+          </a:p>
+          <a:p>
+            <a:pPr>
+              <a:buNone/>
+            </a:pPr>
+            <a:r>
+              <a:rPr lang="en-US" sz="2600" b="1" dirty="0">
+                <a:latin typeface="Consolas" pitchFamily="49" charset="0"/>
+                <a:cs typeface="Consolas" pitchFamily="49" charset="0"/>
+              </a:rPr>
+              <a:t> ;; strategy: </a:t>
+            </a:r>
+            <a:r>
+              <a:rPr lang="en-US" sz="2600" b="1" i="1" dirty="0">
+                <a:solidFill>
+                  <a:srgbClr val="FF0000"/>
+                </a:solidFill>
+                <a:latin typeface="Consolas" pitchFamily="49" charset="0"/>
+                <a:cs typeface="Consolas" pitchFamily="49" charset="0"/>
+              </a:rPr>
+              <a:t>Use HOF apply-to-each on </a:t>
+            </a:r>
+            <a:r>
+              <a:rPr lang="en-US" sz="2600" b="1" i="1" dirty="0" err="1">
+                <a:solidFill>
+                  <a:srgbClr val="FF0000"/>
+                </a:solidFill>
+                <a:latin typeface="Consolas" pitchFamily="49" charset="0"/>
+                <a:cs typeface="Consolas" pitchFamily="49" charset="0"/>
+              </a:rPr>
+              <a:t>lst</a:t>
+            </a:r>
+            <a:endParaRPr lang="en-US" sz="2600" b="1" i="1" dirty="0">
+              <a:solidFill>
+                <a:srgbClr val="FF0000"/>
+              </a:solidFill>
+              <a:latin typeface="Consolas" pitchFamily="49" charset="0"/>
+              <a:cs typeface="Consolas" pitchFamily="49" charset="0"/>
+            </a:endParaRPr>
+          </a:p>
+          <a:p>
+            <a:pPr>
+              <a:buNone/>
+            </a:pPr>
+            <a:r>
+              <a:rPr lang="en-US" sz="2600" b="1" dirty="0">
+                <a:latin typeface="Consolas" pitchFamily="49" charset="0"/>
+                <a:cs typeface="Consolas" pitchFamily="49" charset="0"/>
+              </a:rPr>
+              <a:t>  (define (extract-names </a:t>
+            </a:r>
+            <a:r>
+              <a:rPr lang="en-US" sz="2600" b="1" dirty="0" err="1">
+                <a:latin typeface="Consolas" pitchFamily="49" charset="0"/>
+                <a:cs typeface="Consolas" pitchFamily="49" charset="0"/>
+              </a:rPr>
+              <a:t>lst</a:t>
+            </a:r>
+            <a:r>
+              <a:rPr lang="en-US" sz="2600" b="1" dirty="0">
+                <a:latin typeface="Consolas" pitchFamily="49" charset="0"/>
+                <a:cs typeface="Consolas" pitchFamily="49" charset="0"/>
+              </a:rPr>
+              <a:t>)</a:t>
+            </a:r>
+          </a:p>
+          <a:p>
+            <a:pPr>
+              <a:buNone/>
+            </a:pPr>
+            <a:r>
+              <a:rPr lang="en-US" sz="2600" b="1" dirty="0">
+                <a:latin typeface="Consolas" pitchFamily="49" charset="0"/>
+                <a:cs typeface="Consolas" pitchFamily="49" charset="0"/>
+              </a:rPr>
+              <a:t>    (apply-to-each </a:t>
+            </a:r>
+            <a:r>
+              <a:rPr lang="en-US" sz="2600" b="1" dirty="0">
+                <a:solidFill>
+                  <a:srgbClr val="00B050"/>
+                </a:solidFill>
+                <a:latin typeface="Consolas" pitchFamily="49" charset="0"/>
+                <a:cs typeface="Consolas" pitchFamily="49" charset="0"/>
+              </a:rPr>
               <a:t>employee-name</a:t>
             </a:r>
             <a:r>
-              <a:rPr lang="en-US" dirty="0"/>
-              <a:t>.</a:t>
-            </a:r>
-          </a:p>
-          <a:p>
-            <a:r>
-              <a:rPr lang="en-US" dirty="0"/>
-              <a:t>Note that this terminology is different from that in </a:t>
-            </a:r>
-            <a:r>
-              <a:rPr lang="en-US" dirty="0" err="1"/>
-              <a:t>HtDP</a:t>
-            </a:r>
-            <a:r>
-              <a:rPr lang="en-US" dirty="0"/>
-              <a:t>.</a:t>
+              <a:rPr lang="en-US" sz="2600" b="1" dirty="0">
+                <a:latin typeface="Consolas" pitchFamily="49" charset="0"/>
+                <a:cs typeface="Consolas" pitchFamily="49" charset="0"/>
+              </a:rPr>
+              <a:t> </a:t>
+            </a:r>
+            <a:r>
+              <a:rPr lang="en-US" sz="2600" b="1" dirty="0" err="1">
+                <a:latin typeface="Consolas" pitchFamily="49" charset="0"/>
+                <a:cs typeface="Consolas" pitchFamily="49" charset="0"/>
+              </a:rPr>
+              <a:t>lst</a:t>
+            </a:r>
+            <a:r>
+              <a:rPr lang="en-US" sz="2600" b="1" dirty="0">
+                <a:latin typeface="Consolas" pitchFamily="49" charset="0"/>
+                <a:cs typeface="Consolas" pitchFamily="49" charset="0"/>
+              </a:rPr>
+              <a:t>))</a:t>
             </a:r>
           </a:p>
         </p:txBody>
@@ -6562,7 +6744,7 @@
     </p:spTree>
     <p:extLst>
       <p:ext uri="{BB962C8B-B14F-4D97-AF65-F5344CB8AC3E}">
-        <p14:creationId xmlns:p14="http://schemas.microsoft.com/office/powerpoint/2010/main" val="1010546273"/>
+        <p14:creationId xmlns:p14="http://schemas.microsoft.com/office/powerpoint/2010/main" val="2134695429"/>
       </p:ext>
     </p:extLst>
   </p:cSld>
@@ -6602,262 +6784,67 @@
         <p:spPr/>
         <p:txBody>
           <a:bodyPr>
-            <a:normAutofit fontScale="90000"/>
-          </a:bodyPr>
-          <a:lstStyle/>
-          <a:p>
-            <a:r>
-              <a:rPr lang="en-US" dirty="0"/>
-              <a:t>What about add-1-to-each and extract-names?</a:t>
-            </a:r>
-          </a:p>
-        </p:txBody>
-      </p:sp>
-      <p:sp>
-        <p:nvSpPr>
-          <p:cNvPr id="3" name="Content Placeholder 2"/>
-          <p:cNvSpPr>
-            <a:spLocks noGrp="1"/>
-          </p:cNvSpPr>
-          <p:nvPr>
-            <p:ph idx="1"/>
-          </p:nvPr>
-        </p:nvSpPr>
-        <p:spPr>
-          <a:xfrm>
-            <a:off x="0" y="1600200"/>
-            <a:ext cx="8915400" cy="4525963"/>
-          </a:xfrm>
-        </p:spPr>
-        <p:txBody>
-          <a:bodyPr>
             <a:normAutofit/>
           </a:bodyPr>
           <a:lstStyle/>
           <a:p>
-            <a:pPr>
-              <a:buNone/>
-            </a:pPr>
-            <a:r>
-              <a:rPr lang="en-US" sz="2600" b="1" dirty="0">
-                <a:latin typeface="Consolas" pitchFamily="49" charset="0"/>
-                <a:cs typeface="Consolas" pitchFamily="49" charset="0"/>
-              </a:rPr>
-              <a:t> ;; strategy: </a:t>
-            </a:r>
-            <a:r>
-              <a:rPr lang="en-US" sz="2600" b="1" i="1" dirty="0">
-                <a:solidFill>
-                  <a:srgbClr val="FF0000"/>
-                </a:solidFill>
-                <a:latin typeface="Consolas" pitchFamily="49" charset="0"/>
-                <a:cs typeface="Consolas" pitchFamily="49" charset="0"/>
-              </a:rPr>
-              <a:t>Use HOF apply-to-each on </a:t>
-            </a:r>
-            <a:r>
-              <a:rPr lang="en-US" sz="2600" b="1" i="1" dirty="0" err="1">
-                <a:solidFill>
-                  <a:srgbClr val="FF0000"/>
-                </a:solidFill>
-                <a:latin typeface="Consolas" pitchFamily="49" charset="0"/>
-                <a:cs typeface="Consolas" pitchFamily="49" charset="0"/>
-              </a:rPr>
-              <a:t>lon</a:t>
-            </a:r>
-            <a:endParaRPr lang="en-US" sz="2600" b="1" i="1" dirty="0">
+            <a:r>
+              <a:rPr lang="en-US" dirty="0"/>
+              <a:t>Testing</a:t>
+            </a:r>
+          </a:p>
+        </p:txBody>
+      </p:sp>
+      <p:sp>
+        <p:nvSpPr>
+          <p:cNvPr id="3" name="Content Placeholder 2"/>
+          <p:cNvSpPr>
+            <a:spLocks noGrp="1"/>
+          </p:cNvSpPr>
+          <p:nvPr>
+            <p:ph idx="1"/>
+          </p:nvPr>
+        </p:nvSpPr>
+        <p:spPr/>
+        <p:txBody>
+          <a:bodyPr>
+            <a:normAutofit fontScale="92500" lnSpcReduction="20000"/>
+          </a:bodyPr>
+          <a:lstStyle/>
+          <a:p>
+            <a:r>
+              <a:rPr lang="en-US" dirty="0"/>
+              <a:t>Testing for functions defined using higher-order function composition is just like testing we saw in the previous lesson.</a:t>
+            </a:r>
+          </a:p>
+          <a:p>
+            <a:r>
+              <a:rPr lang="en-US" dirty="0"/>
+              <a:t>Original functions must be tested &amp; working first</a:t>
+            </a:r>
+          </a:p>
+          <a:p>
+            <a:r>
+              <a:rPr lang="en-US" dirty="0"/>
+              <a:t>Then write the generalized function and redefine your old functions in terms of the generalized one.</a:t>
+            </a:r>
+          </a:p>
+          <a:p>
+            <a:r>
+              <a:rPr lang="en-US" dirty="0"/>
+              <a:t>Then comment out the old definitions, so your old tests will now see the new definitions.</a:t>
+            </a:r>
+          </a:p>
+          <a:p>
+            <a:r>
+              <a:rPr lang="en-US" dirty="0"/>
+              <a:t>The original tests should still pass.</a:t>
+            </a:r>
+            <a:endParaRPr lang="en-US" dirty="0">
               <a:solidFill>
                 <a:srgbClr val="FF0000"/>
               </a:solidFill>
-              <a:latin typeface="Consolas" pitchFamily="49" charset="0"/>
-              <a:cs typeface="Consolas" pitchFamily="49" charset="0"/>
             </a:endParaRPr>
-          </a:p>
-          <a:p>
-            <a:pPr>
-              <a:buNone/>
-            </a:pPr>
-            <a:r>
-              <a:rPr lang="en-US" sz="2600" b="1" dirty="0">
-                <a:latin typeface="Consolas" pitchFamily="49" charset="0"/>
-                <a:cs typeface="Consolas" pitchFamily="49" charset="0"/>
-              </a:rPr>
-              <a:t> (define (add-1-to-each </a:t>
-            </a:r>
-            <a:r>
-              <a:rPr lang="en-US" sz="2600" b="1" dirty="0" err="1">
-                <a:latin typeface="Consolas" pitchFamily="49" charset="0"/>
-                <a:cs typeface="Consolas" pitchFamily="49" charset="0"/>
-              </a:rPr>
-              <a:t>lon</a:t>
-            </a:r>
-            <a:r>
-              <a:rPr lang="en-US" sz="2600" b="1" dirty="0">
-                <a:latin typeface="Consolas" pitchFamily="49" charset="0"/>
-                <a:cs typeface="Consolas" pitchFamily="49" charset="0"/>
-              </a:rPr>
-              <a:t>)</a:t>
-            </a:r>
-          </a:p>
-          <a:p>
-            <a:pPr>
-              <a:buNone/>
-            </a:pPr>
-            <a:r>
-              <a:rPr lang="en-US" sz="2600" b="1" dirty="0">
-                <a:latin typeface="Consolas" pitchFamily="49" charset="0"/>
-                <a:cs typeface="Consolas" pitchFamily="49" charset="0"/>
-              </a:rPr>
-              <a:t>    (apply-to-each </a:t>
-            </a:r>
-            <a:r>
-              <a:rPr lang="en-US" sz="2600" b="1" dirty="0">
-                <a:solidFill>
-                  <a:srgbClr val="00B050"/>
-                </a:solidFill>
-                <a:latin typeface="Consolas" pitchFamily="49" charset="0"/>
-                <a:cs typeface="Consolas" pitchFamily="49" charset="0"/>
-              </a:rPr>
-              <a:t>add1</a:t>
-            </a:r>
-            <a:r>
-              <a:rPr lang="en-US" sz="2600" b="1" dirty="0">
-                <a:latin typeface="Consolas" pitchFamily="49" charset="0"/>
-                <a:cs typeface="Consolas" pitchFamily="49" charset="0"/>
-              </a:rPr>
-              <a:t> </a:t>
-            </a:r>
-            <a:r>
-              <a:rPr lang="en-US" sz="2600" b="1" dirty="0" err="1">
-                <a:latin typeface="Consolas" pitchFamily="49" charset="0"/>
-                <a:cs typeface="Consolas" pitchFamily="49" charset="0"/>
-              </a:rPr>
-              <a:t>lon</a:t>
-            </a:r>
-            <a:r>
-              <a:rPr lang="en-US" sz="2600" b="1" dirty="0">
-                <a:latin typeface="Consolas" pitchFamily="49" charset="0"/>
-                <a:cs typeface="Consolas" pitchFamily="49" charset="0"/>
-              </a:rPr>
-              <a:t>))</a:t>
-            </a:r>
-          </a:p>
-          <a:p>
-            <a:pPr>
-              <a:buNone/>
-            </a:pPr>
-            <a:endParaRPr lang="en-US" sz="2600" b="1" dirty="0">
-              <a:latin typeface="Consolas" pitchFamily="49" charset="0"/>
-              <a:cs typeface="Consolas" pitchFamily="49" charset="0"/>
-            </a:endParaRPr>
-          </a:p>
-          <a:p>
-            <a:pPr>
-              <a:buNone/>
-            </a:pPr>
-            <a:r>
-              <a:rPr lang="en-US" sz="2600" b="1" dirty="0">
-                <a:latin typeface="Consolas" pitchFamily="49" charset="0"/>
-                <a:cs typeface="Consolas" pitchFamily="49" charset="0"/>
-              </a:rPr>
-              <a:t> ;; strategy: </a:t>
-            </a:r>
-            <a:r>
-              <a:rPr lang="en-US" sz="2600" b="1" i="1" dirty="0">
-                <a:solidFill>
-                  <a:srgbClr val="FF0000"/>
-                </a:solidFill>
-                <a:latin typeface="Consolas" pitchFamily="49" charset="0"/>
-                <a:cs typeface="Consolas" pitchFamily="49" charset="0"/>
-              </a:rPr>
-              <a:t>Use HOF apply-to-each on </a:t>
-            </a:r>
-            <a:r>
-              <a:rPr lang="en-US" sz="2600" b="1" i="1" dirty="0" err="1">
-                <a:solidFill>
-                  <a:srgbClr val="FF0000"/>
-                </a:solidFill>
-                <a:latin typeface="Consolas" pitchFamily="49" charset="0"/>
-                <a:cs typeface="Consolas" pitchFamily="49" charset="0"/>
-              </a:rPr>
-              <a:t>lon</a:t>
-            </a:r>
-            <a:endParaRPr lang="en-US" sz="2600" b="1" i="1" dirty="0">
-              <a:solidFill>
-                <a:srgbClr val="FF0000"/>
-              </a:solidFill>
-              <a:latin typeface="Consolas" pitchFamily="49" charset="0"/>
-              <a:cs typeface="Consolas" pitchFamily="49" charset="0"/>
-            </a:endParaRPr>
-          </a:p>
-          <a:p>
-            <a:pPr>
-              <a:buNone/>
-            </a:pPr>
-            <a:r>
-              <a:rPr lang="en-US" sz="2600" b="1" dirty="0">
-                <a:latin typeface="Consolas" pitchFamily="49" charset="0"/>
-                <a:cs typeface="Consolas" pitchFamily="49" charset="0"/>
-              </a:rPr>
-              <a:t>  (define (extract-names </a:t>
-            </a:r>
-            <a:r>
-              <a:rPr lang="en-US" sz="2600" b="1" dirty="0" err="1">
-                <a:latin typeface="Consolas" pitchFamily="49" charset="0"/>
-                <a:cs typeface="Consolas" pitchFamily="49" charset="0"/>
-              </a:rPr>
-              <a:t>loe</a:t>
-            </a:r>
-            <a:r>
-              <a:rPr lang="en-US" sz="2600" b="1" dirty="0">
-                <a:latin typeface="Consolas" pitchFamily="49" charset="0"/>
-                <a:cs typeface="Consolas" pitchFamily="49" charset="0"/>
-              </a:rPr>
-              <a:t>)</a:t>
-            </a:r>
-          </a:p>
-          <a:p>
-            <a:pPr>
-              <a:buNone/>
-            </a:pPr>
-            <a:r>
-              <a:rPr lang="en-US" sz="2600" b="1" dirty="0">
-                <a:latin typeface="Consolas" pitchFamily="49" charset="0"/>
-                <a:cs typeface="Consolas" pitchFamily="49" charset="0"/>
-              </a:rPr>
-              <a:t>    (apply-to-each </a:t>
-            </a:r>
-            <a:r>
-              <a:rPr lang="en-US" sz="2600" b="1" dirty="0">
-                <a:solidFill>
-                  <a:srgbClr val="00B050"/>
-                </a:solidFill>
-                <a:latin typeface="Consolas" pitchFamily="49" charset="0"/>
-                <a:cs typeface="Consolas" pitchFamily="49" charset="0"/>
-              </a:rPr>
-              <a:t>employee-name</a:t>
-            </a:r>
-            <a:r>
-              <a:rPr lang="en-US" sz="2600" b="1" dirty="0">
-                <a:latin typeface="Consolas" pitchFamily="49" charset="0"/>
-                <a:cs typeface="Consolas" pitchFamily="49" charset="0"/>
-              </a:rPr>
-              <a:t> </a:t>
-            </a:r>
-            <a:r>
-              <a:rPr lang="en-US" sz="2600" b="1" dirty="0" err="1">
-                <a:latin typeface="Consolas" pitchFamily="49" charset="0"/>
-                <a:cs typeface="Consolas" pitchFamily="49" charset="0"/>
-              </a:rPr>
-              <a:t>loe</a:t>
-            </a:r>
-            <a:r>
-              <a:rPr lang="en-US" sz="2600" b="1" dirty="0">
-                <a:latin typeface="Consolas" pitchFamily="49" charset="0"/>
-                <a:cs typeface="Consolas" pitchFamily="49" charset="0"/>
-              </a:rPr>
-              <a:t>))</a:t>
-            </a:r>
           </a:p>
         </p:txBody>
       </p:sp>
@@ -6888,7 +6875,7 @@
     </p:spTree>
     <p:extLst>
       <p:ext uri="{BB962C8B-B14F-4D97-AF65-F5344CB8AC3E}">
-        <p14:creationId xmlns:p14="http://schemas.microsoft.com/office/powerpoint/2010/main" val="2134695429"/>
+        <p14:creationId xmlns:p14="http://schemas.microsoft.com/office/powerpoint/2010/main" val="1438739307"/>
       </p:ext>
     </p:extLst>
   </p:cSld>
@@ -6927,14 +6914,12 @@
         </p:nvSpPr>
         <p:spPr/>
         <p:txBody>
-          <a:bodyPr>
-            <a:normAutofit/>
-          </a:bodyPr>
+          <a:bodyPr/>
           <a:lstStyle/>
           <a:p>
             <a:r>
               <a:rPr lang="en-US" dirty="0"/>
-              <a:t>Testing</a:t>
+              <a:t>Doing something complicated?</a:t>
             </a:r>
           </a:p>
         </p:txBody>
@@ -6951,44 +6936,112 @@
         </p:nvSpPr>
         <p:spPr/>
         <p:txBody>
-          <a:bodyPr>
-            <a:normAutofit fontScale="92500" lnSpcReduction="20000"/>
-          </a:bodyPr>
+          <a:bodyPr/>
           <a:lstStyle/>
           <a:p>
             <a:r>
               <a:rPr lang="en-US" dirty="0"/>
-              <a:t>Testing for functions defined using higher-order function composition is just like testing we saw in the previous lesson.</a:t>
-            </a:r>
-          </a:p>
-          <a:p>
+              <a:t>The function to be passed to </a:t>
+            </a:r>
+            <a:r>
+              <a:rPr lang="en-US" b="1" dirty="0"/>
+              <a:t>apply-to-each</a:t>
+            </a:r>
             <a:r>
               <a:rPr lang="en-US" dirty="0"/>
-              <a:t>Original functions must be tested &amp; working first</a:t>
+              <a:t> is not always a built-in Racket function. </a:t>
             </a:r>
           </a:p>
           <a:p>
             <a:r>
               <a:rPr lang="en-US" dirty="0"/>
-              <a:t>Then write the generalized function and redefine your old functions in terms of the generalized one.</a:t>
-            </a:r>
-          </a:p>
-          <a:p>
-            <a:r>
-              <a:rPr lang="en-US" dirty="0"/>
-              <a:t>Then comment out the old definitions, so your old tests will now see the new definitions.</a:t>
-            </a:r>
-          </a:p>
-          <a:p>
-            <a:r>
-              <a:rPr lang="en-US" dirty="0"/>
-              <a:t>The original tests should still pass.</a:t>
-            </a:r>
-            <a:endParaRPr lang="en-US" dirty="0">
-              <a:solidFill>
-                <a:srgbClr val="FF0000"/>
-              </a:solidFill>
-            </a:endParaRPr>
+              <a:t>Then just define your own:</a:t>
+            </a:r>
+          </a:p>
+          <a:p>
+            <a:pPr marL="0" indent="0">
+              <a:buNone/>
+            </a:pPr>
+            <a:r>
+              <a:rPr lang="en-US" b="1" dirty="0">
+                <a:latin typeface="Consolas" panose="020B0609020204030204" pitchFamily="49" charset="0"/>
+                <a:cs typeface="Consolas" panose="020B0609020204030204" pitchFamily="49" charset="0"/>
+              </a:rPr>
+              <a:t>(define (add5 n) (+ n 5))</a:t>
+            </a:r>
+          </a:p>
+          <a:p>
+            <a:pPr marL="0" indent="0">
+              <a:buNone/>
+            </a:pPr>
+            <a:r>
+              <a:rPr lang="en-US" b="1" dirty="0">
+                <a:latin typeface="Consolas" panose="020B0609020204030204" pitchFamily="49" charset="0"/>
+                <a:cs typeface="Consolas" panose="020B0609020204030204" pitchFamily="49" charset="0"/>
+              </a:rPr>
+              <a:t>(define (add-5-to-each </a:t>
+            </a:r>
+            <a:r>
+              <a:rPr lang="en-US" b="1" dirty="0" err="1">
+                <a:latin typeface="Consolas" panose="020B0609020204030204" pitchFamily="49" charset="0"/>
+                <a:cs typeface="Consolas" panose="020B0609020204030204" pitchFamily="49" charset="0"/>
+              </a:rPr>
+              <a:t>lst</a:t>
+            </a:r>
+            <a:r>
+              <a:rPr lang="en-US" b="1" dirty="0">
+                <a:latin typeface="Consolas" panose="020B0609020204030204" pitchFamily="49" charset="0"/>
+                <a:cs typeface="Consolas" panose="020B0609020204030204" pitchFamily="49" charset="0"/>
+              </a:rPr>
+              <a:t>)</a:t>
+            </a:r>
+          </a:p>
+          <a:p>
+            <a:pPr marL="0" indent="0">
+              <a:buNone/>
+            </a:pPr>
+            <a:r>
+              <a:rPr lang="en-US" b="1" dirty="0">
+                <a:latin typeface="Consolas" panose="020B0609020204030204" pitchFamily="49" charset="0"/>
+                <a:cs typeface="Consolas" panose="020B0609020204030204" pitchFamily="49" charset="0"/>
+              </a:rPr>
+              <a:t>  (apply-to-each add5 </a:t>
+            </a:r>
+            <a:r>
+              <a:rPr lang="en-US" b="1" dirty="0" err="1">
+                <a:latin typeface="Consolas" panose="020B0609020204030204" pitchFamily="49" charset="0"/>
+                <a:cs typeface="Consolas" panose="020B0609020204030204" pitchFamily="49" charset="0"/>
+              </a:rPr>
+              <a:t>lst</a:t>
+            </a:r>
+            <a:r>
+              <a:rPr lang="en-US" b="1" dirty="0">
+                <a:latin typeface="Consolas" panose="020B0609020204030204" pitchFamily="49" charset="0"/>
+                <a:cs typeface="Consolas" panose="020B0609020204030204" pitchFamily="49" charset="0"/>
+              </a:rPr>
+              <a:t>))</a:t>
+            </a:r>
+          </a:p>
+          <a:p>
+            <a:r>
+              <a:rPr lang="en-US" dirty="0">
+                <a:cs typeface="Consolas" panose="020B0609020204030204" pitchFamily="49" charset="0"/>
+              </a:rPr>
+              <a:t>Of course we'll need contracts, purpose statements, etc., for </a:t>
+            </a:r>
+            <a:r>
+              <a:rPr lang="en-US" b="1" dirty="0">
+                <a:latin typeface="Consolas" panose="020B0609020204030204" pitchFamily="49" charset="0"/>
+                <a:cs typeface="Consolas" panose="020B0609020204030204" pitchFamily="49" charset="0"/>
+              </a:rPr>
+              <a:t>add5</a:t>
+            </a:r>
+            <a:r>
+              <a:rPr lang="en-US" dirty="0">
+                <a:cs typeface="Consolas" panose="020B0609020204030204" pitchFamily="49" charset="0"/>
+              </a:rPr>
+              <a:t>.</a:t>
+            </a:r>
           </a:p>
         </p:txBody>
       </p:sp>
@@ -7019,7 +7072,7 @@
     </p:spTree>
     <p:extLst>
       <p:ext uri="{BB962C8B-B14F-4D97-AF65-F5344CB8AC3E}">
-        <p14:creationId xmlns:p14="http://schemas.microsoft.com/office/powerpoint/2010/main" val="1438739307"/>
+        <p14:creationId xmlns:p14="http://schemas.microsoft.com/office/powerpoint/2010/main" val="2518867257"/>
       </p:ext>
     </p:extLst>
   </p:cSld>
@@ -7063,135 +7116,287 @@
           <a:p>
             <a:r>
               <a:rPr lang="en-US" dirty="0"/>
-              <a:t>Doing something complicated?</a:t>
-            </a:r>
-          </a:p>
-        </p:txBody>
-      </p:sp>
-      <p:sp>
-        <p:nvSpPr>
-          <p:cNvPr id="3" name="Content Placeholder 2"/>
-          <p:cNvSpPr>
-            <a:spLocks noGrp="1"/>
-          </p:cNvSpPr>
-          <p:nvPr>
-            <p:ph idx="1"/>
-          </p:nvPr>
-        </p:nvSpPr>
-        <p:spPr/>
-        <p:txBody>
-          <a:bodyPr/>
-          <a:lstStyle/>
-          <a:p>
-            <a:r>
-              <a:rPr lang="en-US" dirty="0"/>
-              <a:t>The function to be passed to </a:t>
-            </a:r>
-            <a:r>
-              <a:rPr lang="en-US" b="1" dirty="0"/>
-              <a:t>apply-to-each</a:t>
-            </a:r>
-            <a:r>
-              <a:rPr lang="en-US" dirty="0"/>
-              <a:t> is not always a built-in Racket function. </a:t>
-            </a:r>
-          </a:p>
-          <a:p>
-            <a:r>
-              <a:rPr lang="en-US" dirty="0"/>
-              <a:t>Then just define your own:</a:t>
-            </a:r>
-          </a:p>
-          <a:p>
-            <a:pPr marL="0" indent="0">
-              <a:buNone/>
-            </a:pPr>
+              <a:t>You can use ISL's </a:t>
+            </a:r>
             <a:r>
               <a:rPr lang="en-US" b="1" dirty="0">
                 <a:latin typeface="Consolas" panose="020B0609020204030204" pitchFamily="49" charset="0"/>
                 <a:cs typeface="Consolas" panose="020B0609020204030204" pitchFamily="49" charset="0"/>
               </a:rPr>
-              <a:t>(define (add5 n) (+ n 5))</a:t>
-            </a:r>
-          </a:p>
-          <a:p>
-            <a:pPr marL="0" indent="0">
-              <a:buNone/>
-            </a:pPr>
-            <a:r>
-              <a:rPr lang="en-US" b="1" dirty="0">
-                <a:latin typeface="Consolas" panose="020B0609020204030204" pitchFamily="49" charset="0"/>
-                <a:cs typeface="Consolas" panose="020B0609020204030204" pitchFamily="49" charset="0"/>
+              <a:t>local</a:t>
+            </a:r>
+            <a:r>
+              <a:rPr lang="en-US" dirty="0"/>
+              <a:t> to do this</a:t>
+            </a:r>
+          </a:p>
+        </p:txBody>
+      </p:sp>
+      <p:sp>
+        <p:nvSpPr>
+          <p:cNvPr id="3" name="Content Placeholder 2"/>
+          <p:cNvSpPr>
+            <a:spLocks noGrp="1"/>
+          </p:cNvSpPr>
+          <p:nvPr>
+            <p:ph idx="1"/>
+          </p:nvPr>
+        </p:nvSpPr>
+        <p:spPr/>
+        <p:txBody>
+          <a:bodyPr>
+            <a:normAutofit/>
+          </a:bodyPr>
+          <a:lstStyle/>
+          <a:p>
+            <a:pPr marL="0">
+              <a:spcBef>
+                <a:spcPts val="0"/>
+              </a:spcBef>
+              <a:buNone/>
+            </a:pPr>
+            <a:r>
+              <a:rPr lang="en-US" sz="2400" b="1" dirty="0">
+                <a:latin typeface="Consolas" pitchFamily="49" charset="0"/>
+                <a:cs typeface="Consolas" pitchFamily="49" charset="0"/>
+              </a:rPr>
+              <a:t>;; </a:t>
+            </a:r>
+            <a:r>
+              <a:rPr lang="en-US" sz="2400" b="1" dirty="0" err="1">
+                <a:latin typeface="Consolas" pitchFamily="49" charset="0"/>
+                <a:cs typeface="Consolas" pitchFamily="49" charset="0"/>
+              </a:rPr>
+              <a:t>NumberList</a:t>
+            </a:r>
+            <a:r>
+              <a:rPr lang="en-US" sz="2400" b="1" dirty="0">
+                <a:latin typeface="Consolas" pitchFamily="49" charset="0"/>
+                <a:cs typeface="Consolas" pitchFamily="49" charset="0"/>
+              </a:rPr>
+              <a:t> -&gt; </a:t>
+            </a:r>
+            <a:r>
+              <a:rPr lang="en-US" sz="2400" b="1" dirty="0" err="1">
+                <a:latin typeface="Consolas" pitchFamily="49" charset="0"/>
+                <a:cs typeface="Consolas" pitchFamily="49" charset="0"/>
+              </a:rPr>
+              <a:t>NumberList</a:t>
+            </a:r>
+            <a:endParaRPr lang="en-US" sz="2400" b="1" dirty="0">
+              <a:latin typeface="Consolas" pitchFamily="49" charset="0"/>
+              <a:cs typeface="Consolas" pitchFamily="49" charset="0"/>
+            </a:endParaRPr>
+          </a:p>
+          <a:p>
+            <a:pPr marL="0">
+              <a:spcBef>
+                <a:spcPts val="0"/>
+              </a:spcBef>
+              <a:buNone/>
+            </a:pPr>
+            <a:r>
+              <a:rPr lang="en-US" sz="2400" b="1" dirty="0">
+                <a:latin typeface="Consolas" pitchFamily="49" charset="0"/>
+                <a:cs typeface="Consolas" pitchFamily="49" charset="0"/>
+              </a:rPr>
+              <a:t>;; GIVEN: a list of numbers</a:t>
+            </a:r>
+          </a:p>
+          <a:p>
+            <a:pPr marL="0">
+              <a:spcBef>
+                <a:spcPts val="0"/>
+              </a:spcBef>
+              <a:buNone/>
+            </a:pPr>
+            <a:r>
+              <a:rPr lang="en-US" sz="2400" b="1" dirty="0">
+                <a:latin typeface="Consolas" pitchFamily="49" charset="0"/>
+                <a:cs typeface="Consolas" pitchFamily="49" charset="0"/>
+              </a:rPr>
+              <a:t>;; RETURNS: a list like the given one, </a:t>
+            </a:r>
+          </a:p>
+          <a:p>
+            <a:pPr marL="0">
+              <a:spcBef>
+                <a:spcPts val="0"/>
+              </a:spcBef>
+              <a:buNone/>
+            </a:pPr>
+            <a:r>
+              <a:rPr lang="en-US" sz="2400" b="1" dirty="0">
+                <a:latin typeface="Consolas" pitchFamily="49" charset="0"/>
+                <a:cs typeface="Consolas" pitchFamily="49" charset="0"/>
+              </a:rPr>
+              <a:t>;; but with 5 added to each number.</a:t>
+            </a:r>
+          </a:p>
+          <a:p>
+            <a:pPr marL="0">
+              <a:spcBef>
+                <a:spcPts val="0"/>
+              </a:spcBef>
+              <a:buNone/>
+            </a:pPr>
+            <a:r>
+              <a:rPr lang="en-US" sz="2400" b="1" dirty="0">
+                <a:latin typeface="Consolas" pitchFamily="49" charset="0"/>
+                <a:cs typeface="Consolas" pitchFamily="49" charset="0"/>
+              </a:rPr>
+              <a:t>;; STRATEGY: Use HOF apply-to-each </a:t>
+            </a:r>
+          </a:p>
+          <a:p>
+            <a:pPr marL="0">
+              <a:spcBef>
+                <a:spcPts val="0"/>
+              </a:spcBef>
+              <a:buNone/>
+            </a:pPr>
+            <a:r>
+              <a:rPr lang="en-US" sz="2400" b="1" dirty="0">
+                <a:latin typeface="Consolas" pitchFamily="49" charset="0"/>
+                <a:cs typeface="Consolas" pitchFamily="49" charset="0"/>
+              </a:rPr>
+              <a:t>;;           on </a:t>
+            </a:r>
+            <a:r>
+              <a:rPr lang="en-US" sz="2400" b="1" dirty="0" err="1">
+                <a:latin typeface="Consolas" pitchFamily="49" charset="0"/>
+                <a:cs typeface="Consolas" pitchFamily="49" charset="0"/>
+              </a:rPr>
+              <a:t>lst</a:t>
+            </a:r>
+            <a:endParaRPr lang="en-US" sz="2400" b="1" dirty="0">
+              <a:latin typeface="Consolas" pitchFamily="49" charset="0"/>
+              <a:cs typeface="Consolas" pitchFamily="49" charset="0"/>
+            </a:endParaRPr>
+          </a:p>
+          <a:p>
+            <a:pPr marL="0">
+              <a:spcBef>
+                <a:spcPts val="0"/>
+              </a:spcBef>
+              <a:buNone/>
+            </a:pPr>
+            <a:r>
+              <a:rPr lang="en-US" sz="2400" b="1" dirty="0">
+                <a:latin typeface="Consolas" pitchFamily="49" charset="0"/>
+                <a:cs typeface="Consolas" pitchFamily="49" charset="0"/>
               </a:rPr>
               <a:t>(define (add-5-to-each </a:t>
             </a:r>
             <a:r>
-              <a:rPr lang="en-US" b="1" dirty="0" err="1">
-                <a:latin typeface="Consolas" panose="020B0609020204030204" pitchFamily="49" charset="0"/>
-                <a:cs typeface="Consolas" panose="020B0609020204030204" pitchFamily="49" charset="0"/>
-              </a:rPr>
-              <a:t>lon</a:t>
-            </a:r>
-            <a:r>
-              <a:rPr lang="en-US" b="1" dirty="0">
-                <a:latin typeface="Consolas" panose="020B0609020204030204" pitchFamily="49" charset="0"/>
-                <a:cs typeface="Consolas" panose="020B0609020204030204" pitchFamily="49" charset="0"/>
+              <a:rPr lang="en-US" sz="2400" b="1" dirty="0" err="1">
+                <a:latin typeface="Consolas" pitchFamily="49" charset="0"/>
+                <a:cs typeface="Consolas" pitchFamily="49" charset="0"/>
+              </a:rPr>
+              <a:t>lst</a:t>
+            </a:r>
+            <a:r>
+              <a:rPr lang="en-US" sz="2400" b="1" dirty="0">
+                <a:latin typeface="Consolas" pitchFamily="49" charset="0"/>
+                <a:cs typeface="Consolas" pitchFamily="49" charset="0"/>
               </a:rPr>
               <a:t>)</a:t>
             </a:r>
           </a:p>
           <a:p>
-            <a:pPr marL="0" indent="0">
-              <a:buNone/>
-            </a:pPr>
-            <a:r>
-              <a:rPr lang="en-US" b="1" dirty="0">
-                <a:latin typeface="Consolas" panose="020B0609020204030204" pitchFamily="49" charset="0"/>
-                <a:cs typeface="Consolas" panose="020B0609020204030204" pitchFamily="49" charset="0"/>
-              </a:rPr>
-              <a:t>  (apply-to-each add5 </a:t>
-            </a:r>
-            <a:r>
-              <a:rPr lang="en-US" b="1" dirty="0" err="1">
-                <a:latin typeface="Consolas" panose="020B0609020204030204" pitchFamily="49" charset="0"/>
-                <a:cs typeface="Consolas" panose="020B0609020204030204" pitchFamily="49" charset="0"/>
-              </a:rPr>
-              <a:t>lon</a:t>
-            </a:r>
-            <a:r>
-              <a:rPr lang="en-US" b="1" dirty="0">
-                <a:latin typeface="Consolas" panose="020B0609020204030204" pitchFamily="49" charset="0"/>
-                <a:cs typeface="Consolas" panose="020B0609020204030204" pitchFamily="49" charset="0"/>
-              </a:rPr>
-              <a:t>))</a:t>
-            </a:r>
-          </a:p>
-          <a:p>
-            <a:r>
-              <a:rPr lang="en-US" dirty="0">
-                <a:cs typeface="Consolas" panose="020B0609020204030204" pitchFamily="49" charset="0"/>
-              </a:rPr>
-              <a:t>Of course we'll need contracts, purpose statements, etc., for </a:t>
-            </a:r>
-            <a:r>
-              <a:rPr lang="en-US" b="1" dirty="0">
-                <a:latin typeface="Consolas" panose="020B0609020204030204" pitchFamily="49" charset="0"/>
-                <a:cs typeface="Consolas" panose="020B0609020204030204" pitchFamily="49" charset="0"/>
-              </a:rPr>
-              <a:t>add5</a:t>
-            </a:r>
-            <a:r>
-              <a:rPr lang="en-US" dirty="0">
-                <a:cs typeface="Consolas" panose="020B0609020204030204" pitchFamily="49" charset="0"/>
-              </a:rPr>
-              <a:t>.</a:t>
-            </a:r>
-          </a:p>
-        </p:txBody>
-      </p:sp>
-      <p:sp>
-        <p:nvSpPr>
-          <p:cNvPr id="4" name="Slide Number Placeholder 3"/>
+            <a:pPr marL="0">
+              <a:spcBef>
+                <a:spcPts val="0"/>
+              </a:spcBef>
+              <a:buNone/>
+            </a:pPr>
+            <a:r>
+              <a:rPr lang="en-US" sz="2400" b="1" dirty="0">
+                <a:latin typeface="Consolas" pitchFamily="49" charset="0"/>
+                <a:cs typeface="Consolas" pitchFamily="49" charset="0"/>
+              </a:rPr>
+              <a:t>    (local</a:t>
+            </a:r>
+          </a:p>
+          <a:p>
+            <a:pPr>
+              <a:spcBef>
+                <a:spcPts val="0"/>
+              </a:spcBef>
+              <a:buNone/>
+            </a:pPr>
+            <a:r>
+              <a:rPr lang="en-US" sz="2400" b="1" dirty="0">
+                <a:latin typeface="Consolas" pitchFamily="49" charset="0"/>
+                <a:cs typeface="Consolas" pitchFamily="49" charset="0"/>
+              </a:rPr>
+              <a:t>      ;; add5 : Number -&gt; Number</a:t>
+            </a:r>
+          </a:p>
+          <a:p>
+            <a:pPr>
+              <a:spcBef>
+                <a:spcPts val="0"/>
+              </a:spcBef>
+              <a:buNone/>
+            </a:pPr>
+            <a:r>
+              <a:rPr lang="en-US" sz="2400" b="1" dirty="0">
+                <a:latin typeface="Consolas" pitchFamily="49" charset="0"/>
+                <a:cs typeface="Consolas" pitchFamily="49" charset="0"/>
+              </a:rPr>
+              <a:t>      ;; RETURNS: its argument + 5  </a:t>
+            </a:r>
+          </a:p>
+          <a:p>
+            <a:pPr marL="0">
+              <a:spcBef>
+                <a:spcPts val="0"/>
+              </a:spcBef>
+              <a:buNone/>
+            </a:pPr>
+            <a:r>
+              <a:rPr lang="en-US" sz="2400" b="1" dirty="0">
+                <a:latin typeface="Consolas" pitchFamily="49" charset="0"/>
+                <a:cs typeface="Consolas" pitchFamily="49" charset="0"/>
+              </a:rPr>
+              <a:t>      ((define (add5 n) (+ n 5)))</a:t>
+            </a:r>
+          </a:p>
+          <a:p>
+            <a:pPr marL="0">
+              <a:spcBef>
+                <a:spcPts val="0"/>
+              </a:spcBef>
+              <a:buNone/>
+            </a:pPr>
+            <a:r>
+              <a:rPr lang="en-US" sz="2400" b="1" dirty="0">
+                <a:latin typeface="Consolas" pitchFamily="49" charset="0"/>
+                <a:cs typeface="Consolas" pitchFamily="49" charset="0"/>
+              </a:rPr>
+              <a:t>      (apply-to-each add5 </a:t>
+            </a:r>
+            <a:r>
+              <a:rPr lang="en-US" sz="2400" b="1" dirty="0" err="1">
+                <a:latin typeface="Consolas" pitchFamily="49" charset="0"/>
+                <a:cs typeface="Consolas" pitchFamily="49" charset="0"/>
+              </a:rPr>
+              <a:t>lst</a:t>
+            </a:r>
+            <a:r>
+              <a:rPr lang="en-US" sz="2400" b="1" dirty="0">
+                <a:latin typeface="Consolas" pitchFamily="49" charset="0"/>
+                <a:cs typeface="Consolas" pitchFamily="49" charset="0"/>
+              </a:rPr>
+              <a:t>)))</a:t>
+            </a:r>
+          </a:p>
+        </p:txBody>
+      </p:sp>
+      <p:sp>
+        <p:nvSpPr>
+          <p:cNvPr id="5" name="Slide Number Placeholder 4"/>
           <p:cNvSpPr>
             <a:spLocks noGrp="1"/>
           </p:cNvSpPr>
@@ -7213,355 +7418,6 @@
           </a:p>
         </p:txBody>
       </p:sp>
-    </p:spTree>
-    <p:extLst>
-      <p:ext uri="{BB962C8B-B14F-4D97-AF65-F5344CB8AC3E}">
-        <p14:creationId xmlns:p14="http://schemas.microsoft.com/office/powerpoint/2010/main" val="2518867257"/>
-      </p:ext>
-    </p:extLst>
-  </p:cSld>
-  <p:clrMapOvr>
-    <a:masterClrMapping/>
-  </p:clrMapOvr>
-</p:sld>
-</file>
-
-<file path=ppt/slides/slide16.xml><?xml version="1.0" encoding="utf-8"?>
-<p:sld xmlns:a="http://schemas.openxmlformats.org/drawingml/2006/main" xmlns:r="http://schemas.openxmlformats.org/officeDocument/2006/relationships" xmlns:p="http://schemas.openxmlformats.org/presentationml/2006/main">
-  <p:cSld>
-    <p:spTree>
-      <p:nvGrpSpPr>
-        <p:cNvPr id="1" name=""/>
-        <p:cNvGrpSpPr/>
-        <p:nvPr/>
-      </p:nvGrpSpPr>
-      <p:grpSpPr>
-        <a:xfrm>
-          <a:off x="0" y="0"/>
-          <a:ext cx="0" cy="0"/>
-          <a:chOff x="0" y="0"/>
-          <a:chExt cx="0" cy="0"/>
-        </a:xfrm>
-      </p:grpSpPr>
-      <p:sp>
-        <p:nvSpPr>
-          <p:cNvPr id="2" name="Title 1"/>
-          <p:cNvSpPr>
-            <a:spLocks noGrp="1"/>
-          </p:cNvSpPr>
-          <p:nvPr>
-            <p:ph type="title"/>
-          </p:nvPr>
-        </p:nvSpPr>
-        <p:spPr/>
-        <p:txBody>
-          <a:bodyPr/>
-          <a:lstStyle/>
-          <a:p>
-            <a:r>
-              <a:rPr lang="en-US" dirty="0"/>
-              <a:t>You can use ISL's </a:t>
-            </a:r>
-            <a:r>
-              <a:rPr lang="en-US" b="1" dirty="0">
-                <a:latin typeface="Consolas" panose="020B0609020204030204" pitchFamily="49" charset="0"/>
-                <a:cs typeface="Consolas" panose="020B0609020204030204" pitchFamily="49" charset="0"/>
-              </a:rPr>
-              <a:t>local</a:t>
-            </a:r>
-            <a:r>
-              <a:rPr lang="en-US" dirty="0"/>
-              <a:t> to do this</a:t>
-            </a:r>
-          </a:p>
-        </p:txBody>
-      </p:sp>
-      <p:sp>
-        <p:nvSpPr>
-          <p:cNvPr id="3" name="Content Placeholder 2"/>
-          <p:cNvSpPr>
-            <a:spLocks noGrp="1"/>
-          </p:cNvSpPr>
-          <p:nvPr>
-            <p:ph idx="1"/>
-          </p:nvPr>
-        </p:nvSpPr>
-        <p:spPr/>
-        <p:txBody>
-          <a:bodyPr>
-            <a:normAutofit/>
-          </a:bodyPr>
-          <a:lstStyle/>
-          <a:p>
-            <a:pPr marL="0">
-              <a:spcBef>
-                <a:spcPts val="0"/>
-              </a:spcBef>
-              <a:buNone/>
-            </a:pPr>
-            <a:r>
-              <a:rPr lang="en-US" sz="2400" b="1" dirty="0">
-                <a:latin typeface="Consolas" pitchFamily="49" charset="0"/>
-                <a:cs typeface="Consolas" pitchFamily="49" charset="0"/>
-              </a:rPr>
-              <a:t>;; </a:t>
-            </a:r>
-            <a:r>
-              <a:rPr lang="en-US" sz="2400" b="1" dirty="0" err="1">
-                <a:latin typeface="Consolas" pitchFamily="49" charset="0"/>
-                <a:cs typeface="Consolas" pitchFamily="49" charset="0"/>
-              </a:rPr>
-              <a:t>ListOfNumber</a:t>
-            </a:r>
-            <a:r>
-              <a:rPr lang="en-US" sz="2400" b="1" dirty="0">
-                <a:latin typeface="Consolas" pitchFamily="49" charset="0"/>
-                <a:cs typeface="Consolas" pitchFamily="49" charset="0"/>
-              </a:rPr>
-              <a:t> -&gt; </a:t>
-            </a:r>
-            <a:r>
-              <a:rPr lang="en-US" sz="2400" b="1" dirty="0" err="1">
-                <a:latin typeface="Consolas" pitchFamily="49" charset="0"/>
-                <a:cs typeface="Consolas" pitchFamily="49" charset="0"/>
-              </a:rPr>
-              <a:t>ListOfNumber</a:t>
-            </a:r>
-            <a:endParaRPr lang="en-US" sz="2400" b="1" dirty="0">
-              <a:latin typeface="Consolas" pitchFamily="49" charset="0"/>
-              <a:cs typeface="Consolas" pitchFamily="49" charset="0"/>
-            </a:endParaRPr>
-          </a:p>
-          <a:p>
-            <a:pPr marL="0">
-              <a:spcBef>
-                <a:spcPts val="0"/>
-              </a:spcBef>
-              <a:buNone/>
-            </a:pPr>
-            <a:r>
-              <a:rPr lang="en-US" sz="2400" b="1" dirty="0">
-                <a:latin typeface="Consolas" pitchFamily="49" charset="0"/>
-                <a:cs typeface="Consolas" pitchFamily="49" charset="0"/>
-              </a:rPr>
-              <a:t>;; GIVEN: a list of numbers</a:t>
-            </a:r>
-          </a:p>
-          <a:p>
-            <a:pPr marL="0">
-              <a:spcBef>
-                <a:spcPts val="0"/>
-              </a:spcBef>
-              <a:buNone/>
-            </a:pPr>
-            <a:r>
-              <a:rPr lang="en-US" sz="2400" b="1" dirty="0">
-                <a:latin typeface="Consolas" pitchFamily="49" charset="0"/>
-                <a:cs typeface="Consolas" pitchFamily="49" charset="0"/>
-              </a:rPr>
-              <a:t>;; RETURNS: a list like the given one, </a:t>
-            </a:r>
-          </a:p>
-          <a:p>
-            <a:pPr marL="0">
-              <a:spcBef>
-                <a:spcPts val="0"/>
-              </a:spcBef>
-              <a:buNone/>
-            </a:pPr>
-            <a:r>
-              <a:rPr lang="en-US" sz="2400" b="1" dirty="0">
-                <a:latin typeface="Consolas" pitchFamily="49" charset="0"/>
-                <a:cs typeface="Consolas" pitchFamily="49" charset="0"/>
-              </a:rPr>
-              <a:t>;; but with 5 added to each number.</a:t>
-            </a:r>
-          </a:p>
-          <a:p>
-            <a:pPr marL="0">
-              <a:spcBef>
-                <a:spcPts val="0"/>
-              </a:spcBef>
-              <a:buNone/>
-            </a:pPr>
-            <a:r>
-              <a:rPr lang="en-US" sz="2400" b="1" dirty="0">
-                <a:latin typeface="Consolas" pitchFamily="49" charset="0"/>
-                <a:cs typeface="Consolas" pitchFamily="49" charset="0"/>
-              </a:rPr>
-              <a:t>;; STRATEGY: Use HOF apply-to-each </a:t>
-            </a:r>
-          </a:p>
-          <a:p>
-            <a:pPr marL="0">
-              <a:spcBef>
-                <a:spcPts val="0"/>
-              </a:spcBef>
-              <a:buNone/>
-            </a:pPr>
-            <a:r>
-              <a:rPr lang="en-US" sz="2400" b="1" dirty="0">
-                <a:latin typeface="Consolas" pitchFamily="49" charset="0"/>
-                <a:cs typeface="Consolas" pitchFamily="49" charset="0"/>
-              </a:rPr>
-              <a:t>;;           on </a:t>
-            </a:r>
-            <a:r>
-              <a:rPr lang="en-US" sz="2400" b="1" dirty="0" err="1">
-                <a:latin typeface="Consolas" pitchFamily="49" charset="0"/>
-                <a:cs typeface="Consolas" pitchFamily="49" charset="0"/>
-              </a:rPr>
-              <a:t>lon</a:t>
-            </a:r>
-            <a:endParaRPr lang="en-US" sz="2400" b="1" dirty="0">
-              <a:latin typeface="Consolas" pitchFamily="49" charset="0"/>
-              <a:cs typeface="Consolas" pitchFamily="49" charset="0"/>
-            </a:endParaRPr>
-          </a:p>
-          <a:p>
-            <a:pPr marL="0">
-              <a:spcBef>
-                <a:spcPts val="0"/>
-              </a:spcBef>
-              <a:buNone/>
-            </a:pPr>
-            <a:r>
-              <a:rPr lang="en-US" sz="2400" b="1" dirty="0">
-                <a:latin typeface="Consolas" pitchFamily="49" charset="0"/>
-                <a:cs typeface="Consolas" pitchFamily="49" charset="0"/>
-              </a:rPr>
-              <a:t>(define (add-5-to-each </a:t>
-            </a:r>
-            <a:r>
-              <a:rPr lang="en-US" sz="2400" b="1" dirty="0" err="1">
-                <a:latin typeface="Consolas" pitchFamily="49" charset="0"/>
-                <a:cs typeface="Consolas" pitchFamily="49" charset="0"/>
-              </a:rPr>
-              <a:t>lon</a:t>
-            </a:r>
-            <a:r>
-              <a:rPr lang="en-US" sz="2400" b="1" dirty="0">
-                <a:latin typeface="Consolas" pitchFamily="49" charset="0"/>
-                <a:cs typeface="Consolas" pitchFamily="49" charset="0"/>
-              </a:rPr>
-              <a:t>)</a:t>
-            </a:r>
-          </a:p>
-          <a:p>
-            <a:pPr marL="0">
-              <a:spcBef>
-                <a:spcPts val="0"/>
-              </a:spcBef>
-              <a:buNone/>
-            </a:pPr>
-            <a:r>
-              <a:rPr lang="en-US" sz="2400" b="1" dirty="0">
-                <a:latin typeface="Consolas" pitchFamily="49" charset="0"/>
-                <a:cs typeface="Consolas" pitchFamily="49" charset="0"/>
-              </a:rPr>
-              <a:t>    (local</a:t>
-            </a:r>
-          </a:p>
-          <a:p>
-            <a:pPr>
-              <a:spcBef>
-                <a:spcPts val="0"/>
-              </a:spcBef>
-              <a:buNone/>
-            </a:pPr>
-            <a:r>
-              <a:rPr lang="en-US" sz="2400" b="1" dirty="0">
-                <a:latin typeface="Consolas" pitchFamily="49" charset="0"/>
-                <a:cs typeface="Consolas" pitchFamily="49" charset="0"/>
-              </a:rPr>
-              <a:t>      ;; add5 : Number -&gt; Number</a:t>
-            </a:r>
-          </a:p>
-          <a:p>
-            <a:pPr>
-              <a:spcBef>
-                <a:spcPts val="0"/>
-              </a:spcBef>
-              <a:buNone/>
-            </a:pPr>
-            <a:r>
-              <a:rPr lang="en-US" sz="2400" b="1" dirty="0">
-                <a:latin typeface="Consolas" pitchFamily="49" charset="0"/>
-                <a:cs typeface="Consolas" pitchFamily="49" charset="0"/>
-              </a:rPr>
-              <a:t>      ;; RETURNS: its argument + 5  </a:t>
-            </a:r>
-          </a:p>
-          <a:p>
-            <a:pPr marL="0">
-              <a:spcBef>
-                <a:spcPts val="0"/>
-              </a:spcBef>
-              <a:buNone/>
-            </a:pPr>
-            <a:r>
-              <a:rPr lang="en-US" sz="2400" b="1" dirty="0">
-                <a:latin typeface="Consolas" pitchFamily="49" charset="0"/>
-                <a:cs typeface="Consolas" pitchFamily="49" charset="0"/>
-              </a:rPr>
-              <a:t>      ((define (add5 n) (+ n 5)))</a:t>
-            </a:r>
-          </a:p>
-          <a:p>
-            <a:pPr marL="0">
-              <a:spcBef>
-                <a:spcPts val="0"/>
-              </a:spcBef>
-              <a:buNone/>
-            </a:pPr>
-            <a:r>
-              <a:rPr lang="en-US" sz="2400" b="1" dirty="0">
-                <a:latin typeface="Consolas" pitchFamily="49" charset="0"/>
-                <a:cs typeface="Consolas" pitchFamily="49" charset="0"/>
-              </a:rPr>
-              <a:t>      (apply-to-each add5 </a:t>
-            </a:r>
-            <a:r>
-              <a:rPr lang="en-US" sz="2400" b="1" dirty="0" err="1">
-                <a:latin typeface="Consolas" pitchFamily="49" charset="0"/>
-                <a:cs typeface="Consolas" pitchFamily="49" charset="0"/>
-              </a:rPr>
-              <a:t>lon</a:t>
-            </a:r>
-            <a:r>
-              <a:rPr lang="en-US" sz="2400" b="1" dirty="0">
-                <a:latin typeface="Consolas" pitchFamily="49" charset="0"/>
-                <a:cs typeface="Consolas" pitchFamily="49" charset="0"/>
-              </a:rPr>
-              <a:t>)))</a:t>
-            </a:r>
-          </a:p>
-        </p:txBody>
-      </p:sp>
-      <p:sp>
-        <p:nvSpPr>
-          <p:cNvPr id="5" name="Slide Number Placeholder 4"/>
-          <p:cNvSpPr>
-            <a:spLocks noGrp="1"/>
-          </p:cNvSpPr>
-          <p:nvPr>
-            <p:ph type="sldNum" sz="quarter" idx="12"/>
-          </p:nvPr>
-        </p:nvSpPr>
-        <p:spPr/>
-        <p:txBody>
-          <a:bodyPr/>
-          <a:lstStyle/>
-          <a:p>
-            <a:fld id="{9F4492BD-6A9C-48FC-AC76-0B4FE11194A1}" type="slidenum">
-              <a:rPr lang="en-US" smtClean="0"/>
-              <a:pPr/>
-              <a:t>16</a:t>
-            </a:fld>
-            <a:endParaRPr lang="en-US"/>
-          </a:p>
-        </p:txBody>
-      </p:sp>
       <p:sp>
         <p:nvSpPr>
           <p:cNvPr id="4" name="TextBox 3"/>
@@ -7570,19 +7426,21 @@
         </p:nvSpPr>
         <p:spPr>
           <a:xfrm>
-            <a:off x="7027817" y="1663065"/>
-            <a:ext cx="2107474" cy="1981200"/>
+            <a:off x="6934200" y="1647825"/>
+            <a:ext cx="2107474" cy="1247775"/>
           </a:xfrm>
           <a:prstGeom prst="rect">
             <a:avLst/>
           </a:prstGeom>
           <a:solidFill>
-            <a:schemeClr val="accent3">
-              <a:lumMod val="40000"/>
-              <a:lumOff val="60000"/>
+            <a:schemeClr val="accent1">
+              <a:lumMod val="20000"/>
+              <a:lumOff val="80000"/>
             </a:schemeClr>
           </a:solidFill>
-          <a:ln/>
+          <a:ln>
+            <a:noFill/>
+          </a:ln>
         </p:spPr>
         <p:style>
           <a:lnRef idx="2">
@@ -7670,7 +7528,15 @@
           <a:p>
             <a:r>
               <a:rPr lang="en-US" dirty="0"/>
-              <a:t>In ISL, local allows you to create local definitions.  See HtDP2, sec 18.2.</a:t>
+              <a:t>In ISL, </a:t>
+            </a:r>
+            <a:r>
+              <a:rPr lang="en-US" b="1" dirty="0"/>
+              <a:t>local</a:t>
+            </a:r>
+            <a:r>
+              <a:rPr lang="en-US" dirty="0"/>
+              <a:t> allows you to create local definitions.  See HtDP2, sec 18.2.</a:t>
             </a:r>
           </a:p>
         </p:txBody>
@@ -7683,19 +7549,21 @@
         </p:nvSpPr>
         <p:spPr>
           <a:xfrm>
-            <a:off x="6620691" y="4305005"/>
+            <a:off x="6477000" y="3733800"/>
             <a:ext cx="2514600" cy="1143000"/>
           </a:xfrm>
           <a:prstGeom prst="rect">
             <a:avLst/>
           </a:prstGeom>
           <a:solidFill>
-            <a:schemeClr val="accent3">
-              <a:lumMod val="40000"/>
-              <a:lumOff val="60000"/>
+            <a:schemeClr val="accent1">
+              <a:lumMod val="20000"/>
+              <a:lumOff val="80000"/>
             </a:schemeClr>
           </a:solidFill>
-          <a:ln/>
+          <a:ln>
+            <a:noFill/>
+          </a:ln>
         </p:spPr>
         <p:style>
           <a:lnRef idx="2">
@@ -7745,7 +7613,7 @@
 </p:sld>
 </file>
 
-<file path=ppt/slides/slide17.xml><?xml version="1.0" encoding="utf-8"?>
+<file path=ppt/slides/slide16.xml><?xml version="1.0" encoding="utf-8"?>
 <p:sld xmlns:a="http://schemas.openxmlformats.org/drawingml/2006/main" xmlns:r="http://schemas.openxmlformats.org/officeDocument/2006/relationships" xmlns:p="http://schemas.openxmlformats.org/presentationml/2006/main">
   <p:cSld>
     <p:spTree>
@@ -7826,7 +7694,7 @@
                 <a:latin typeface="Consolas" pitchFamily="49" charset="0"/>
                 <a:cs typeface="Consolas" pitchFamily="49" charset="0"/>
               </a:rPr>
-              <a:t>lon</a:t>
+              <a:t>lst</a:t>
             </a:r>
             <a:r>
               <a:rPr lang="en-US" sz="2800" b="1" dirty="0">
@@ -7900,7 +7768,7 @@
                 <a:latin typeface="Consolas" pitchFamily="49" charset="0"/>
                 <a:cs typeface="Consolas" pitchFamily="49" charset="0"/>
               </a:rPr>
-              <a:t>lon</a:t>
+              <a:t>lst</a:t>
             </a:r>
             <a:r>
               <a:rPr lang="en-US" sz="2800" b="1" dirty="0">
@@ -7966,7 +7834,7 @@
             <a:fld id="{9F4492BD-6A9C-48FC-AC76-0B4FE11194A1}" type="slidenum">
               <a:rPr lang="en-US" smtClean="0"/>
               <a:pPr/>
-              <a:t>17</a:t>
+              <a:t>16</a:t>
             </a:fld>
             <a:endParaRPr lang="en-US" dirty="0"/>
           </a:p>
@@ -7987,18 +7855,13 @@
             <a:avLst/>
           </a:prstGeom>
           <a:solidFill>
-            <a:schemeClr val="accent3">
+            <a:schemeClr val="accent1">
               <a:lumMod val="20000"/>
               <a:lumOff val="80000"/>
             </a:schemeClr>
           </a:solidFill>
           <a:ln w="12700">
-            <a:solidFill>
-              <a:schemeClr val="tx2">
-                <a:lumMod val="60000"/>
-                <a:lumOff val="40000"/>
-              </a:schemeClr>
-            </a:solidFill>
+            <a:noFill/>
           </a:ln>
         </p:spPr>
         <p:txBody>
@@ -8090,18 +7953,13 @@
             <a:avLst/>
           </a:prstGeom>
           <a:solidFill>
-            <a:schemeClr val="accent3">
+            <a:schemeClr val="accent1">
               <a:lumMod val="20000"/>
               <a:lumOff val="80000"/>
             </a:schemeClr>
           </a:solidFill>
           <a:ln w="12700">
-            <a:solidFill>
-              <a:schemeClr val="tx2">
-                <a:lumMod val="60000"/>
-                <a:lumOff val="40000"/>
-              </a:schemeClr>
-            </a:solidFill>
+            <a:noFill/>
           </a:ln>
         </p:spPr>
         <p:txBody>
@@ -8251,6 +8109,205 @@
 </p:sld>
 </file>
 
+<file path=ppt/slides/slide17.xml><?xml version="1.0" encoding="utf-8"?>
+<p:sld xmlns:a="http://schemas.openxmlformats.org/drawingml/2006/main" xmlns:r="http://schemas.openxmlformats.org/officeDocument/2006/relationships" xmlns:p="http://schemas.openxmlformats.org/presentationml/2006/main">
+  <p:cSld>
+    <p:spTree>
+      <p:nvGrpSpPr>
+        <p:cNvPr id="1" name=""/>
+        <p:cNvGrpSpPr/>
+        <p:nvPr/>
+      </p:nvGrpSpPr>
+      <p:grpSpPr>
+        <a:xfrm>
+          <a:off x="0" y="0"/>
+          <a:ext cx="0" cy="0"/>
+          <a:chOff x="0" y="0"/>
+          <a:chExt cx="0" cy="0"/>
+        </a:xfrm>
+      </p:grpSpPr>
+      <p:sp>
+        <p:nvSpPr>
+          <p:cNvPr id="2" name="Title 1"/>
+          <p:cNvSpPr>
+            <a:spLocks noGrp="1"/>
+          </p:cNvSpPr>
+          <p:nvPr>
+            <p:ph type="title"/>
+          </p:nvPr>
+        </p:nvSpPr>
+        <p:spPr/>
+        <p:txBody>
+          <a:bodyPr>
+            <a:normAutofit fontScale="90000"/>
+          </a:bodyPr>
+          <a:lstStyle/>
+          <a:p>
+            <a:r>
+              <a:rPr lang="en-US" dirty="0"/>
+              <a:t>Let's stop and talk about </a:t>
+            </a:r>
+            <a:r>
+              <a:rPr lang="en-US" b="1" dirty="0">
+                <a:latin typeface="Consolas" panose="020B0609020204030204" pitchFamily="49" charset="0"/>
+                <a:cs typeface="Consolas" panose="020B0609020204030204" pitchFamily="49" charset="0"/>
+              </a:rPr>
+              <a:t>lambda</a:t>
+            </a:r>
+            <a:r>
+              <a:rPr lang="en-US" dirty="0"/>
+              <a:t> for a minute</a:t>
+            </a:r>
+            <a:endParaRPr lang="en-US" b="1" dirty="0">
+              <a:latin typeface="Consolas" pitchFamily="49" charset="0"/>
+              <a:cs typeface="Consolas" pitchFamily="49" charset="0"/>
+            </a:endParaRPr>
+          </a:p>
+        </p:txBody>
+      </p:sp>
+      <p:sp>
+        <p:nvSpPr>
+          <p:cNvPr id="3" name="Content Placeholder 2"/>
+          <p:cNvSpPr>
+            <a:spLocks noGrp="1"/>
+          </p:cNvSpPr>
+          <p:nvPr>
+            <p:ph idx="1"/>
+          </p:nvPr>
+        </p:nvSpPr>
+        <p:spPr/>
+        <p:txBody>
+          <a:bodyPr>
+            <a:normAutofit lnSpcReduction="10000"/>
+          </a:bodyPr>
+          <a:lstStyle/>
+          <a:p>
+            <a:r>
+              <a:rPr lang="en-US" dirty="0"/>
+              <a:t>The value of a </a:t>
+            </a:r>
+            <a:r>
+              <a:rPr lang="en-US" b="1" dirty="0"/>
+              <a:t>lambda</a:t>
+            </a:r>
+            <a:r>
+              <a:rPr lang="en-US" dirty="0"/>
+              <a:t> expression is a function.</a:t>
+            </a:r>
+          </a:p>
+          <a:p>
+            <a:r>
+              <a:rPr lang="en-US" dirty="0"/>
+              <a:t>You can use the </a:t>
+            </a:r>
+            <a:r>
+              <a:rPr lang="en-US" b="1" dirty="0"/>
+              <a:t>lambda</a:t>
+            </a:r>
+            <a:r>
+              <a:rPr lang="en-US" dirty="0"/>
+              <a:t> expression anywhere you would use the function</a:t>
+            </a:r>
+          </a:p>
+          <a:p>
+            <a:r>
+              <a:rPr lang="en-US" dirty="0"/>
+              <a:t>The value of </a:t>
+            </a:r>
+            <a:r>
+              <a:rPr lang="en-US" b="1" dirty="0">
+                <a:latin typeface="Consolas" pitchFamily="49" charset="0"/>
+                <a:cs typeface="Consolas" pitchFamily="49" charset="0"/>
+              </a:rPr>
+              <a:t>(lambda (n) (+ n 5)) </a:t>
+            </a:r>
+            <a:r>
+              <a:rPr lang="en-US" dirty="0"/>
+              <a:t>is a function that adds 5 to its argument.</a:t>
+            </a:r>
+          </a:p>
+          <a:p>
+            <a:r>
+              <a:rPr lang="en-US" sz="2800" b="1" dirty="0">
+                <a:latin typeface="Consolas" pitchFamily="49" charset="0"/>
+                <a:cs typeface="Consolas" pitchFamily="49" charset="0"/>
+              </a:rPr>
+              <a:t>(apply-to-all (lambda (n) (+ n 5)) </a:t>
+            </a:r>
+            <a:r>
+              <a:rPr lang="en-US" sz="2800" b="1" dirty="0" err="1">
+                <a:latin typeface="Consolas" pitchFamily="49" charset="0"/>
+                <a:cs typeface="Consolas" pitchFamily="49" charset="0"/>
+              </a:rPr>
+              <a:t>lst</a:t>
+            </a:r>
+            <a:r>
+              <a:rPr lang="en-US" sz="2800" b="1" dirty="0">
+                <a:latin typeface="Consolas" pitchFamily="49" charset="0"/>
+                <a:cs typeface="Consolas" pitchFamily="49" charset="0"/>
+              </a:rPr>
+              <a:t>) </a:t>
+            </a:r>
+          </a:p>
+          <a:p>
+            <a:pPr marL="400050" lvl="1" indent="0">
+              <a:buNone/>
+            </a:pPr>
+            <a:r>
+              <a:rPr lang="en-US" sz="3200" dirty="0"/>
+              <a:t>returns a list like </a:t>
+            </a:r>
+            <a:r>
+              <a:rPr lang="en-US" sz="3200" b="1" dirty="0" err="1">
+                <a:latin typeface="Consolas" pitchFamily="49" charset="0"/>
+                <a:cs typeface="Consolas" pitchFamily="49" charset="0"/>
+              </a:rPr>
+              <a:t>lst</a:t>
+            </a:r>
+            <a:r>
+              <a:rPr lang="en-US" sz="3200" dirty="0"/>
+              <a:t>, but with 5 added to  each element.</a:t>
+            </a:r>
+          </a:p>
+        </p:txBody>
+      </p:sp>
+      <p:sp>
+        <p:nvSpPr>
+          <p:cNvPr id="4" name="Slide Number Placeholder 3"/>
+          <p:cNvSpPr>
+            <a:spLocks noGrp="1"/>
+          </p:cNvSpPr>
+          <p:nvPr>
+            <p:ph type="sldNum" sz="quarter" idx="12"/>
+          </p:nvPr>
+        </p:nvSpPr>
+        <p:spPr/>
+        <p:txBody>
+          <a:bodyPr/>
+          <a:lstStyle/>
+          <a:p>
+            <a:fld id="{9F4492BD-6A9C-48FC-AC76-0B4FE11194A1}" type="slidenum">
+              <a:rPr lang="en-US" smtClean="0"/>
+              <a:pPr/>
+              <a:t>17</a:t>
+            </a:fld>
+            <a:endParaRPr lang="en-US"/>
+          </a:p>
+        </p:txBody>
+      </p:sp>
+    </p:spTree>
+    <p:extLst>
+      <p:ext uri="{BB962C8B-B14F-4D97-AF65-F5344CB8AC3E}">
+        <p14:creationId xmlns:p14="http://schemas.microsoft.com/office/powerpoint/2010/main" val="197785373"/>
+      </p:ext>
+    </p:extLst>
+  </p:cSld>
+  <p:clrMapOvr>
+    <a:masterClrMapping/>
+  </p:clrMapOvr>
+</p:sld>
+</file>
+
 <file path=ppt/slides/slide18.xml><?xml version="1.0" encoding="utf-8"?>
 <p:sld xmlns:a="http://schemas.openxmlformats.org/drawingml/2006/main" xmlns:r="http://schemas.openxmlformats.org/officeDocument/2006/relationships" xmlns:p="http://schemas.openxmlformats.org/presentationml/2006/main">
   <p:cSld>
@@ -8287,18 +8344,28 @@
           <a:p>
             <a:r>
               <a:rPr lang="en-US" dirty="0"/>
-              <a:t>Let's stop and talk about </a:t>
+              <a:t>Using </a:t>
             </a:r>
             <a:r>
               <a:rPr lang="en-US" b="1" dirty="0">
-                <a:latin typeface="Consolas" panose="020B0609020204030204" pitchFamily="49" charset="0"/>
-                <a:cs typeface="Consolas" panose="020B0609020204030204" pitchFamily="49" charset="0"/>
+                <a:latin typeface="Consolas" pitchFamily="49" charset="0"/>
+                <a:cs typeface="Consolas" pitchFamily="49" charset="0"/>
               </a:rPr>
               <a:t>lambda</a:t>
             </a:r>
             <a:r>
-              <a:rPr lang="en-US" dirty="0"/>
-              <a:t> for a minute</a:t>
+              <a:rPr lang="en-US" dirty="0">
+                <a:latin typeface="Consolas" pitchFamily="49" charset="0"/>
+                <a:cs typeface="Consolas" pitchFamily="49" charset="0"/>
+              </a:rPr>
+              <a:t> </a:t>
+            </a:r>
+            <a:r>
+              <a:rPr lang="en-US" dirty="0">
+                <a:latin typeface="+mn-lt"/>
+                <a:cs typeface="Consolas" pitchFamily="49" charset="0"/>
+              </a:rPr>
+              <a:t>cuts down on the junk in your code</a:t>
             </a:r>
             <a:endParaRPr lang="en-US" b="1" dirty="0">
               <a:latin typeface="Consolas" pitchFamily="49" charset="0"/>
@@ -8320,95 +8387,146 @@
         <p:spPr/>
         <p:txBody>
           <a:bodyPr>
-            <a:normAutofit lnSpcReduction="10000"/>
+            <a:normAutofit fontScale="85000" lnSpcReduction="10000"/>
           </a:bodyPr>
           <a:lstStyle/>
           <a:p>
+            <a:pPr marL="0" indent="0">
+              <a:buNone/>
+            </a:pPr>
+            <a:r>
+              <a:rPr lang="en-US" dirty="0">
+                <a:cs typeface="Consolas" pitchFamily="49" charset="0"/>
+              </a:rPr>
+              <a:t>These two are the same:</a:t>
+            </a:r>
+          </a:p>
+          <a:p>
+            <a:pPr marL="0" indent="0">
+              <a:buNone/>
+            </a:pPr>
+            <a:endParaRPr lang="en-US" dirty="0">
+              <a:cs typeface="Consolas" pitchFamily="49" charset="0"/>
+            </a:endParaRPr>
+          </a:p>
+          <a:p>
+            <a:pPr marL="0" indent="0">
+              <a:buNone/>
+            </a:pPr>
+            <a:r>
+              <a:rPr lang="en-US" b="1" dirty="0">
+                <a:latin typeface="Consolas" pitchFamily="49" charset="0"/>
+                <a:cs typeface="Consolas" pitchFamily="49" charset="0"/>
+              </a:rPr>
+              <a:t>(local</a:t>
+            </a:r>
+          </a:p>
+          <a:p>
+            <a:pPr marL="0" indent="0">
+              <a:buNone/>
+            </a:pPr>
+            <a:r>
+              <a:rPr lang="en-US" b="1" dirty="0">
+                <a:latin typeface="Consolas" pitchFamily="49" charset="0"/>
+                <a:cs typeface="Consolas" pitchFamily="49" charset="0"/>
+              </a:rPr>
+              <a:t>  ((define (add5 n) (+ n 5))</a:t>
+            </a:r>
+          </a:p>
+          <a:p>
+            <a:pPr marL="0" indent="0">
+              <a:buNone/>
+            </a:pPr>
+            <a:r>
+              <a:rPr lang="en-US" b="1" dirty="0">
+                <a:latin typeface="Consolas" pitchFamily="49" charset="0"/>
+                <a:cs typeface="Consolas" pitchFamily="49" charset="0"/>
+              </a:rPr>
+              <a:t>  (apply-to-all add5 </a:t>
+            </a:r>
+            <a:r>
+              <a:rPr lang="en-US" b="1" dirty="0" err="1">
+                <a:latin typeface="Consolas" pitchFamily="49" charset="0"/>
+                <a:cs typeface="Consolas" pitchFamily="49" charset="0"/>
+              </a:rPr>
+              <a:t>lst</a:t>
+            </a:r>
+            <a:r>
+              <a:rPr lang="en-US" b="1" dirty="0">
+                <a:latin typeface="Consolas" pitchFamily="49" charset="0"/>
+                <a:cs typeface="Consolas" pitchFamily="49" charset="0"/>
+              </a:rPr>
+              <a:t>))</a:t>
+            </a:r>
+          </a:p>
+          <a:p>
+            <a:pPr marL="0" indent="0">
+              <a:buNone/>
+            </a:pPr>
+            <a:endParaRPr lang="en-US" b="1" dirty="0">
+              <a:latin typeface="Consolas" pitchFamily="49" charset="0"/>
+              <a:cs typeface="Consolas" pitchFamily="49" charset="0"/>
+            </a:endParaRPr>
+          </a:p>
+          <a:p>
+            <a:pPr marL="0" indent="0">
+              <a:buNone/>
+            </a:pPr>
+            <a:r>
+              <a:rPr lang="en-US" b="1" dirty="0">
+                <a:latin typeface="Consolas" pitchFamily="49" charset="0"/>
+                <a:cs typeface="Consolas" pitchFamily="49" charset="0"/>
+              </a:rPr>
+              <a:t>(apply-to-all (lambda (n) (+ n 5)) </a:t>
+            </a:r>
+            <a:r>
+              <a:rPr lang="en-US" b="1" dirty="0" err="1">
+                <a:latin typeface="Consolas" pitchFamily="49" charset="0"/>
+                <a:cs typeface="Consolas" pitchFamily="49" charset="0"/>
+              </a:rPr>
+              <a:t>lst</a:t>
+            </a:r>
+            <a:r>
+              <a:rPr lang="en-US" b="1" dirty="0">
+                <a:latin typeface="Consolas" pitchFamily="49" charset="0"/>
+                <a:cs typeface="Consolas" pitchFamily="49" charset="0"/>
+              </a:rPr>
+              <a:t>) </a:t>
+            </a:r>
+          </a:p>
+          <a:p>
+            <a:pPr marL="0" indent="0">
+              <a:buNone/>
+            </a:pPr>
+            <a:endParaRPr lang="en-US" b="1" dirty="0">
+              <a:latin typeface="Consolas" pitchFamily="49" charset="0"/>
+              <a:cs typeface="Consolas" pitchFamily="49" charset="0"/>
+            </a:endParaRPr>
+          </a:p>
+          <a:p>
+            <a:pPr marL="0" indent="0">
+              <a:buNone/>
+            </a:pPr>
+            <a:r>
+              <a:rPr lang="en-US" dirty="0">
+                <a:cs typeface="Consolas" pitchFamily="49" charset="0"/>
+              </a:rPr>
+              <a:t>Each </a:t>
+            </a:r>
             <a:r>
               <a:rPr lang="en-US" dirty="0"/>
-              <a:t>The value of a </a:t>
-            </a:r>
-            <a:r>
-              <a:rPr lang="en-US" b="1" dirty="0"/>
-              <a:t>lambda</a:t>
+              <a:t>returns a list like </a:t>
+            </a:r>
+            <a:r>
+              <a:rPr lang="en-US" b="1" dirty="0" err="1">
+                <a:latin typeface="Consolas" pitchFamily="49" charset="0"/>
+                <a:cs typeface="Consolas" pitchFamily="49" charset="0"/>
+              </a:rPr>
+              <a:t>lst</a:t>
             </a:r>
             <a:r>
               <a:rPr lang="en-US" dirty="0"/>
-              <a:t> expression is a function.</a:t>
-            </a:r>
-          </a:p>
-          <a:p>
-            <a:r>
-              <a:rPr lang="en-US" dirty="0"/>
-              <a:t>You can use the </a:t>
-            </a:r>
-            <a:r>
-              <a:rPr lang="en-US" b="1" dirty="0"/>
-              <a:t>lambda</a:t>
-            </a:r>
-            <a:r>
-              <a:rPr lang="en-US" dirty="0"/>
-              <a:t> expression anywhere you would use the function</a:t>
-            </a:r>
-          </a:p>
-          <a:p>
-            <a:r>
-              <a:rPr lang="en-US" dirty="0"/>
-              <a:t>The value of </a:t>
-            </a:r>
-            <a:r>
-              <a:rPr lang="en-US" b="1" dirty="0">
-                <a:latin typeface="Consolas" pitchFamily="49" charset="0"/>
-                <a:cs typeface="Consolas" pitchFamily="49" charset="0"/>
-              </a:rPr>
-              <a:t>(lambda (n) (+ n 5)) </a:t>
-            </a:r>
-            <a:r>
-              <a:rPr lang="en-US" dirty="0"/>
-              <a:t>is a function that adds 5 to its argument.</a:t>
-            </a:r>
-          </a:p>
-          <a:p>
-            <a:r>
-              <a:rPr lang="en-US" sz="2800" b="1" dirty="0">
-                <a:latin typeface="Consolas" pitchFamily="49" charset="0"/>
-                <a:cs typeface="Consolas" pitchFamily="49" charset="0"/>
-              </a:rPr>
-              <a:t>(apply-to-all (lambda (n) (+ n 5)) </a:t>
-            </a:r>
-            <a:r>
-              <a:rPr lang="en-US" sz="2800" b="1" dirty="0" err="1">
-                <a:latin typeface="Consolas" pitchFamily="49" charset="0"/>
-                <a:cs typeface="Consolas" pitchFamily="49" charset="0"/>
-              </a:rPr>
-              <a:t>lon</a:t>
-            </a:r>
-            <a:r>
-              <a:rPr lang="en-US" sz="2800" b="1" dirty="0">
-                <a:latin typeface="Consolas" pitchFamily="49" charset="0"/>
-                <a:cs typeface="Consolas" pitchFamily="49" charset="0"/>
-              </a:rPr>
-              <a:t>) </a:t>
-            </a:r>
-          </a:p>
-          <a:p>
-            <a:pPr marL="400050" lvl="1" indent="0">
-              <a:buNone/>
-            </a:pPr>
-            <a:r>
-              <a:rPr lang="en-US" sz="3200" dirty="0"/>
-              <a:t>returns a list like </a:t>
-            </a:r>
-            <a:r>
-              <a:rPr lang="en-US" sz="3200" b="1" dirty="0" err="1">
-                <a:latin typeface="Consolas" pitchFamily="49" charset="0"/>
-                <a:cs typeface="Consolas" pitchFamily="49" charset="0"/>
-              </a:rPr>
-              <a:t>lon</a:t>
-            </a:r>
-            <a:r>
-              <a:rPr lang="en-US" sz="3200" dirty="0"/>
-              <a:t>, but with 5 added to  each element.</a:t>
+              <a:t>, but with 5 added to each element.</a:t>
             </a:r>
           </a:p>
         </p:txBody>
@@ -8440,7 +8558,7 @@
     </p:spTree>
     <p:extLst>
       <p:ext uri="{BB962C8B-B14F-4D97-AF65-F5344CB8AC3E}">
-        <p14:creationId xmlns:p14="http://schemas.microsoft.com/office/powerpoint/2010/main" val="197785373"/>
+        <p14:creationId xmlns:p14="http://schemas.microsoft.com/office/powerpoint/2010/main" val="3326101955"/>
       </p:ext>
     </p:extLst>
   </p:cSld>
@@ -8486,70 +8604,87 @@
           <a:p>
             <a:r>
               <a:rPr lang="en-US" dirty="0"/>
-              <a:t>Using </a:t>
+              <a:t>Back to our example: where does the value of </a:t>
             </a:r>
             <a:r>
               <a:rPr lang="en-US" b="1" dirty="0">
                 <a:latin typeface="Consolas" pitchFamily="49" charset="0"/>
                 <a:cs typeface="Consolas" pitchFamily="49" charset="0"/>
               </a:rPr>
-              <a:t>lambda</a:t>
-            </a:r>
-            <a:r>
-              <a:rPr lang="en-US" dirty="0">
-                <a:latin typeface="Consolas" pitchFamily="49" charset="0"/>
-                <a:cs typeface="Consolas" pitchFamily="49" charset="0"/>
-              </a:rPr>
-              <a:t> </a:t>
-            </a:r>
-            <a:r>
-              <a:rPr lang="en-US" dirty="0">
-                <a:latin typeface="+mn-lt"/>
-                <a:cs typeface="Consolas" pitchFamily="49" charset="0"/>
-              </a:rPr>
-              <a:t>cuts down on the junk in your code</a:t>
-            </a:r>
+              <a:t>n</a:t>
+            </a:r>
+            <a:r>
+              <a:rPr lang="en-US" dirty="0"/>
+              <a:t> come from?</a:t>
+            </a:r>
+          </a:p>
+        </p:txBody>
+      </p:sp>
+      <p:sp>
+        <p:nvSpPr>
+          <p:cNvPr id="3" name="Content Placeholder 2"/>
+          <p:cNvSpPr>
+            <a:spLocks noGrp="1"/>
+          </p:cNvSpPr>
+          <p:nvPr>
+            <p:ph idx="1"/>
+          </p:nvPr>
+        </p:nvSpPr>
+        <p:spPr/>
+        <p:txBody>
+          <a:bodyPr/>
+          <a:lstStyle/>
+          <a:p>
+            <a:pPr marL="0" indent="0">
+              <a:buNone/>
+            </a:pPr>
+            <a:r>
+              <a:rPr lang="en-US" b="1" dirty="0" err="1">
+                <a:latin typeface="Consolas" pitchFamily="49" charset="0"/>
+                <a:cs typeface="Consolas" pitchFamily="49" charset="0"/>
+              </a:rPr>
+              <a:t>lst</a:t>
+            </a:r>
+            <a:r>
+              <a:rPr lang="en-US" b="1" dirty="0">
+                <a:latin typeface="Consolas" pitchFamily="49" charset="0"/>
+                <a:cs typeface="Consolas" pitchFamily="49" charset="0"/>
+              </a:rPr>
+              <a:t> = (list 10 20 30 40)</a:t>
+            </a:r>
+          </a:p>
+          <a:p>
+            <a:pPr marL="0" indent="0">
+              <a:buNone/>
+            </a:pPr>
             <a:endParaRPr lang="en-US" b="1" dirty="0">
               <a:latin typeface="Consolas" pitchFamily="49" charset="0"/>
               <a:cs typeface="Consolas" pitchFamily="49" charset="0"/>
             </a:endParaRPr>
           </a:p>
-        </p:txBody>
-      </p:sp>
-      <p:sp>
-        <p:nvSpPr>
-          <p:cNvPr id="3" name="Content Placeholder 2"/>
-          <p:cNvSpPr>
-            <a:spLocks noGrp="1"/>
-          </p:cNvSpPr>
-          <p:nvPr>
-            <p:ph idx="1"/>
-          </p:nvPr>
-        </p:nvSpPr>
-        <p:spPr/>
-        <p:txBody>
-          <a:bodyPr>
-            <a:normAutofit fontScale="85000" lnSpcReduction="10000"/>
-          </a:bodyPr>
-          <a:lstStyle/>
           <a:p>
             <a:pPr marL="0" indent="0">
               <a:buNone/>
             </a:pPr>
             <a:r>
-              <a:rPr lang="en-US" dirty="0">
-                <a:cs typeface="Consolas" pitchFamily="49" charset="0"/>
-              </a:rPr>
-              <a:t>These two are the same:</a:t>
+              <a:rPr lang="en-US" b="1" dirty="0">
+                <a:latin typeface="Consolas" pitchFamily="49" charset="0"/>
+                <a:cs typeface="Consolas" pitchFamily="49" charset="0"/>
+              </a:rPr>
+              <a:t>(apply-to-each </a:t>
             </a:r>
           </a:p>
           <a:p>
             <a:pPr marL="0" indent="0">
               <a:buNone/>
             </a:pPr>
-            <a:endParaRPr lang="en-US" dirty="0">
-              <a:cs typeface="Consolas" pitchFamily="49" charset="0"/>
-            </a:endParaRPr>
+            <a:r>
+              <a:rPr lang="en-US" b="1" dirty="0">
+                <a:latin typeface="Consolas" pitchFamily="49" charset="0"/>
+                <a:cs typeface="Consolas" pitchFamily="49" charset="0"/>
+              </a:rPr>
+              <a:t>     (lambda (n) (+ n 5))</a:t>
+            </a:r>
           </a:p>
           <a:p>
             <a:pPr marL="0" indent="0">
@@ -8560,45 +8695,21 @@
                 <a:latin typeface="Consolas" pitchFamily="49" charset="0"/>
                 <a:cs typeface="Consolas" pitchFamily="49" charset="0"/>
               </a:rPr>
-              <a:t>(local</a:t>
-            </a:r>
-          </a:p>
-          <a:p>
-            <a:pPr marL="0" indent="0">
-              <a:buNone/>
-            </a:pPr>
+              <a:t>     </a:t>
+            </a:r>
+            <a:r>
+              <a:rPr lang="en-US" b="1" dirty="0" err="1">
+                <a:latin typeface="Consolas" pitchFamily="49" charset="0"/>
+                <a:cs typeface="Consolas" pitchFamily="49" charset="0"/>
+              </a:rPr>
+              <a:t>lst</a:t>
+            </a:r>
             <a:r>
               <a:rPr lang="en-US" b="1" dirty="0">
                 <a:latin typeface="Consolas" pitchFamily="49" charset="0"/>
                 <a:cs typeface="Consolas" pitchFamily="49" charset="0"/>
               </a:rPr>
-              <a:t>  ((define (add5 n) (+ n 5))</a:t>
-            </a:r>
-          </a:p>
-          <a:p>
-            <a:pPr marL="0" indent="0">
-              <a:buNone/>
-            </a:pPr>
-            <a:r>
-              <a:rPr lang="en-US" b="1" dirty="0">
-                <a:latin typeface="Consolas" pitchFamily="49" charset="0"/>
-                <a:cs typeface="Consolas" pitchFamily="49" charset="0"/>
-              </a:rPr>
-              <a:t>  (apply-to-all add5 </a:t>
-            </a:r>
-            <a:r>
-              <a:rPr lang="en-US" b="1" dirty="0" err="1">
-                <a:latin typeface="Consolas" pitchFamily="49" charset="0"/>
-                <a:cs typeface="Consolas" pitchFamily="49" charset="0"/>
-              </a:rPr>
-              <a:t>lon</a:t>
-            </a:r>
-            <a:r>
-              <a:rPr lang="en-US" b="1" dirty="0">
-                <a:latin typeface="Consolas" pitchFamily="49" charset="0"/>
-                <a:cs typeface="Consolas" pitchFamily="49" charset="0"/>
-              </a:rPr>
-              <a:t>))</a:t>
+              <a:t>)</a:t>
             </a:r>
           </a:p>
           <a:p>
@@ -8619,63 +8730,14 @@
                 <a:latin typeface="Consolas" pitchFamily="49" charset="0"/>
                 <a:cs typeface="Consolas" pitchFamily="49" charset="0"/>
               </a:rPr>
-              <a:t>(apply-to-all (lambda (n) (+ n 5)) </a:t>
-            </a:r>
-            <a:r>
-              <a:rPr lang="en-US" b="1" dirty="0" err="1">
-                <a:latin typeface="Consolas" pitchFamily="49" charset="0"/>
-                <a:cs typeface="Consolas" pitchFamily="49" charset="0"/>
-              </a:rPr>
-              <a:t>lon</a:t>
-            </a:r>
-            <a:r>
-              <a:rPr lang="en-US" b="1" dirty="0">
-                <a:latin typeface="Consolas" pitchFamily="49" charset="0"/>
-                <a:cs typeface="Consolas" pitchFamily="49" charset="0"/>
-              </a:rPr>
-              <a:t>) </a:t>
-            </a:r>
-          </a:p>
-          <a:p>
-            <a:pPr marL="0" indent="0">
-              <a:buNone/>
-            </a:pPr>
-            <a:endParaRPr lang="en-US" b="1" dirty="0">
-              <a:latin typeface="Consolas" pitchFamily="49" charset="0"/>
-              <a:cs typeface="Consolas" pitchFamily="49" charset="0"/>
-            </a:endParaRPr>
-          </a:p>
-          <a:p>
-            <a:pPr marL="0" indent="0">
-              <a:buNone/>
-            </a:pPr>
-            <a:r>
-              <a:rPr lang="en-US" dirty="0">
-                <a:cs typeface="Consolas" pitchFamily="49" charset="0"/>
-              </a:rPr>
-              <a:t>Each </a:t>
-            </a:r>
-            <a:r>
-              <a:rPr lang="en-US" dirty="0"/>
-              <a:t>returns a list like </a:t>
-            </a:r>
-            <a:r>
-              <a:rPr lang="en-US" b="1" dirty="0" err="1">
-                <a:latin typeface="Consolas" pitchFamily="49" charset="0"/>
-                <a:cs typeface="Consolas" pitchFamily="49" charset="0"/>
-              </a:rPr>
-              <a:t>lon</a:t>
-            </a:r>
-            <a:r>
-              <a:rPr lang="en-US" dirty="0"/>
-              <a:t>, but with 5 added to each element.</a:t>
-            </a:r>
-          </a:p>
-        </p:txBody>
-      </p:sp>
-      <p:sp>
-        <p:nvSpPr>
-          <p:cNvPr id="4" name="Slide Number Placeholder 3"/>
+              <a:t>= (list 15 25 35 45)</a:t>
+            </a:r>
+          </a:p>
+        </p:txBody>
+      </p:sp>
+      <p:sp>
+        <p:nvSpPr>
+          <p:cNvPr id="5" name="Slide Number Placeholder 4"/>
           <p:cNvSpPr>
             <a:spLocks noGrp="1"/>
           </p:cNvSpPr>
@@ -8692,339 +8754,6 @@
               <a:rPr lang="en-US" smtClean="0"/>
               <a:pPr/>
               <a:t>19</a:t>
-            </a:fld>
-            <a:endParaRPr lang="en-US"/>
-          </a:p>
-        </p:txBody>
-      </p:sp>
-    </p:spTree>
-    <p:extLst>
-      <p:ext uri="{BB962C8B-B14F-4D97-AF65-F5344CB8AC3E}">
-        <p14:creationId xmlns:p14="http://schemas.microsoft.com/office/powerpoint/2010/main" val="3326101955"/>
-      </p:ext>
-    </p:extLst>
-  </p:cSld>
-  <p:clrMapOvr>
-    <a:masterClrMapping/>
-  </p:clrMapOvr>
-</p:sld>
-</file>
-
-<file path=ppt/slides/slide2.xml><?xml version="1.0" encoding="utf-8"?>
-<p:sld xmlns:a="http://schemas.openxmlformats.org/drawingml/2006/main" xmlns:r="http://schemas.openxmlformats.org/officeDocument/2006/relationships" xmlns:p="http://schemas.openxmlformats.org/presentationml/2006/main">
-  <p:cSld>
-    <p:spTree>
-      <p:nvGrpSpPr>
-        <p:cNvPr id="1" name=""/>
-        <p:cNvGrpSpPr/>
-        <p:nvPr/>
-      </p:nvGrpSpPr>
-      <p:grpSpPr>
-        <a:xfrm>
-          <a:off x="0" y="0"/>
-          <a:ext cx="0" cy="0"/>
-          <a:chOff x="0" y="0"/>
-          <a:chExt cx="0" cy="0"/>
-        </a:xfrm>
-      </p:grpSpPr>
-      <p:sp>
-        <p:nvSpPr>
-          <p:cNvPr id="2" name="Title 1"/>
-          <p:cNvSpPr>
-            <a:spLocks noGrp="1"/>
-          </p:cNvSpPr>
-          <p:nvPr>
-            <p:ph type="title"/>
-          </p:nvPr>
-        </p:nvSpPr>
-        <p:spPr/>
-        <p:txBody>
-          <a:bodyPr/>
-          <a:lstStyle/>
-          <a:p>
-            <a:r>
-              <a:rPr lang="en-US" dirty="0"/>
-              <a:t>Introduction</a:t>
-            </a:r>
-          </a:p>
-        </p:txBody>
-      </p:sp>
-      <p:sp>
-        <p:nvSpPr>
-          <p:cNvPr id="3" name="Content Placeholder 2"/>
-          <p:cNvSpPr>
-            <a:spLocks noGrp="1"/>
-          </p:cNvSpPr>
-          <p:nvPr>
-            <p:ph idx="1"/>
-          </p:nvPr>
-        </p:nvSpPr>
-        <p:spPr/>
-        <p:txBody>
-          <a:bodyPr>
-            <a:normAutofit lnSpcReduction="10000"/>
-          </a:bodyPr>
-          <a:lstStyle/>
-          <a:p>
-            <a:r>
-              <a:rPr lang="en-US" dirty="0"/>
-              <a:t>In the previous lesson, we generalized over data items that were strings.  In this lesson, we will see how to use the same idea to generalize over data items that are functions.</a:t>
-            </a:r>
-          </a:p>
-          <a:p>
-            <a:r>
-              <a:rPr lang="en-US" dirty="0"/>
-              <a:t>We'll also learn about a new strategy, called </a:t>
-            </a:r>
-            <a:r>
-              <a:rPr lang="en-US" i="1" dirty="0">
-                <a:solidFill>
-                  <a:srgbClr val="FF0000"/>
-                </a:solidFill>
-              </a:rPr>
-              <a:t>Use HOF </a:t>
-            </a:r>
-            <a:r>
-              <a:rPr lang="en-US" dirty="0"/>
-              <a:t>("Use higher-order function")</a:t>
-            </a:r>
-            <a:endParaRPr lang="en-US" i="1" dirty="0">
-              <a:solidFill>
-                <a:srgbClr val="FF0000"/>
-              </a:solidFill>
-            </a:endParaRPr>
-          </a:p>
-          <a:p>
-            <a:r>
-              <a:rPr lang="en-US" dirty="0"/>
-              <a:t>We'll learn how to write contracts for functions that take other functions as arguments.</a:t>
-            </a:r>
-          </a:p>
-        </p:txBody>
-      </p:sp>
-      <p:sp>
-        <p:nvSpPr>
-          <p:cNvPr id="4" name="Slide Number Placeholder 3"/>
-          <p:cNvSpPr>
-            <a:spLocks noGrp="1"/>
-          </p:cNvSpPr>
-          <p:nvPr>
-            <p:ph type="sldNum" sz="quarter" idx="12"/>
-          </p:nvPr>
-        </p:nvSpPr>
-        <p:spPr/>
-        <p:txBody>
-          <a:bodyPr/>
-          <a:lstStyle/>
-          <a:p>
-            <a:fld id="{9F4492BD-6A9C-48FC-AC76-0B4FE11194A1}" type="slidenum">
-              <a:rPr lang="en-US" smtClean="0"/>
-              <a:pPr/>
-              <a:t>2</a:t>
-            </a:fld>
-            <a:endParaRPr lang="en-US"/>
-          </a:p>
-        </p:txBody>
-      </p:sp>
-    </p:spTree>
-    <p:extLst>
-      <p:ext uri="{BB962C8B-B14F-4D97-AF65-F5344CB8AC3E}">
-        <p14:creationId xmlns:p14="http://schemas.microsoft.com/office/powerpoint/2010/main" val="4237600454"/>
-      </p:ext>
-    </p:extLst>
-  </p:cSld>
-  <p:clrMapOvr>
-    <a:masterClrMapping/>
-  </p:clrMapOvr>
-</p:sld>
-</file>
-
-<file path=ppt/slides/slide20.xml><?xml version="1.0" encoding="utf-8"?>
-<p:sld xmlns:a="http://schemas.openxmlformats.org/drawingml/2006/main" xmlns:r="http://schemas.openxmlformats.org/officeDocument/2006/relationships" xmlns:p="http://schemas.openxmlformats.org/presentationml/2006/main">
-  <p:cSld>
-    <p:spTree>
-      <p:nvGrpSpPr>
-        <p:cNvPr id="1" name=""/>
-        <p:cNvGrpSpPr/>
-        <p:nvPr/>
-      </p:nvGrpSpPr>
-      <p:grpSpPr>
-        <a:xfrm>
-          <a:off x="0" y="0"/>
-          <a:ext cx="0" cy="0"/>
-          <a:chOff x="0" y="0"/>
-          <a:chExt cx="0" cy="0"/>
-        </a:xfrm>
-      </p:grpSpPr>
-      <p:sp>
-        <p:nvSpPr>
-          <p:cNvPr id="2" name="Title 1"/>
-          <p:cNvSpPr>
-            <a:spLocks noGrp="1"/>
-          </p:cNvSpPr>
-          <p:nvPr>
-            <p:ph type="title"/>
-          </p:nvPr>
-        </p:nvSpPr>
-        <p:spPr/>
-        <p:txBody>
-          <a:bodyPr>
-            <a:normAutofit fontScale="90000"/>
-          </a:bodyPr>
-          <a:lstStyle/>
-          <a:p>
-            <a:r>
-              <a:rPr lang="en-US" dirty="0"/>
-              <a:t>Back to our example: where does the value of </a:t>
-            </a:r>
-            <a:r>
-              <a:rPr lang="en-US" b="1" dirty="0">
-                <a:latin typeface="Consolas" pitchFamily="49" charset="0"/>
-                <a:cs typeface="Consolas" pitchFamily="49" charset="0"/>
-              </a:rPr>
-              <a:t>n</a:t>
-            </a:r>
-            <a:r>
-              <a:rPr lang="en-US" dirty="0"/>
-              <a:t> come from?</a:t>
-            </a:r>
-          </a:p>
-        </p:txBody>
-      </p:sp>
-      <p:sp>
-        <p:nvSpPr>
-          <p:cNvPr id="3" name="Content Placeholder 2"/>
-          <p:cNvSpPr>
-            <a:spLocks noGrp="1"/>
-          </p:cNvSpPr>
-          <p:nvPr>
-            <p:ph idx="1"/>
-          </p:nvPr>
-        </p:nvSpPr>
-        <p:spPr/>
-        <p:txBody>
-          <a:bodyPr/>
-          <a:lstStyle/>
-          <a:p>
-            <a:pPr marL="0" indent="0">
-              <a:buNone/>
-            </a:pPr>
-            <a:r>
-              <a:rPr lang="en-US" b="1" dirty="0" err="1">
-                <a:latin typeface="Consolas" pitchFamily="49" charset="0"/>
-                <a:cs typeface="Consolas" pitchFamily="49" charset="0"/>
-              </a:rPr>
-              <a:t>lon</a:t>
-            </a:r>
-            <a:r>
-              <a:rPr lang="en-US" b="1" dirty="0">
-                <a:latin typeface="Consolas" pitchFamily="49" charset="0"/>
-                <a:cs typeface="Consolas" pitchFamily="49" charset="0"/>
-              </a:rPr>
-              <a:t> = (list 10 20 30 40)</a:t>
-            </a:r>
-          </a:p>
-          <a:p>
-            <a:pPr marL="0" indent="0">
-              <a:buNone/>
-            </a:pPr>
-            <a:endParaRPr lang="en-US" b="1" dirty="0">
-              <a:latin typeface="Consolas" pitchFamily="49" charset="0"/>
-              <a:cs typeface="Consolas" pitchFamily="49" charset="0"/>
-            </a:endParaRPr>
-          </a:p>
-          <a:p>
-            <a:pPr marL="0" indent="0">
-              <a:buNone/>
-            </a:pPr>
-            <a:r>
-              <a:rPr lang="en-US" b="1" dirty="0">
-                <a:latin typeface="Consolas" pitchFamily="49" charset="0"/>
-                <a:cs typeface="Consolas" pitchFamily="49" charset="0"/>
-              </a:rPr>
-              <a:t>(apply-to-each </a:t>
-            </a:r>
-          </a:p>
-          <a:p>
-            <a:pPr marL="0" indent="0">
-              <a:buNone/>
-            </a:pPr>
-            <a:r>
-              <a:rPr lang="en-US" b="1" dirty="0">
-                <a:latin typeface="Consolas" pitchFamily="49" charset="0"/>
-                <a:cs typeface="Consolas" pitchFamily="49" charset="0"/>
-              </a:rPr>
-              <a:t>     (lambda (n) (+ n 5))</a:t>
-            </a:r>
-          </a:p>
-          <a:p>
-            <a:pPr marL="0" indent="0">
-              <a:buNone/>
-            </a:pPr>
-            <a:r>
-              <a:rPr lang="en-US" b="1" dirty="0">
-                <a:latin typeface="Consolas" pitchFamily="49" charset="0"/>
-                <a:cs typeface="Consolas" pitchFamily="49" charset="0"/>
-              </a:rPr>
-              <a:t>     </a:t>
-            </a:r>
-            <a:r>
-              <a:rPr lang="en-US" b="1" dirty="0" err="1">
-                <a:latin typeface="Consolas" pitchFamily="49" charset="0"/>
-                <a:cs typeface="Consolas" pitchFamily="49" charset="0"/>
-              </a:rPr>
-              <a:t>lon</a:t>
-            </a:r>
-            <a:r>
-              <a:rPr lang="en-US" b="1" dirty="0">
-                <a:latin typeface="Consolas" pitchFamily="49" charset="0"/>
-                <a:cs typeface="Consolas" pitchFamily="49" charset="0"/>
-              </a:rPr>
-              <a:t>)</a:t>
-            </a:r>
-          </a:p>
-          <a:p>
-            <a:pPr marL="0" indent="0">
-              <a:buNone/>
-            </a:pPr>
-            <a:endParaRPr lang="en-US" b="1" dirty="0">
-              <a:latin typeface="Consolas" pitchFamily="49" charset="0"/>
-              <a:cs typeface="Consolas" pitchFamily="49" charset="0"/>
-            </a:endParaRPr>
-          </a:p>
-          <a:p>
-            <a:pPr marL="0" indent="0">
-              <a:buNone/>
-            </a:pPr>
-            <a:r>
-              <a:rPr lang="en-US" b="1" dirty="0">
-                <a:latin typeface="Consolas" pitchFamily="49" charset="0"/>
-                <a:cs typeface="Consolas" pitchFamily="49" charset="0"/>
-              </a:rPr>
-              <a:t>= (list 15 25 35 45)</a:t>
-            </a:r>
-          </a:p>
-        </p:txBody>
-      </p:sp>
-      <p:sp>
-        <p:nvSpPr>
-          <p:cNvPr id="5" name="Slide Number Placeholder 4"/>
-          <p:cNvSpPr>
-            <a:spLocks noGrp="1"/>
-          </p:cNvSpPr>
-          <p:nvPr>
-            <p:ph type="sldNum" sz="quarter" idx="12"/>
-          </p:nvPr>
-        </p:nvSpPr>
-        <p:spPr/>
-        <p:txBody>
-          <a:bodyPr/>
-          <a:lstStyle/>
-          <a:p>
-            <a:fld id="{9F4492BD-6A9C-48FC-AC76-0B4FE11194A1}" type="slidenum">
-              <a:rPr lang="en-US" smtClean="0"/>
-              <a:pPr/>
-              <a:t>20</a:t>
             </a:fld>
             <a:endParaRPr lang="en-US"/>
           </a:p>
@@ -9189,18 +8918,13 @@
             <a:avLst/>
           </a:prstGeom>
           <a:solidFill>
-            <a:schemeClr val="accent3">
+            <a:schemeClr val="accent1">
               <a:lumMod val="20000"/>
               <a:lumOff val="80000"/>
             </a:schemeClr>
           </a:solidFill>
           <a:ln w="12700">
-            <a:solidFill>
-              <a:schemeClr val="tx2">
-                <a:lumMod val="60000"/>
-                <a:lumOff val="40000"/>
-              </a:schemeClr>
-            </a:solidFill>
+            <a:noFill/>
           </a:ln>
         </p:spPr>
         <p:txBody>
@@ -9235,6 +8959,334 @@
     <p:extLst>
       <p:ext uri="{BB962C8B-B14F-4D97-AF65-F5344CB8AC3E}">
         <p14:creationId xmlns:p14="http://schemas.microsoft.com/office/powerpoint/2010/main" val="3793483760"/>
+      </p:ext>
+    </p:extLst>
+  </p:cSld>
+  <p:clrMapOvr>
+    <a:masterClrMapping/>
+  </p:clrMapOvr>
+</p:sld>
+</file>
+
+<file path=ppt/slides/slide2.xml><?xml version="1.0" encoding="utf-8"?>
+<p:sld xmlns:a="http://schemas.openxmlformats.org/drawingml/2006/main" xmlns:r="http://schemas.openxmlformats.org/officeDocument/2006/relationships" xmlns:p="http://schemas.openxmlformats.org/presentationml/2006/main">
+  <p:cSld>
+    <p:spTree>
+      <p:nvGrpSpPr>
+        <p:cNvPr id="1" name=""/>
+        <p:cNvGrpSpPr/>
+        <p:nvPr/>
+      </p:nvGrpSpPr>
+      <p:grpSpPr>
+        <a:xfrm>
+          <a:off x="0" y="0"/>
+          <a:ext cx="0" cy="0"/>
+          <a:chOff x="0" y="0"/>
+          <a:chExt cx="0" cy="0"/>
+        </a:xfrm>
+      </p:grpSpPr>
+      <p:sp>
+        <p:nvSpPr>
+          <p:cNvPr id="2" name="Title 1"/>
+          <p:cNvSpPr>
+            <a:spLocks noGrp="1"/>
+          </p:cNvSpPr>
+          <p:nvPr>
+            <p:ph type="title"/>
+          </p:nvPr>
+        </p:nvSpPr>
+        <p:spPr/>
+        <p:txBody>
+          <a:bodyPr/>
+          <a:lstStyle/>
+          <a:p>
+            <a:r>
+              <a:rPr lang="en-US" dirty="0"/>
+              <a:t>Introduction</a:t>
+            </a:r>
+          </a:p>
+        </p:txBody>
+      </p:sp>
+      <p:sp>
+        <p:nvSpPr>
+          <p:cNvPr id="3" name="Content Placeholder 2"/>
+          <p:cNvSpPr>
+            <a:spLocks noGrp="1"/>
+          </p:cNvSpPr>
+          <p:nvPr>
+            <p:ph idx="1"/>
+          </p:nvPr>
+        </p:nvSpPr>
+        <p:spPr/>
+        <p:txBody>
+          <a:bodyPr>
+            <a:normAutofit lnSpcReduction="10000"/>
+          </a:bodyPr>
+          <a:lstStyle/>
+          <a:p>
+            <a:r>
+              <a:rPr lang="en-US" dirty="0"/>
+              <a:t>In the previous lesson, we generalized over data items that were strings.  In this lesson, we will see how to use the same idea to generalize over data items that are functions.</a:t>
+            </a:r>
+          </a:p>
+          <a:p>
+            <a:r>
+              <a:rPr lang="en-US" dirty="0"/>
+              <a:t>We'll also learn about a new strategy, called </a:t>
+            </a:r>
+            <a:r>
+              <a:rPr lang="en-US" i="1" dirty="0">
+                <a:solidFill>
+                  <a:srgbClr val="FF0000"/>
+                </a:solidFill>
+              </a:rPr>
+              <a:t>Use HOF </a:t>
+            </a:r>
+            <a:r>
+              <a:rPr lang="en-US" dirty="0"/>
+              <a:t>("Use higher-order function")</a:t>
+            </a:r>
+            <a:endParaRPr lang="en-US" i="1" dirty="0">
+              <a:solidFill>
+                <a:srgbClr val="FF0000"/>
+              </a:solidFill>
+            </a:endParaRPr>
+          </a:p>
+          <a:p>
+            <a:r>
+              <a:rPr lang="en-US" dirty="0"/>
+              <a:t>We'll learn how to write contracts for functions that take other functions as arguments.</a:t>
+            </a:r>
+          </a:p>
+        </p:txBody>
+      </p:sp>
+      <p:sp>
+        <p:nvSpPr>
+          <p:cNvPr id="4" name="Slide Number Placeholder 3"/>
+          <p:cNvSpPr>
+            <a:spLocks noGrp="1"/>
+          </p:cNvSpPr>
+          <p:nvPr>
+            <p:ph type="sldNum" sz="quarter" idx="12"/>
+          </p:nvPr>
+        </p:nvSpPr>
+        <p:spPr/>
+        <p:txBody>
+          <a:bodyPr/>
+          <a:lstStyle/>
+          <a:p>
+            <a:fld id="{9F4492BD-6A9C-48FC-AC76-0B4FE11194A1}" type="slidenum">
+              <a:rPr lang="en-US" smtClean="0"/>
+              <a:pPr/>
+              <a:t>2</a:t>
+            </a:fld>
+            <a:endParaRPr lang="en-US"/>
+          </a:p>
+        </p:txBody>
+      </p:sp>
+    </p:spTree>
+    <p:extLst>
+      <p:ext uri="{BB962C8B-B14F-4D97-AF65-F5344CB8AC3E}">
+        <p14:creationId xmlns:p14="http://schemas.microsoft.com/office/powerpoint/2010/main" val="4237600454"/>
+      </p:ext>
+    </p:extLst>
+  </p:cSld>
+  <p:clrMapOvr>
+    <a:masterClrMapping/>
+  </p:clrMapOvr>
+</p:sld>
+</file>
+
+<file path=ppt/slides/slide20.xml><?xml version="1.0" encoding="utf-8"?>
+<p:sld xmlns:a="http://schemas.openxmlformats.org/drawingml/2006/main" xmlns:r="http://schemas.openxmlformats.org/officeDocument/2006/relationships" xmlns:p="http://schemas.openxmlformats.org/presentationml/2006/main">
+  <p:cSld>
+    <p:spTree>
+      <p:nvGrpSpPr>
+        <p:cNvPr id="1" name=""/>
+        <p:cNvGrpSpPr/>
+        <p:nvPr/>
+      </p:nvGrpSpPr>
+      <p:grpSpPr>
+        <a:xfrm>
+          <a:off x="0" y="0"/>
+          <a:ext cx="0" cy="0"/>
+          <a:chOff x="0" y="0"/>
+          <a:chExt cx="0" cy="0"/>
+        </a:xfrm>
+      </p:grpSpPr>
+      <p:sp>
+        <p:nvSpPr>
+          <p:cNvPr id="2" name="Title 1"/>
+          <p:cNvSpPr>
+            <a:spLocks noGrp="1"/>
+          </p:cNvSpPr>
+          <p:nvPr>
+            <p:ph type="title"/>
+          </p:nvPr>
+        </p:nvSpPr>
+        <p:spPr/>
+        <p:txBody>
+          <a:bodyPr>
+            <a:normAutofit fontScale="90000"/>
+          </a:bodyPr>
+          <a:lstStyle/>
+          <a:p>
+            <a:r>
+              <a:rPr lang="en-US" dirty="0"/>
+              <a:t>Opportunity for more generalization</a:t>
+            </a:r>
+          </a:p>
+        </p:txBody>
+      </p:sp>
+      <p:sp>
+        <p:nvSpPr>
+          <p:cNvPr id="5" name="Content Placeholder 4"/>
+          <p:cNvSpPr>
+            <a:spLocks noGrp="1"/>
+          </p:cNvSpPr>
+          <p:nvPr>
+            <p:ph idx="1"/>
+          </p:nvPr>
+        </p:nvSpPr>
+        <p:spPr/>
+        <p:txBody>
+          <a:bodyPr/>
+          <a:lstStyle/>
+          <a:p>
+            <a:r>
+              <a:rPr lang="en-US" dirty="0"/>
+              <a:t>The 5 is a constant, so it can be generalized on by replacing it with a new argument </a:t>
+            </a:r>
+            <a:r>
+              <a:rPr lang="en-US" b="1" dirty="0">
+                <a:latin typeface="Consolas" panose="020B0609020204030204" pitchFamily="49" charset="0"/>
+                <a:cs typeface="Consolas" panose="020B0609020204030204" pitchFamily="49" charset="0"/>
+              </a:rPr>
+              <a:t>x</a:t>
+            </a:r>
+            <a:r>
+              <a:rPr lang="en-US" dirty="0"/>
+              <a:t>.  </a:t>
+            </a:r>
+          </a:p>
+          <a:p>
+            <a:r>
+              <a:rPr lang="en-US" dirty="0"/>
+              <a:t>Example:</a:t>
+            </a:r>
+          </a:p>
+          <a:p>
+            <a:pPr marL="0" indent="0">
+              <a:buNone/>
+            </a:pPr>
+            <a:r>
+              <a:rPr lang="en-US" b="1" dirty="0">
+                <a:latin typeface="Consolas" panose="020B0609020204030204" pitchFamily="49" charset="0"/>
+                <a:cs typeface="Consolas" panose="020B0609020204030204" pitchFamily="49" charset="0"/>
+              </a:rPr>
+              <a:t>(add-x-to-each (list 10 20 30) 7) </a:t>
+            </a:r>
+            <a:br>
+              <a:rPr lang="en-US" b="1" dirty="0">
+                <a:latin typeface="Consolas" panose="020B0609020204030204" pitchFamily="49" charset="0"/>
+                <a:cs typeface="Consolas" panose="020B0609020204030204" pitchFamily="49" charset="0"/>
+              </a:rPr>
+            </a:br>
+            <a:r>
+              <a:rPr lang="en-US" b="1" dirty="0">
+                <a:latin typeface="Consolas" panose="020B0609020204030204" pitchFamily="49" charset="0"/>
+                <a:cs typeface="Consolas" panose="020B0609020204030204" pitchFamily="49" charset="0"/>
+              </a:rPr>
+              <a:t>  = (list 17 27 37)</a:t>
+            </a:r>
+          </a:p>
+          <a:p>
+            <a:r>
+              <a:rPr lang="en-US" dirty="0"/>
+              <a:t>We'll replace the local function </a:t>
+            </a:r>
+            <a:r>
+              <a:rPr lang="en-US" b="1" dirty="0">
+                <a:latin typeface="Consolas" panose="020B0609020204030204" pitchFamily="49" charset="0"/>
+                <a:cs typeface="Consolas" panose="020B0609020204030204" pitchFamily="49" charset="0"/>
+              </a:rPr>
+              <a:t>add5</a:t>
+            </a:r>
+            <a:r>
+              <a:rPr lang="en-US" dirty="0"/>
+              <a:t> by a new function called </a:t>
+            </a:r>
+            <a:r>
+              <a:rPr lang="en-US" b="1" dirty="0" err="1">
+                <a:latin typeface="Consolas" panose="020B0609020204030204" pitchFamily="49" charset="0"/>
+                <a:cs typeface="Consolas" panose="020B0609020204030204" pitchFamily="49" charset="0"/>
+              </a:rPr>
+              <a:t>addx</a:t>
+            </a:r>
+            <a:r>
+              <a:rPr lang="en-US" dirty="0"/>
+              <a:t>, which adds </a:t>
+            </a:r>
+            <a:r>
+              <a:rPr lang="en-US" b="1" dirty="0">
+                <a:latin typeface="Consolas" panose="020B0609020204030204" pitchFamily="49" charset="0"/>
+                <a:cs typeface="Consolas" panose="020B0609020204030204" pitchFamily="49" charset="0"/>
+              </a:rPr>
+              <a:t>x</a:t>
+            </a:r>
+            <a:r>
+              <a:rPr lang="en-US" dirty="0"/>
+              <a:t> to its argument to its argument </a:t>
+            </a:r>
+            <a:r>
+              <a:rPr lang="en-US" b="1" dirty="0">
+                <a:latin typeface="Consolas" panose="020B0609020204030204" pitchFamily="49" charset="0"/>
+                <a:cs typeface="Consolas" panose="020B0609020204030204" pitchFamily="49" charset="0"/>
+              </a:rPr>
+              <a:t>n</a:t>
+            </a:r>
+            <a:r>
+              <a:rPr lang="en-US" dirty="0"/>
+              <a:t>.</a:t>
+            </a:r>
+            <a:endParaRPr lang="en-US" b="1" dirty="0">
+              <a:latin typeface="Consolas" panose="020B0609020204030204" pitchFamily="49" charset="0"/>
+              <a:cs typeface="Consolas" panose="020B0609020204030204" pitchFamily="49" charset="0"/>
+            </a:endParaRPr>
+          </a:p>
+          <a:p>
+            <a:endParaRPr lang="en-US" dirty="0"/>
+          </a:p>
+        </p:txBody>
+      </p:sp>
+      <p:sp>
+        <p:nvSpPr>
+          <p:cNvPr id="3" name="Slide Number Placeholder 2"/>
+          <p:cNvSpPr>
+            <a:spLocks noGrp="1"/>
+          </p:cNvSpPr>
+          <p:nvPr>
+            <p:ph type="sldNum" sz="quarter" idx="12"/>
+          </p:nvPr>
+        </p:nvSpPr>
+        <p:spPr/>
+        <p:txBody>
+          <a:bodyPr/>
+          <a:lstStyle/>
+          <a:p>
+            <a:fld id="{9F4492BD-6A9C-48FC-AC76-0B4FE11194A1}" type="slidenum">
+              <a:rPr lang="en-US" smtClean="0"/>
+              <a:pPr/>
+              <a:t>20</a:t>
+            </a:fld>
+            <a:endParaRPr lang="en-US"/>
+          </a:p>
+        </p:txBody>
+      </p:sp>
+    </p:spTree>
+    <p:extLst>
+      <p:ext uri="{BB962C8B-B14F-4D97-AF65-F5344CB8AC3E}">
+        <p14:creationId xmlns:p14="http://schemas.microsoft.com/office/powerpoint/2010/main" val="3513533979"/>
       </p:ext>
     </p:extLst>
   </p:cSld>
@@ -9274,20 +9326,20 @@
         <p:spPr/>
         <p:txBody>
           <a:bodyPr>
-            <a:normAutofit fontScale="90000"/>
+            <a:normAutofit/>
           </a:bodyPr>
           <a:lstStyle/>
           <a:p>
             <a:r>
               <a:rPr lang="en-US" dirty="0"/>
-              <a:t>Opportunity for more generalization</a:t>
-            </a:r>
-          </a:p>
-        </p:txBody>
-      </p:sp>
-      <p:sp>
-        <p:nvSpPr>
-          <p:cNvPr id="5" name="Content Placeholder 4"/>
+              <a:t>Here's the definition</a:t>
+            </a:r>
+          </a:p>
+        </p:txBody>
+      </p:sp>
+      <p:sp>
+        <p:nvSpPr>
+          <p:cNvPr id="3" name="Content Placeholder 2"/>
           <p:cNvSpPr>
             <a:spLocks noGrp="1"/>
           </p:cNvSpPr>
@@ -9297,118 +9349,239 @@
         </p:nvSpPr>
         <p:spPr/>
         <p:txBody>
-          <a:bodyPr/>
-          <a:lstStyle/>
-          <a:p>
-            <a:r>
-              <a:rPr lang="en-US" dirty="0"/>
-              <a:t>The 5 is a constant, so it can be generalized on by replacing it with a new argument </a:t>
-            </a:r>
-            <a:r>
-              <a:rPr lang="en-US" b="1" dirty="0">
-                <a:latin typeface="Consolas" panose="020B0609020204030204" pitchFamily="49" charset="0"/>
-                <a:cs typeface="Consolas" panose="020B0609020204030204" pitchFamily="49" charset="0"/>
-              </a:rPr>
-              <a:t>x</a:t>
-            </a:r>
-            <a:r>
-              <a:rPr lang="en-US" dirty="0"/>
-              <a:t>.  </a:t>
-            </a:r>
-          </a:p>
-          <a:p>
-            <a:r>
-              <a:rPr lang="en-US" dirty="0"/>
-              <a:t>Example:</a:t>
-            </a:r>
-          </a:p>
-          <a:p>
-            <a:pPr marL="0" indent="0">
-              <a:buNone/>
-            </a:pPr>
-            <a:r>
-              <a:rPr lang="en-US" b="1" dirty="0">
-                <a:latin typeface="Consolas" panose="020B0609020204030204" pitchFamily="49" charset="0"/>
-                <a:cs typeface="Consolas" panose="020B0609020204030204" pitchFamily="49" charset="0"/>
-              </a:rPr>
-              <a:t>(add-x-to-each (list 10 20 30) 7) </a:t>
-            </a:r>
-            <a:br>
-              <a:rPr lang="en-US" b="1" dirty="0">
-                <a:latin typeface="Consolas" panose="020B0609020204030204" pitchFamily="49" charset="0"/>
-                <a:cs typeface="Consolas" panose="020B0609020204030204" pitchFamily="49" charset="0"/>
-              </a:rPr>
-            </a:br>
-            <a:r>
-              <a:rPr lang="en-US" b="1" dirty="0">
-                <a:latin typeface="Consolas" panose="020B0609020204030204" pitchFamily="49" charset="0"/>
-                <a:cs typeface="Consolas" panose="020B0609020204030204" pitchFamily="49" charset="0"/>
-              </a:rPr>
-              <a:t>  = (list 17 27 37)</a:t>
-            </a:r>
-          </a:p>
-          <a:p>
-            <a:r>
-              <a:rPr lang="en-US" dirty="0"/>
-              <a:t>We'll replace the local function </a:t>
-            </a:r>
-            <a:r>
-              <a:rPr lang="en-US" b="1" dirty="0">
-                <a:latin typeface="Consolas" panose="020B0609020204030204" pitchFamily="49" charset="0"/>
-                <a:cs typeface="Consolas" panose="020B0609020204030204" pitchFamily="49" charset="0"/>
-              </a:rPr>
-              <a:t>add5</a:t>
-            </a:r>
-            <a:r>
-              <a:rPr lang="en-US" dirty="0"/>
-              <a:t> by a new function called </a:t>
-            </a:r>
-            <a:r>
-              <a:rPr lang="en-US" b="1" dirty="0" err="1">
-                <a:latin typeface="Consolas" panose="020B0609020204030204" pitchFamily="49" charset="0"/>
-                <a:cs typeface="Consolas" panose="020B0609020204030204" pitchFamily="49" charset="0"/>
+          <a:bodyPr>
+            <a:normAutofit fontScale="92500" lnSpcReduction="20000"/>
+          </a:bodyPr>
+          <a:lstStyle/>
+          <a:p>
+            <a:pPr>
+              <a:buNone/>
+            </a:pPr>
+            <a:r>
+              <a:rPr lang="en-US" sz="2800" b="1" dirty="0">
+                <a:latin typeface="Consolas" pitchFamily="49" charset="0"/>
+                <a:cs typeface="Consolas" pitchFamily="49" charset="0"/>
+              </a:rPr>
+              <a:t>;; add-x-to-each </a:t>
+            </a:r>
+          </a:p>
+          <a:p>
+            <a:pPr>
+              <a:buNone/>
+            </a:pPr>
+            <a:r>
+              <a:rPr lang="en-US" sz="2800" b="1" dirty="0">
+                <a:latin typeface="Consolas" pitchFamily="49" charset="0"/>
+                <a:cs typeface="Consolas" pitchFamily="49" charset="0"/>
+              </a:rPr>
+              <a:t>;;  : </a:t>
+            </a:r>
+            <a:r>
+              <a:rPr lang="en-US" sz="2800" b="1" dirty="0" err="1">
+                <a:latin typeface="Consolas" pitchFamily="49" charset="0"/>
+                <a:cs typeface="Consolas" pitchFamily="49" charset="0"/>
+              </a:rPr>
+              <a:t>NumberList</a:t>
+            </a:r>
+            <a:r>
+              <a:rPr lang="en-US" sz="2800" b="1" dirty="0">
+                <a:latin typeface="Consolas" pitchFamily="49" charset="0"/>
+                <a:cs typeface="Consolas" pitchFamily="49" charset="0"/>
+              </a:rPr>
+              <a:t> Number -&gt; </a:t>
+            </a:r>
+            <a:r>
+              <a:rPr lang="en-US" sz="2800" b="1" dirty="0" err="1">
+                <a:latin typeface="Consolas" pitchFamily="49" charset="0"/>
+                <a:cs typeface="Consolas" pitchFamily="49" charset="0"/>
+              </a:rPr>
+              <a:t>NumberList</a:t>
+            </a:r>
+            <a:endParaRPr lang="en-US" sz="2800" b="1" dirty="0">
+              <a:latin typeface="Consolas" pitchFamily="49" charset="0"/>
+              <a:cs typeface="Consolas" pitchFamily="49" charset="0"/>
+            </a:endParaRPr>
+          </a:p>
+          <a:p>
+            <a:pPr>
+              <a:buNone/>
+            </a:pPr>
+            <a:r>
+              <a:rPr lang="en-US" sz="2800" b="1" dirty="0">
+                <a:latin typeface="Consolas" pitchFamily="49" charset="0"/>
+                <a:cs typeface="Consolas" pitchFamily="49" charset="0"/>
+              </a:rPr>
+              <a:t>;; GIVEN: a list of numbers and a number</a:t>
+            </a:r>
+          </a:p>
+          <a:p>
+            <a:pPr>
+              <a:buNone/>
+            </a:pPr>
+            <a:r>
+              <a:rPr lang="en-US" sz="2800" b="1" dirty="0">
+                <a:latin typeface="Consolas" pitchFamily="49" charset="0"/>
+                <a:cs typeface="Consolas" pitchFamily="49" charset="0"/>
+              </a:rPr>
+              <a:t>;; RETURNS: a list of numbers like the</a:t>
+            </a:r>
+          </a:p>
+          <a:p>
+            <a:pPr>
+              <a:buNone/>
+            </a:pPr>
+            <a:r>
+              <a:rPr lang="en-US" sz="2800" b="1" dirty="0">
+                <a:latin typeface="Consolas" pitchFamily="49" charset="0"/>
+                <a:cs typeface="Consolas" pitchFamily="49" charset="0"/>
+              </a:rPr>
+              <a:t>;; given one, except that the given</a:t>
+            </a:r>
+          </a:p>
+          <a:p>
+            <a:pPr>
+              <a:buNone/>
+            </a:pPr>
+            <a:r>
+              <a:rPr lang="en-US" sz="2800" b="1" dirty="0">
+                <a:latin typeface="Consolas" pitchFamily="49" charset="0"/>
+                <a:cs typeface="Consolas" pitchFamily="49" charset="0"/>
+              </a:rPr>
+              <a:t>;; number is added to each element of the </a:t>
+            </a:r>
+          </a:p>
+          <a:p>
+            <a:pPr>
+              <a:buNone/>
+            </a:pPr>
+            <a:r>
+              <a:rPr lang="en-US" sz="2800" b="1" dirty="0">
+                <a:latin typeface="Consolas" pitchFamily="49" charset="0"/>
+                <a:cs typeface="Consolas" pitchFamily="49" charset="0"/>
+              </a:rPr>
+              <a:t>;; list.</a:t>
+            </a:r>
+          </a:p>
+          <a:p>
+            <a:pPr>
+              <a:buNone/>
+            </a:pPr>
+            <a:r>
+              <a:rPr lang="en-US" sz="2800" b="1" dirty="0">
+                <a:latin typeface="Consolas" pitchFamily="49" charset="0"/>
+                <a:cs typeface="Consolas" pitchFamily="49" charset="0"/>
+              </a:rPr>
+              <a:t>;; STRATEGY: Use HOF apply-to-each on </a:t>
+            </a:r>
+            <a:r>
+              <a:rPr lang="en-US" sz="2800" b="1" dirty="0" err="1">
+                <a:latin typeface="Consolas" pitchFamily="49" charset="0"/>
+                <a:cs typeface="Consolas" pitchFamily="49" charset="0"/>
+              </a:rPr>
+              <a:t>lst</a:t>
+            </a:r>
+            <a:endParaRPr lang="en-US" sz="2800" b="1" dirty="0">
+              <a:latin typeface="Consolas" pitchFamily="49" charset="0"/>
+              <a:cs typeface="Consolas" pitchFamily="49" charset="0"/>
+            </a:endParaRPr>
+          </a:p>
+          <a:p>
+            <a:pPr>
+              <a:buNone/>
+            </a:pPr>
+            <a:r>
+              <a:rPr lang="en-US" sz="2800" b="1" dirty="0">
+                <a:latin typeface="Consolas" pitchFamily="49" charset="0"/>
+                <a:cs typeface="Consolas" pitchFamily="49" charset="0"/>
+              </a:rPr>
+              <a:t>(define (add-x-to-each </a:t>
+            </a:r>
+            <a:r>
+              <a:rPr lang="en-US" sz="2800" b="1" dirty="0" err="1">
+                <a:latin typeface="Consolas" pitchFamily="49" charset="0"/>
+                <a:cs typeface="Consolas" pitchFamily="49" charset="0"/>
+              </a:rPr>
+              <a:t>lst</a:t>
+            </a:r>
+            <a:r>
+              <a:rPr lang="en-US" sz="2800" b="1" dirty="0">
+                <a:latin typeface="Consolas" pitchFamily="49" charset="0"/>
+                <a:cs typeface="Consolas" pitchFamily="49" charset="0"/>
+              </a:rPr>
+              <a:t> x)</a:t>
+            </a:r>
+          </a:p>
+          <a:p>
+            <a:pPr>
+              <a:buNone/>
+            </a:pPr>
+            <a:r>
+              <a:rPr lang="en-US" sz="2800" b="1" dirty="0">
+                <a:latin typeface="Consolas" pitchFamily="49" charset="0"/>
+                <a:cs typeface="Consolas" pitchFamily="49" charset="0"/>
+              </a:rPr>
+              <a:t>    (local ((define (</a:t>
+            </a:r>
+            <a:r>
+              <a:rPr lang="en-US" sz="2800" b="1" dirty="0" err="1">
+                <a:latin typeface="Consolas" pitchFamily="49" charset="0"/>
+                <a:cs typeface="Consolas" pitchFamily="49" charset="0"/>
               </a:rPr>
               <a:t>addx</a:t>
             </a:r>
             <a:r>
-              <a:rPr lang="en-US" dirty="0"/>
-              <a:t>, which adds </a:t>
-            </a:r>
-            <a:r>
-              <a:rPr lang="en-US" b="1" dirty="0">
-                <a:latin typeface="Consolas" panose="020B0609020204030204" pitchFamily="49" charset="0"/>
-                <a:cs typeface="Consolas" panose="020B0609020204030204" pitchFamily="49" charset="0"/>
-              </a:rPr>
-              <a:t>x</a:t>
-            </a:r>
-            <a:r>
-              <a:rPr lang="en-US" dirty="0"/>
-              <a:t> to its argument to its argument </a:t>
-            </a:r>
-            <a:r>
-              <a:rPr lang="en-US" b="1" dirty="0">
-                <a:latin typeface="Consolas" panose="020B0609020204030204" pitchFamily="49" charset="0"/>
-                <a:cs typeface="Consolas" panose="020B0609020204030204" pitchFamily="49" charset="0"/>
-              </a:rPr>
-              <a:t>n</a:t>
-            </a:r>
-            <a:r>
-              <a:rPr lang="en-US" dirty="0"/>
-              <a:t>.</a:t>
-            </a:r>
-            <a:endParaRPr lang="en-US" b="1" dirty="0">
-              <a:latin typeface="Consolas" panose="020B0609020204030204" pitchFamily="49" charset="0"/>
-              <a:cs typeface="Consolas" panose="020B0609020204030204" pitchFamily="49" charset="0"/>
-            </a:endParaRPr>
-          </a:p>
-          <a:p>
-            <a:endParaRPr lang="en-US" dirty="0"/>
-          </a:p>
-        </p:txBody>
-      </p:sp>
-      <p:sp>
-        <p:nvSpPr>
-          <p:cNvPr id="3" name="Slide Number Placeholder 2"/>
+              <a:rPr lang="en-US" sz="2800" b="1" dirty="0">
+                <a:latin typeface="Consolas" pitchFamily="49" charset="0"/>
+                <a:cs typeface="Consolas" pitchFamily="49" charset="0"/>
+              </a:rPr>
+              <a:t> n) (+ n x)))</a:t>
+            </a:r>
+          </a:p>
+          <a:p>
+            <a:pPr>
+              <a:buNone/>
+            </a:pPr>
+            <a:r>
+              <a:rPr lang="en-US" sz="2800" b="1" dirty="0">
+                <a:latin typeface="Consolas" pitchFamily="49" charset="0"/>
+                <a:cs typeface="Consolas" pitchFamily="49" charset="0"/>
+              </a:rPr>
+              <a:t>      (apply-to-each </a:t>
+            </a:r>
+            <a:r>
+              <a:rPr lang="en-US" sz="2800" b="1" dirty="0" err="1">
+                <a:latin typeface="Consolas" pitchFamily="49" charset="0"/>
+                <a:cs typeface="Consolas" pitchFamily="49" charset="0"/>
+              </a:rPr>
+              <a:t>addx</a:t>
+            </a:r>
+            <a:r>
+              <a:rPr lang="en-US" sz="2800" b="1" dirty="0">
+                <a:latin typeface="Consolas" pitchFamily="49" charset="0"/>
+                <a:cs typeface="Consolas" pitchFamily="49" charset="0"/>
+              </a:rPr>
+              <a:t> </a:t>
+            </a:r>
+            <a:r>
+              <a:rPr lang="en-US" sz="2800" b="1" dirty="0" err="1">
+                <a:latin typeface="Consolas" pitchFamily="49" charset="0"/>
+                <a:cs typeface="Consolas" pitchFamily="49" charset="0"/>
+              </a:rPr>
+              <a:t>lst</a:t>
+            </a:r>
+            <a:r>
+              <a:rPr lang="en-US" sz="2800" b="1" dirty="0">
+                <a:latin typeface="Consolas" pitchFamily="49" charset="0"/>
+                <a:cs typeface="Consolas" pitchFamily="49" charset="0"/>
+              </a:rPr>
+              <a:t>)))</a:t>
+            </a:r>
+          </a:p>
+        </p:txBody>
+      </p:sp>
+      <p:sp>
+        <p:nvSpPr>
+          <p:cNvPr id="4" name="Slide Number Placeholder 3"/>
           <p:cNvSpPr>
             <a:spLocks noGrp="1"/>
           </p:cNvSpPr>
@@ -9430,10 +9603,119 @@
           </a:p>
         </p:txBody>
       </p:sp>
+      <p:cxnSp>
+        <p:nvCxnSpPr>
+          <p:cNvPr id="6" name="Straight Arrow Connector 5"/>
+          <p:cNvCxnSpPr/>
+          <p:nvPr/>
+        </p:nvCxnSpPr>
+        <p:spPr>
+          <a:xfrm flipH="1" flipV="1">
+            <a:off x="5638800" y="4953000"/>
+            <a:ext cx="990600" cy="381000"/>
+          </a:xfrm>
+          <a:prstGeom prst="straightConnector1">
+            <a:avLst/>
+          </a:prstGeom>
+          <a:ln w="25400">
+            <a:headEnd type="oval"/>
+            <a:tailEnd type="triangle"/>
+          </a:ln>
+        </p:spPr>
+        <p:style>
+          <a:lnRef idx="1">
+            <a:schemeClr val="accent1"/>
+          </a:lnRef>
+          <a:fillRef idx="0">
+            <a:schemeClr val="accent1"/>
+          </a:fillRef>
+          <a:effectRef idx="0">
+            <a:schemeClr val="accent1"/>
+          </a:effectRef>
+          <a:fontRef idx="minor">
+            <a:schemeClr val="tx1"/>
+          </a:fontRef>
+        </p:style>
+      </p:cxnSp>
+      <p:sp>
+        <p:nvSpPr>
+          <p:cNvPr id="8" name="TextBox 7"/>
+          <p:cNvSpPr txBox="1"/>
+          <p:nvPr/>
+        </p:nvSpPr>
+        <p:spPr>
+          <a:xfrm>
+            <a:off x="7467600" y="4724400"/>
+            <a:ext cx="1600200" cy="1200329"/>
+          </a:xfrm>
+          <a:prstGeom prst="rect">
+            <a:avLst/>
+          </a:prstGeom>
+          <a:solidFill>
+            <a:schemeClr val="accent1">
+              <a:lumMod val="20000"/>
+              <a:lumOff val="80000"/>
+            </a:schemeClr>
+          </a:solidFill>
+          <a:ln w="12700">
+            <a:noFill/>
+          </a:ln>
+        </p:spPr>
+        <p:txBody>
+          <a:bodyPr wrap="square" rtlCol="0">
+            <a:spAutoFit/>
+          </a:bodyPr>
+          <a:lstStyle/>
+          <a:p>
+            <a:r>
+              <a:rPr lang="en-US" dirty="0">
+                <a:cs typeface="Consolas" panose="020B0609020204030204" pitchFamily="49" charset="0"/>
+              </a:rPr>
+              <a:t>The “</a:t>
+            </a:r>
+            <a:r>
+              <a:rPr lang="en-US" b="1" dirty="0">
+                <a:cs typeface="Consolas" panose="020B0609020204030204" pitchFamily="49" charset="0"/>
+              </a:rPr>
+              <a:t>x</a:t>
+            </a:r>
+            <a:r>
+              <a:rPr lang="en-US" dirty="0">
+                <a:cs typeface="Consolas" panose="020B0609020204030204" pitchFamily="49" charset="0"/>
+              </a:rPr>
+              <a:t>” in </a:t>
+            </a:r>
+            <a:r>
+              <a:rPr lang="en-US" b="1" dirty="0">
+                <a:cs typeface="Consolas" panose="020B0609020204030204" pitchFamily="49" charset="0"/>
+              </a:rPr>
+              <a:t>(+ n x) </a:t>
+            </a:r>
+            <a:r>
+              <a:rPr lang="en-US" dirty="0">
+                <a:cs typeface="Consolas" panose="020B0609020204030204" pitchFamily="49" charset="0"/>
+              </a:rPr>
+              <a:t>refers the “</a:t>
+            </a:r>
+            <a:r>
+              <a:rPr lang="en-US" b="1" dirty="0">
+                <a:cs typeface="Consolas" panose="020B0609020204030204" pitchFamily="49" charset="0"/>
+              </a:rPr>
+              <a:t>x</a:t>
+            </a:r>
+            <a:r>
+              <a:rPr lang="en-US" dirty="0">
+                <a:cs typeface="Consolas" panose="020B0609020204030204" pitchFamily="49" charset="0"/>
+              </a:rPr>
+              <a:t>” in the argument.</a:t>
+            </a:r>
+          </a:p>
+        </p:txBody>
+      </p:sp>
     </p:spTree>
     <p:extLst>
       <p:ext uri="{BB962C8B-B14F-4D97-AF65-F5344CB8AC3E}">
-        <p14:creationId xmlns:p14="http://schemas.microsoft.com/office/powerpoint/2010/main" val="3513533979"/>
+        <p14:creationId xmlns:p14="http://schemas.microsoft.com/office/powerpoint/2010/main" val="2102383845"/>
       </p:ext>
     </p:extLst>
   </p:cSld>
@@ -9470,16 +9752,29 @@
             <p:ph type="title"/>
           </p:nvPr>
         </p:nvSpPr>
-        <p:spPr/>
+        <p:spPr>
+          <a:xfrm>
+            <a:off x="457200" y="274638"/>
+            <a:ext cx="8229600" cy="1935162"/>
+          </a:xfrm>
+        </p:spPr>
         <p:txBody>
           <a:bodyPr>
-            <a:normAutofit/>
+            <a:normAutofit fontScale="90000"/>
           </a:bodyPr>
           <a:lstStyle/>
           <a:p>
             <a:r>
               <a:rPr lang="en-US" dirty="0"/>
-              <a:t>Here's the definition</a:t>
+              <a:t>As before, </a:t>
+            </a:r>
+            <a:r>
+              <a:rPr lang="en-US" b="1" dirty="0"/>
+              <a:t>lambda </a:t>
+            </a:r>
+            <a:r>
+              <a:rPr lang="en-US" dirty="0"/>
+              <a:t>can be used in order to avoid having to introduce a local name</a:t>
             </a:r>
           </a:p>
         </p:txBody>
@@ -9494,22 +9789,45 @@
             <p:ph idx="1"/>
           </p:nvPr>
         </p:nvSpPr>
-        <p:spPr/>
-        <p:txBody>
-          <a:bodyPr>
-            <a:normAutofit fontScale="92500" lnSpcReduction="20000"/>
-          </a:bodyPr>
+        <p:spPr>
+          <a:xfrm>
+            <a:off x="457200" y="2286000"/>
+            <a:ext cx="8229600" cy="4144963"/>
+          </a:xfrm>
+        </p:spPr>
+        <p:txBody>
+          <a:bodyPr/>
           <a:lstStyle/>
           <a:p>
             <a:pPr>
               <a:buNone/>
             </a:pPr>
             <a:r>
+              <a:rPr lang="en-US" dirty="0">
+                <a:latin typeface="Lucida Console" pitchFamily="49" charset="0"/>
+              </a:rPr>
+              <a:t> </a:t>
+            </a:r>
+            <a:r>
               <a:rPr lang="en-US" sz="2800" b="1" dirty="0">
                 <a:latin typeface="Consolas" pitchFamily="49" charset="0"/>
                 <a:cs typeface="Consolas" pitchFamily="49" charset="0"/>
               </a:rPr>
-              <a:t>;; add-x-to-each </a:t>
+              <a:t>(define (add-x-to-each </a:t>
+            </a:r>
+            <a:r>
+              <a:rPr lang="en-US" sz="2800" b="1" dirty="0" err="1">
+                <a:latin typeface="Consolas" pitchFamily="49" charset="0"/>
+                <a:cs typeface="Consolas" pitchFamily="49" charset="0"/>
+              </a:rPr>
+              <a:t>lst</a:t>
+            </a:r>
+            <a:r>
+              <a:rPr lang="en-US" sz="2800" b="1" dirty="0">
+                <a:latin typeface="Consolas" pitchFamily="49" charset="0"/>
+                <a:cs typeface="Consolas" pitchFamily="49" charset="0"/>
+              </a:rPr>
+              <a:t> x)</a:t>
             </a:r>
           </a:p>
           <a:p>
@@ -9521,29 +9839,87 @@
                 <a:latin typeface="Consolas" pitchFamily="49" charset="0"/>
                 <a:cs typeface="Consolas" pitchFamily="49" charset="0"/>
               </a:rPr>
-              <a:t>;;  : </a:t>
+              <a:t>    (apply-to-each</a:t>
+            </a:r>
+          </a:p>
+          <a:p>
+            <a:pPr>
+              <a:buNone/>
+            </a:pPr>
+            <a:r>
+              <a:rPr lang="en-US" sz="2800" b="1" dirty="0">
+                <a:latin typeface="Consolas" pitchFamily="49" charset="0"/>
+                <a:cs typeface="Consolas" pitchFamily="49" charset="0"/>
+              </a:rPr>
+              <a:t>      ;; Number -&gt; Number</a:t>
+            </a:r>
+          </a:p>
+          <a:p>
+            <a:pPr>
+              <a:buNone/>
+            </a:pPr>
+            <a:r>
+              <a:rPr lang="en-US" sz="2800" b="1" dirty="0">
+                <a:latin typeface="Consolas" pitchFamily="49" charset="0"/>
+                <a:cs typeface="Consolas" pitchFamily="49" charset="0"/>
+              </a:rPr>
+              <a:t>      ;; RETURNS: the sum of its argument</a:t>
+            </a:r>
+          </a:p>
+          <a:p>
+            <a:pPr>
+              <a:buNone/>
+            </a:pPr>
+            <a:r>
+              <a:rPr lang="en-US" sz="2800" b="1" dirty="0">
+                <a:latin typeface="Consolas" pitchFamily="49" charset="0"/>
+                <a:cs typeface="Consolas" pitchFamily="49" charset="0"/>
+              </a:rPr>
+              <a:t>      ;; and the value of x. </a:t>
+            </a:r>
+          </a:p>
+          <a:p>
+            <a:pPr>
+              <a:buNone/>
+            </a:pPr>
+            <a:r>
+              <a:rPr lang="en-US" sz="2800" b="1" dirty="0">
+                <a:latin typeface="Consolas" pitchFamily="49" charset="0"/>
+                <a:cs typeface="Consolas" pitchFamily="49" charset="0"/>
+              </a:rPr>
+              <a:t>      (lambda (n) (+ n x))</a:t>
+            </a:r>
+          </a:p>
+          <a:p>
+            <a:pPr>
+              <a:buNone/>
+            </a:pPr>
+            <a:r>
+              <a:rPr lang="en-US" sz="2800" b="1" dirty="0">
+                <a:latin typeface="Consolas" pitchFamily="49" charset="0"/>
+                <a:cs typeface="Consolas" pitchFamily="49" charset="0"/>
+              </a:rPr>
+              <a:t>      </a:t>
             </a:r>
             <a:r>
               <a:rPr lang="en-US" sz="2800" b="1" dirty="0" err="1">
                 <a:latin typeface="Consolas" pitchFamily="49" charset="0"/>
                 <a:cs typeface="Consolas" pitchFamily="49" charset="0"/>
               </a:rPr>
-              <a:t>ListOfNumber</a:t>
+              <a:t>lst</a:t>
             </a:r>
             <a:r>
               <a:rPr lang="en-US" sz="2800" b="1" dirty="0">
                 <a:latin typeface="Consolas" pitchFamily="49" charset="0"/>
                 <a:cs typeface="Consolas" pitchFamily="49" charset="0"/>
               </a:rPr>
-              <a:t> Number -&gt; </a:t>
-            </a:r>
-            <a:r>
-              <a:rPr lang="en-US" sz="2800" b="1" dirty="0" err="1">
-                <a:latin typeface="Consolas" pitchFamily="49" charset="0"/>
-                <a:cs typeface="Consolas" pitchFamily="49" charset="0"/>
-              </a:rPr>
-              <a:t>ListOfNumber</a:t>
-            </a:r>
+              <a:t>))</a:t>
+            </a:r>
+          </a:p>
+          <a:p>
+            <a:pPr>
+              <a:buNone/>
+            </a:pPr>
             <a:endParaRPr lang="en-US" sz="2800" b="1" dirty="0">
               <a:latin typeface="Consolas" pitchFamily="49" charset="0"/>
               <a:cs typeface="Consolas" pitchFamily="49" charset="0"/>
@@ -9553,80 +9929,6 @@
             <a:pPr>
               <a:buNone/>
             </a:pPr>
-            <a:r>
-              <a:rPr lang="en-US" sz="2800" b="1" dirty="0">
-                <a:latin typeface="Consolas" pitchFamily="49" charset="0"/>
-                <a:cs typeface="Consolas" pitchFamily="49" charset="0"/>
-              </a:rPr>
-              <a:t>;; GIVEN: a list of numbers and a number</a:t>
-            </a:r>
-          </a:p>
-          <a:p>
-            <a:pPr>
-              <a:buNone/>
-            </a:pPr>
-            <a:r>
-              <a:rPr lang="en-US" sz="2800" b="1" dirty="0">
-                <a:latin typeface="Consolas" pitchFamily="49" charset="0"/>
-                <a:cs typeface="Consolas" pitchFamily="49" charset="0"/>
-              </a:rPr>
-              <a:t>;; RETURNS: a list of numbers like the</a:t>
-            </a:r>
-          </a:p>
-          <a:p>
-            <a:pPr>
-              <a:buNone/>
-            </a:pPr>
-            <a:r>
-              <a:rPr lang="en-US" sz="2800" b="1" dirty="0">
-                <a:latin typeface="Consolas" pitchFamily="49" charset="0"/>
-                <a:cs typeface="Consolas" pitchFamily="49" charset="0"/>
-              </a:rPr>
-              <a:t>;; given one, except that the given</a:t>
-            </a:r>
-          </a:p>
-          <a:p>
-            <a:pPr>
-              <a:buNone/>
-            </a:pPr>
-            <a:r>
-              <a:rPr lang="en-US" sz="2800" b="1" dirty="0">
-                <a:latin typeface="Consolas" pitchFamily="49" charset="0"/>
-                <a:cs typeface="Consolas" pitchFamily="49" charset="0"/>
-              </a:rPr>
-              <a:t>;; number is added to each element of the </a:t>
-            </a:r>
-          </a:p>
-          <a:p>
-            <a:pPr>
-              <a:buNone/>
-            </a:pPr>
-            <a:r>
-              <a:rPr lang="en-US" sz="2800" b="1" dirty="0">
-                <a:latin typeface="Consolas" pitchFamily="49" charset="0"/>
-                <a:cs typeface="Consolas" pitchFamily="49" charset="0"/>
-              </a:rPr>
-              <a:t>;; list.</a:t>
-            </a:r>
-          </a:p>
-          <a:p>
-            <a:pPr>
-              <a:buNone/>
-            </a:pPr>
-            <a:r>
-              <a:rPr lang="en-US" sz="2800" b="1" dirty="0">
-                <a:latin typeface="Consolas" pitchFamily="49" charset="0"/>
-                <a:cs typeface="Consolas" pitchFamily="49" charset="0"/>
-              </a:rPr>
-              <a:t>;; STRATEGY: Use HOF apply-to-each on </a:t>
-            </a:r>
-            <a:r>
-              <a:rPr lang="en-US" sz="2800" b="1" dirty="0" err="1">
-                <a:latin typeface="Consolas" pitchFamily="49" charset="0"/>
-                <a:cs typeface="Consolas" pitchFamily="49" charset="0"/>
-              </a:rPr>
-              <a:t>lon</a:t>
-            </a:r>
             <a:endParaRPr lang="en-US" sz="2800" b="1" dirty="0">
               <a:latin typeface="Consolas" pitchFamily="49" charset="0"/>
               <a:cs typeface="Consolas" pitchFamily="49" charset="0"/>
@@ -9636,93 +9938,19 @@
             <a:pPr>
               <a:buNone/>
             </a:pPr>
-            <a:r>
-              <a:rPr lang="en-US" sz="2800" b="1" dirty="0">
-                <a:latin typeface="Consolas" pitchFamily="49" charset="0"/>
-                <a:cs typeface="Consolas" pitchFamily="49" charset="0"/>
-              </a:rPr>
-              <a:t>(define (add-x-to-each </a:t>
-            </a:r>
-            <a:r>
-              <a:rPr lang="en-US" sz="2800" b="1" dirty="0" err="1">
-                <a:latin typeface="Consolas" pitchFamily="49" charset="0"/>
-                <a:cs typeface="Consolas" pitchFamily="49" charset="0"/>
-              </a:rPr>
-              <a:t>lon</a:t>
-            </a:r>
-            <a:r>
-              <a:rPr lang="en-US" sz="2800" b="1" dirty="0">
-                <a:latin typeface="Consolas" pitchFamily="49" charset="0"/>
-                <a:cs typeface="Consolas" pitchFamily="49" charset="0"/>
-              </a:rPr>
-              <a:t> x)</a:t>
-            </a:r>
+            <a:endParaRPr lang="en-US" sz="2800" b="1" dirty="0">
+              <a:latin typeface="Consolas" pitchFamily="49" charset="0"/>
+              <a:cs typeface="Consolas" pitchFamily="49" charset="0"/>
+            </a:endParaRPr>
           </a:p>
           <a:p>
             <a:pPr>
               <a:buNone/>
             </a:pPr>
-            <a:r>
-              <a:rPr lang="en-US" sz="2800" b="1" dirty="0">
-                <a:latin typeface="Consolas" pitchFamily="49" charset="0"/>
-                <a:cs typeface="Consolas" pitchFamily="49" charset="0"/>
-              </a:rPr>
-              <a:t>    (local ((define (</a:t>
-            </a:r>
-            <a:r>
-              <a:rPr lang="en-US" sz="2800" b="1" dirty="0" err="1">
-                <a:latin typeface="Consolas" pitchFamily="49" charset="0"/>
-                <a:cs typeface="Consolas" pitchFamily="49" charset="0"/>
-              </a:rPr>
-              <a:t>addx</a:t>
-            </a:r>
-            <a:r>
-              <a:rPr lang="en-US" sz="2800" b="1" dirty="0">
-                <a:latin typeface="Consolas" pitchFamily="49" charset="0"/>
-                <a:cs typeface="Consolas" pitchFamily="49" charset="0"/>
-              </a:rPr>
-              <a:t> n) (+ n x)))</a:t>
-            </a:r>
-          </a:p>
-          <a:p>
-            <a:pPr>
-              <a:buNone/>
-            </a:pPr>
-            <a:r>
-              <a:rPr lang="en-US" sz="2800" b="1" dirty="0">
-                <a:latin typeface="Consolas" pitchFamily="49" charset="0"/>
-                <a:cs typeface="Consolas" pitchFamily="49" charset="0"/>
-              </a:rPr>
-              <a:t>      (apply-to-each </a:t>
-            </a:r>
-            <a:r>
-              <a:rPr lang="en-US" sz="2800" b="1" dirty="0" err="1">
-                <a:latin typeface="Consolas" pitchFamily="49" charset="0"/>
-                <a:cs typeface="Consolas" pitchFamily="49" charset="0"/>
-              </a:rPr>
-              <a:t>addx</a:t>
-            </a:r>
-            <a:r>
-              <a:rPr lang="en-US" sz="2800" b="1" dirty="0">
-                <a:latin typeface="Consolas" pitchFamily="49" charset="0"/>
-                <a:cs typeface="Consolas" pitchFamily="49" charset="0"/>
-              </a:rPr>
-              <a:t> </a:t>
-            </a:r>
-            <a:r>
-              <a:rPr lang="en-US" sz="2800" b="1" dirty="0" err="1">
-                <a:latin typeface="Consolas" pitchFamily="49" charset="0"/>
-                <a:cs typeface="Consolas" pitchFamily="49" charset="0"/>
-              </a:rPr>
-              <a:t>lon</a:t>
-            </a:r>
-            <a:r>
-              <a:rPr lang="en-US" sz="2800" b="1" dirty="0">
-                <a:latin typeface="Consolas" pitchFamily="49" charset="0"/>
-                <a:cs typeface="Consolas" pitchFamily="49" charset="0"/>
-              </a:rPr>
-              <a:t>)))</a:t>
-            </a:r>
+            <a:endParaRPr lang="en-US" sz="2800" b="1" dirty="0">
+              <a:latin typeface="Consolas" pitchFamily="49" charset="0"/>
+              <a:cs typeface="Consolas" pitchFamily="49" charset="0"/>
+            </a:endParaRPr>
           </a:p>
         </p:txBody>
       </p:sp>
@@ -9750,10 +9978,44 @@
           </a:p>
         </p:txBody>
       </p:sp>
+      <p:cxnSp>
+        <p:nvCxnSpPr>
+          <p:cNvPr id="5" name="Straight Arrow Connector 4"/>
+          <p:cNvCxnSpPr/>
+          <p:nvPr/>
+        </p:nvCxnSpPr>
+        <p:spPr>
+          <a:xfrm flipV="1">
+            <a:off x="5257800" y="2743200"/>
+            <a:ext cx="914400" cy="2209800"/>
+          </a:xfrm>
+          <a:prstGeom prst="straightConnector1">
+            <a:avLst/>
+          </a:prstGeom>
+          <a:ln w="25400">
+            <a:headEnd type="oval"/>
+            <a:tailEnd type="triangle"/>
+          </a:ln>
+        </p:spPr>
+        <p:style>
+          <a:lnRef idx="1">
+            <a:schemeClr val="accent1"/>
+          </a:lnRef>
+          <a:fillRef idx="0">
+            <a:schemeClr val="accent1"/>
+          </a:fillRef>
+          <a:effectRef idx="0">
+            <a:schemeClr val="accent1"/>
+          </a:effectRef>
+          <a:fontRef idx="minor">
+            <a:schemeClr val="tx1"/>
+          </a:fontRef>
+        </p:style>
+      </p:cxnSp>
     </p:spTree>
     <p:extLst>
       <p:ext uri="{BB962C8B-B14F-4D97-AF65-F5344CB8AC3E}">
-        <p14:creationId xmlns:p14="http://schemas.microsoft.com/office/powerpoint/2010/main" val="2102383845"/>
+        <p14:creationId xmlns:p14="http://schemas.microsoft.com/office/powerpoint/2010/main" val="3852049855"/>
       </p:ext>
     </p:extLst>
   </p:cSld>
@@ -9790,12 +10052,7 @@
             <p:ph type="title"/>
           </p:nvPr>
         </p:nvSpPr>
-        <p:spPr>
-          <a:xfrm>
-            <a:off x="457200" y="274638"/>
-            <a:ext cx="8229600" cy="1935162"/>
-          </a:xfrm>
-        </p:spPr>
+        <p:spPr/>
         <p:txBody>
           <a:bodyPr>
             <a:normAutofit fontScale="90000"/>
@@ -9804,22 +10061,14 @@
           <a:p>
             <a:r>
               <a:rPr lang="en-US" dirty="0"/>
-              <a:t>As before, </a:t>
-            </a:r>
-            <a:r>
-              <a:rPr lang="en-US" b="1" dirty="0"/>
-              <a:t>lambda </a:t>
-            </a:r>
-            <a:r>
-              <a:rPr lang="en-US" dirty="0"/>
-              <a:t>can be used in order to avoid having to introduce a local name</a:t>
-            </a:r>
-          </a:p>
-        </p:txBody>
-      </p:sp>
-      <p:sp>
-        <p:nvSpPr>
-          <p:cNvPr id="3" name="Content Placeholder 2"/>
+              <a:t>What is the contract for apply-to-each?</a:t>
+            </a:r>
+          </a:p>
+        </p:txBody>
+      </p:sp>
+      <p:sp>
+        <p:nvSpPr>
+          <p:cNvPr id="9" name="Content Placeholder 8"/>
           <p:cNvSpPr>
             <a:spLocks noGrp="1"/>
           </p:cNvSpPr>
@@ -9829,172 +10078,125 @@
         </p:nvSpPr>
         <p:spPr>
           <a:xfrm>
-            <a:off x="457200" y="2286000"/>
-            <a:ext cx="8229600" cy="4144963"/>
+            <a:off x="457200" y="1600200"/>
+            <a:ext cx="8229600" cy="4800600"/>
           </a:xfrm>
         </p:spPr>
         <p:txBody>
-          <a:bodyPr/>
-          <a:lstStyle/>
-          <a:p>
-            <a:pPr>
-              <a:buNone/>
-            </a:pPr>
-            <a:r>
-              <a:rPr lang="en-US" dirty="0">
-                <a:latin typeface="Lucida Console" pitchFamily="49" charset="0"/>
-              </a:rPr>
-              <a:t> </a:t>
-            </a:r>
-            <a:r>
-              <a:rPr lang="en-US" sz="2800" b="1" dirty="0">
-                <a:latin typeface="Consolas" pitchFamily="49" charset="0"/>
-                <a:cs typeface="Consolas" pitchFamily="49" charset="0"/>
-              </a:rPr>
-              <a:t>(define (add-x-to-each </a:t>
-            </a:r>
-            <a:r>
-              <a:rPr lang="en-US" sz="2800" b="1" dirty="0" err="1">
-                <a:latin typeface="Consolas" pitchFamily="49" charset="0"/>
-                <a:cs typeface="Consolas" pitchFamily="49" charset="0"/>
-              </a:rPr>
-              <a:t>lon</a:t>
-            </a:r>
-            <a:r>
-              <a:rPr lang="en-US" sz="2800" b="1" dirty="0">
-                <a:latin typeface="Consolas" pitchFamily="49" charset="0"/>
-                <a:cs typeface="Consolas" pitchFamily="49" charset="0"/>
-              </a:rPr>
-              <a:t> x)</a:t>
-            </a:r>
-          </a:p>
-          <a:p>
-            <a:pPr>
-              <a:buNone/>
-            </a:pPr>
-            <a:r>
-              <a:rPr lang="en-US" sz="2800" b="1" dirty="0">
-                <a:latin typeface="Consolas" pitchFamily="49" charset="0"/>
-                <a:cs typeface="Consolas" pitchFamily="49" charset="0"/>
-              </a:rPr>
-              <a:t>    (apply-to-each</a:t>
-            </a:r>
-          </a:p>
-          <a:p>
-            <a:pPr>
-              <a:buNone/>
-            </a:pPr>
-            <a:r>
-              <a:rPr lang="en-US" sz="2800" b="1" dirty="0">
-                <a:latin typeface="Consolas" pitchFamily="49" charset="0"/>
-                <a:cs typeface="Consolas" pitchFamily="49" charset="0"/>
-              </a:rPr>
-              <a:t>      ;; Number -&gt; Number</a:t>
-            </a:r>
-          </a:p>
-          <a:p>
-            <a:pPr>
-              <a:buNone/>
-            </a:pPr>
-            <a:r>
-              <a:rPr lang="en-US" sz="2800" b="1" dirty="0">
-                <a:latin typeface="Consolas" pitchFamily="49" charset="0"/>
-                <a:cs typeface="Consolas" pitchFamily="49" charset="0"/>
-              </a:rPr>
-              <a:t>      ;; RETURNS: the sum of its argument</a:t>
-            </a:r>
-          </a:p>
-          <a:p>
-            <a:pPr>
-              <a:buNone/>
-            </a:pPr>
-            <a:r>
-              <a:rPr lang="en-US" sz="2800" b="1" dirty="0">
-                <a:latin typeface="Consolas" pitchFamily="49" charset="0"/>
-                <a:cs typeface="Consolas" pitchFamily="49" charset="0"/>
-              </a:rPr>
-              <a:t>      ;; and the value of x. </a:t>
-            </a:r>
-          </a:p>
-          <a:p>
-            <a:pPr>
-              <a:buNone/>
-            </a:pPr>
-            <a:r>
-              <a:rPr lang="en-US" sz="2800" b="1" dirty="0">
-                <a:latin typeface="Consolas" pitchFamily="49" charset="0"/>
-                <a:cs typeface="Consolas" pitchFamily="49" charset="0"/>
-              </a:rPr>
-              <a:t>      (lambda (n) (+ n x))</a:t>
-            </a:r>
-          </a:p>
-          <a:p>
-            <a:pPr>
-              <a:buNone/>
-            </a:pPr>
-            <a:r>
-              <a:rPr lang="en-US" sz="2800" b="1" dirty="0">
-                <a:latin typeface="Consolas" pitchFamily="49" charset="0"/>
-                <a:cs typeface="Consolas" pitchFamily="49" charset="0"/>
-              </a:rPr>
-              <a:t>      </a:t>
-            </a:r>
-            <a:r>
-              <a:rPr lang="en-US" sz="2800" b="1" dirty="0" err="1">
-                <a:latin typeface="Consolas" pitchFamily="49" charset="0"/>
-                <a:cs typeface="Consolas" pitchFamily="49" charset="0"/>
-              </a:rPr>
-              <a:t>lon</a:t>
-            </a:r>
-            <a:r>
-              <a:rPr lang="en-US" sz="2800" b="1" dirty="0">
-                <a:latin typeface="Consolas" pitchFamily="49" charset="0"/>
-                <a:cs typeface="Consolas" pitchFamily="49" charset="0"/>
-              </a:rPr>
-              <a:t>))</a:t>
-            </a:r>
-          </a:p>
-          <a:p>
-            <a:pPr>
-              <a:buNone/>
-            </a:pPr>
-            <a:endParaRPr lang="en-US" sz="2800" b="1" dirty="0">
-              <a:latin typeface="Consolas" pitchFamily="49" charset="0"/>
-              <a:cs typeface="Consolas" pitchFamily="49" charset="0"/>
-            </a:endParaRPr>
-          </a:p>
-          <a:p>
-            <a:pPr>
-              <a:buNone/>
-            </a:pPr>
-            <a:endParaRPr lang="en-US" sz="2800" b="1" dirty="0">
-              <a:latin typeface="Consolas" pitchFamily="49" charset="0"/>
-              <a:cs typeface="Consolas" pitchFamily="49" charset="0"/>
-            </a:endParaRPr>
-          </a:p>
-          <a:p>
-            <a:pPr>
-              <a:buNone/>
-            </a:pPr>
-            <a:endParaRPr lang="en-US" sz="2800" b="1" dirty="0">
-              <a:latin typeface="Consolas" pitchFamily="49" charset="0"/>
-              <a:cs typeface="Consolas" pitchFamily="49" charset="0"/>
-            </a:endParaRPr>
-          </a:p>
-          <a:p>
-            <a:pPr>
-              <a:buNone/>
-            </a:pPr>
-            <a:endParaRPr lang="en-US" sz="2800" b="1" dirty="0">
-              <a:latin typeface="Consolas" pitchFamily="49" charset="0"/>
-              <a:cs typeface="Consolas" pitchFamily="49" charset="0"/>
-            </a:endParaRPr>
-          </a:p>
-        </p:txBody>
-      </p:sp>
-      <p:sp>
-        <p:nvSpPr>
-          <p:cNvPr id="4" name="Slide Number Placeholder 3"/>
+          <a:bodyPr>
+            <a:normAutofit fontScale="85000" lnSpcReduction="10000"/>
+          </a:bodyPr>
+          <a:lstStyle/>
+          <a:p>
+            <a:r>
+              <a:rPr lang="en-US" dirty="0"/>
+              <a:t>Here are two examples of the use of </a:t>
+            </a:r>
+            <a:r>
+              <a:rPr lang="en-US" b="1" dirty="0"/>
+              <a:t>apply-to-each</a:t>
+            </a:r>
+            <a:r>
+              <a:rPr lang="en-US" dirty="0"/>
+              <a:t>.  </a:t>
+            </a:r>
+          </a:p>
+          <a:p>
+            <a:endParaRPr lang="en-US" dirty="0"/>
+          </a:p>
+          <a:p>
+            <a:endParaRPr lang="en-US" dirty="0"/>
+          </a:p>
+          <a:p>
+            <a:endParaRPr lang="en-US" dirty="0"/>
+          </a:p>
+          <a:p>
+            <a:r>
+              <a:rPr lang="en-US" dirty="0"/>
+              <a:t>Each use can be described as follows:  apply-to-each takes a function from </a:t>
+            </a:r>
+            <a:r>
+              <a:rPr lang="en-US" b="1" dirty="0"/>
+              <a:t>X</a:t>
+            </a:r>
+            <a:r>
+              <a:rPr lang="en-US" dirty="0"/>
+              <a:t>'s to </a:t>
+            </a:r>
+            <a:r>
+              <a:rPr lang="en-US" b="1" dirty="0"/>
+              <a:t>Y</a:t>
+            </a:r>
+            <a:r>
+              <a:rPr lang="en-US" dirty="0"/>
+              <a:t>'s, and a list of </a:t>
+            </a:r>
+            <a:r>
+              <a:rPr lang="en-US" b="1" dirty="0"/>
+              <a:t>X</a:t>
+            </a:r>
+            <a:r>
+              <a:rPr lang="en-US" dirty="0"/>
+              <a:t>'s, and it returns a list of </a:t>
+            </a:r>
+            <a:r>
+              <a:rPr lang="en-US" b="1" dirty="0"/>
+              <a:t>Y</a:t>
+            </a:r>
+            <a:r>
+              <a:rPr lang="en-US" dirty="0"/>
+              <a:t>'s</a:t>
+            </a:r>
+          </a:p>
+          <a:p>
+            <a:r>
+              <a:rPr lang="en-US" dirty="0"/>
+              <a:t>In the first example </a:t>
+            </a:r>
+            <a:r>
+              <a:rPr lang="en-US" b="1" dirty="0"/>
+              <a:t>X</a:t>
+            </a:r>
+            <a:r>
+              <a:rPr lang="en-US" dirty="0"/>
+              <a:t> is Number and </a:t>
+            </a:r>
+            <a:r>
+              <a:rPr lang="en-US" b="1" dirty="0"/>
+              <a:t>Y</a:t>
+            </a:r>
+            <a:r>
+              <a:rPr lang="en-US" dirty="0"/>
+              <a:t> is also Number.</a:t>
+            </a:r>
+          </a:p>
+          <a:p>
+            <a:r>
+              <a:rPr lang="en-US" dirty="0"/>
+              <a:t>In the second example, </a:t>
+            </a:r>
+            <a:r>
+              <a:rPr lang="en-US" b="1" dirty="0"/>
+              <a:t>X</a:t>
+            </a:r>
+            <a:r>
+              <a:rPr lang="en-US" dirty="0"/>
+              <a:t> is Employee and </a:t>
+            </a:r>
+            <a:r>
+              <a:rPr lang="en-US" b="1" dirty="0"/>
+              <a:t>Y</a:t>
+            </a:r>
+            <a:r>
+              <a:rPr lang="en-US" dirty="0"/>
+              <a:t> is String.</a:t>
+            </a:r>
+          </a:p>
+        </p:txBody>
+      </p:sp>
+      <p:sp>
+        <p:nvSpPr>
+          <p:cNvPr id="3" name="Slide Number Placeholder 2"/>
           <p:cNvSpPr>
             <a:spLocks noGrp="1"/>
           </p:cNvSpPr>
@@ -10016,10 +10218,79 @@
           </a:p>
         </p:txBody>
       </p:sp>
+      <p:sp>
+        <p:nvSpPr>
+          <p:cNvPr id="5" name="TextBox 4"/>
+          <p:cNvSpPr txBox="1"/>
+          <p:nvPr/>
+        </p:nvSpPr>
+        <p:spPr>
+          <a:xfrm>
+            <a:off x="1257300" y="2226870"/>
+            <a:ext cx="6705600" cy="954107"/>
+          </a:xfrm>
+          <a:prstGeom prst="rect">
+            <a:avLst/>
+          </a:prstGeom>
+          <a:noFill/>
+        </p:spPr>
+        <p:txBody>
+          <a:bodyPr wrap="square" rtlCol="0">
+            <a:spAutoFit/>
+          </a:bodyPr>
+          <a:lstStyle/>
+          <a:p>
+            <a:r>
+              <a:rPr lang="en-US" sz="2800" b="1" dirty="0">
+                <a:latin typeface="Consolas" pitchFamily="49" charset="0"/>
+                <a:cs typeface="Consolas" pitchFamily="49" charset="0"/>
+              </a:rPr>
+              <a:t>(apply-to-each add1 </a:t>
+            </a:r>
+            <a:r>
+              <a:rPr lang="en-US" sz="2800" b="1" dirty="0" err="1">
+                <a:latin typeface="Consolas" pitchFamily="49" charset="0"/>
+                <a:cs typeface="Consolas" pitchFamily="49" charset="0"/>
+              </a:rPr>
+              <a:t>lst</a:t>
+            </a:r>
+            <a:r>
+              <a:rPr lang="en-US" sz="2800" b="1" dirty="0">
+                <a:latin typeface="Consolas" pitchFamily="49" charset="0"/>
+                <a:cs typeface="Consolas" pitchFamily="49" charset="0"/>
+              </a:rPr>
+              <a:t>)</a:t>
+            </a:r>
+          </a:p>
+          <a:p>
+            <a:r>
+              <a:rPr lang="en-US" sz="2800" b="1" dirty="0">
+                <a:latin typeface="Consolas" pitchFamily="49" charset="0"/>
+                <a:cs typeface="Consolas" pitchFamily="49" charset="0"/>
+              </a:rPr>
+              <a:t>(apply-to-each employee-name </a:t>
+            </a:r>
+            <a:r>
+              <a:rPr lang="en-US" sz="2800" b="1" dirty="0" err="1">
+                <a:latin typeface="Consolas" pitchFamily="49" charset="0"/>
+                <a:cs typeface="Consolas" pitchFamily="49" charset="0"/>
+              </a:rPr>
+              <a:t>loe</a:t>
+            </a:r>
+            <a:r>
+              <a:rPr lang="en-US" sz="2800" b="1" dirty="0">
+                <a:latin typeface="Consolas" pitchFamily="49" charset="0"/>
+                <a:cs typeface="Consolas" pitchFamily="49" charset="0"/>
+              </a:rPr>
+              <a:t>)</a:t>
+            </a:r>
+          </a:p>
+        </p:txBody>
+      </p:sp>
     </p:spTree>
     <p:extLst>
       <p:ext uri="{BB962C8B-B14F-4D97-AF65-F5344CB8AC3E}">
-        <p14:creationId xmlns:p14="http://schemas.microsoft.com/office/powerpoint/2010/main" val="3852049855"/>
+        <p14:creationId xmlns:p14="http://schemas.microsoft.com/office/powerpoint/2010/main" val="2805589000"/>
       </p:ext>
     </p:extLst>
   </p:cSld>
@@ -10080,44 +10351,16 @@
             <p:ph idx="1"/>
           </p:nvPr>
         </p:nvSpPr>
-        <p:spPr>
-          <a:xfrm>
-            <a:off x="457200" y="1600200"/>
-            <a:ext cx="8229600" cy="4800600"/>
-          </a:xfrm>
-        </p:spPr>
+        <p:spPr/>
         <p:txBody>
           <a:bodyPr>
-            <a:normAutofit fontScale="85000" lnSpcReduction="10000"/>
+            <a:normAutofit/>
           </a:bodyPr>
           <a:lstStyle/>
           <a:p>
             <a:r>
               <a:rPr lang="en-US" dirty="0"/>
-              <a:t>Here are two examples of the use of </a:t>
-            </a:r>
-            <a:r>
-              <a:rPr lang="en-US" b="1" dirty="0"/>
-              <a:t>apply-to-each</a:t>
-            </a:r>
-            <a:r>
-              <a:rPr lang="en-US" dirty="0"/>
-              <a:t>.  </a:t>
-            </a:r>
-          </a:p>
-          <a:p>
-            <a:endParaRPr lang="en-US" dirty="0"/>
-          </a:p>
-          <a:p>
-            <a:endParaRPr lang="en-US" dirty="0"/>
-          </a:p>
-          <a:p>
-            <a:endParaRPr lang="en-US" dirty="0"/>
-          </a:p>
-          <a:p>
-            <a:r>
-              <a:rPr lang="en-US" dirty="0"/>
-              <a:t>Each use can be described as follows:  apply-to-each takes a function from </a:t>
+              <a:t>We observed that apply-to-each takes a function from </a:t>
             </a:r>
             <a:r>
               <a:rPr lang="en-US" b="1" dirty="0"/>
@@ -10155,46 +10398,26 @@
           <a:p>
             <a:r>
               <a:rPr lang="en-US" dirty="0"/>
-              <a:t>In the first example </a:t>
-            </a:r>
-            <a:r>
-              <a:rPr lang="en-US" b="1" dirty="0"/>
-              <a:t>X</a:t>
-            </a:r>
-            <a:r>
-              <a:rPr lang="en-US" dirty="0"/>
-              <a:t> is Number and </a:t>
-            </a:r>
-            <a:r>
-              <a:rPr lang="en-US" b="1" dirty="0"/>
-              <a:t>Y</a:t>
-            </a:r>
-            <a:r>
-              <a:rPr lang="en-US" dirty="0"/>
-              <a:t> is also Number.</a:t>
-            </a:r>
-          </a:p>
-          <a:p>
-            <a:r>
-              <a:rPr lang="en-US" dirty="0"/>
-              <a:t>In the second example, </a:t>
-            </a:r>
-            <a:r>
-              <a:rPr lang="en-US" b="1" dirty="0"/>
-              <a:t>X</a:t>
-            </a:r>
-            <a:r>
-              <a:rPr lang="en-US" dirty="0"/>
-              <a:t> is Employee and </a:t>
-            </a:r>
-            <a:r>
-              <a:rPr lang="en-US" b="1" dirty="0"/>
-              <a:t>Y</a:t>
-            </a:r>
-            <a:r>
-              <a:rPr lang="en-US" dirty="0"/>
-              <a:t> is String.</a:t>
-            </a:r>
+              <a:t>We write this down as a contract as follows:</a:t>
+            </a:r>
+          </a:p>
+          <a:p>
+            <a:endParaRPr lang="en-US" dirty="0"/>
+          </a:p>
+          <a:p>
+            <a:endParaRPr lang="en-US" dirty="0"/>
+          </a:p>
+          <a:p>
+            <a:endParaRPr lang="en-US" dirty="0"/>
+          </a:p>
+          <a:p>
+            <a:endParaRPr lang="en-US" dirty="0"/>
+          </a:p>
+          <a:p>
+            <a:endParaRPr lang="en-US" dirty="0"/>
+          </a:p>
+          <a:p>
+            <a:endParaRPr lang="en-US" dirty="0"/>
           </a:p>
         </p:txBody>
       </p:sp>
@@ -10217,233 +10440,6 @@
               <a:rPr lang="en-US" smtClean="0"/>
               <a:pPr/>
               <a:t>24</a:t>
-            </a:fld>
-            <a:endParaRPr lang="en-US"/>
-          </a:p>
-        </p:txBody>
-      </p:sp>
-      <p:sp>
-        <p:nvSpPr>
-          <p:cNvPr id="5" name="TextBox 4"/>
-          <p:cNvSpPr txBox="1"/>
-          <p:nvPr/>
-        </p:nvSpPr>
-        <p:spPr>
-          <a:xfrm>
-            <a:off x="1257300" y="2226870"/>
-            <a:ext cx="6705600" cy="954107"/>
-          </a:xfrm>
-          <a:prstGeom prst="rect">
-            <a:avLst/>
-          </a:prstGeom>
-          <a:noFill/>
-        </p:spPr>
-        <p:txBody>
-          <a:bodyPr wrap="square" rtlCol="0">
-            <a:spAutoFit/>
-          </a:bodyPr>
-          <a:lstStyle/>
-          <a:p>
-            <a:r>
-              <a:rPr lang="en-US" sz="2800" b="1" dirty="0">
-                <a:latin typeface="Consolas" pitchFamily="49" charset="0"/>
-                <a:cs typeface="Consolas" pitchFamily="49" charset="0"/>
-              </a:rPr>
-              <a:t>(apply-to-each add1 </a:t>
-            </a:r>
-            <a:r>
-              <a:rPr lang="en-US" sz="2800" b="1" dirty="0" err="1">
-                <a:latin typeface="Consolas" pitchFamily="49" charset="0"/>
-                <a:cs typeface="Consolas" pitchFamily="49" charset="0"/>
-              </a:rPr>
-              <a:t>lon</a:t>
-            </a:r>
-            <a:r>
-              <a:rPr lang="en-US" sz="2800" b="1" dirty="0">
-                <a:latin typeface="Consolas" pitchFamily="49" charset="0"/>
-                <a:cs typeface="Consolas" pitchFamily="49" charset="0"/>
-              </a:rPr>
-              <a:t>)</a:t>
-            </a:r>
-          </a:p>
-          <a:p>
-            <a:r>
-              <a:rPr lang="en-US" sz="2800" b="1" dirty="0">
-                <a:latin typeface="Consolas" pitchFamily="49" charset="0"/>
-                <a:cs typeface="Consolas" pitchFamily="49" charset="0"/>
-              </a:rPr>
-              <a:t>(apply-to-each employee-name </a:t>
-            </a:r>
-            <a:r>
-              <a:rPr lang="en-US" sz="2800" b="1" dirty="0" err="1">
-                <a:latin typeface="Consolas" pitchFamily="49" charset="0"/>
-                <a:cs typeface="Consolas" pitchFamily="49" charset="0"/>
-              </a:rPr>
-              <a:t>loe</a:t>
-            </a:r>
-            <a:r>
-              <a:rPr lang="en-US" sz="2800" b="1" dirty="0">
-                <a:latin typeface="Consolas" pitchFamily="49" charset="0"/>
-                <a:cs typeface="Consolas" pitchFamily="49" charset="0"/>
-              </a:rPr>
-              <a:t>)</a:t>
-            </a:r>
-          </a:p>
-        </p:txBody>
-      </p:sp>
-    </p:spTree>
-    <p:extLst>
-      <p:ext uri="{BB962C8B-B14F-4D97-AF65-F5344CB8AC3E}">
-        <p14:creationId xmlns:p14="http://schemas.microsoft.com/office/powerpoint/2010/main" val="2805589000"/>
-      </p:ext>
-    </p:extLst>
-  </p:cSld>
-  <p:clrMapOvr>
-    <a:masterClrMapping/>
-  </p:clrMapOvr>
-</p:sld>
-</file>
-
-<file path=ppt/slides/slide25.xml><?xml version="1.0" encoding="utf-8"?>
-<p:sld xmlns:a="http://schemas.openxmlformats.org/drawingml/2006/main" xmlns:r="http://schemas.openxmlformats.org/officeDocument/2006/relationships" xmlns:p="http://schemas.openxmlformats.org/presentationml/2006/main">
-  <p:cSld>
-    <p:spTree>
-      <p:nvGrpSpPr>
-        <p:cNvPr id="1" name=""/>
-        <p:cNvGrpSpPr/>
-        <p:nvPr/>
-      </p:nvGrpSpPr>
-      <p:grpSpPr>
-        <a:xfrm>
-          <a:off x="0" y="0"/>
-          <a:ext cx="0" cy="0"/>
-          <a:chOff x="0" y="0"/>
-          <a:chExt cx="0" cy="0"/>
-        </a:xfrm>
-      </p:grpSpPr>
-      <p:sp>
-        <p:nvSpPr>
-          <p:cNvPr id="2" name="Title 1"/>
-          <p:cNvSpPr>
-            <a:spLocks noGrp="1"/>
-          </p:cNvSpPr>
-          <p:nvPr>
-            <p:ph type="title"/>
-          </p:nvPr>
-        </p:nvSpPr>
-        <p:spPr/>
-        <p:txBody>
-          <a:bodyPr>
-            <a:normAutofit fontScale="90000"/>
-          </a:bodyPr>
-          <a:lstStyle/>
-          <a:p>
-            <a:r>
-              <a:rPr lang="en-US" dirty="0"/>
-              <a:t>What is the contract for apply-to-each?</a:t>
-            </a:r>
-          </a:p>
-        </p:txBody>
-      </p:sp>
-      <p:sp>
-        <p:nvSpPr>
-          <p:cNvPr id="9" name="Content Placeholder 8"/>
-          <p:cNvSpPr>
-            <a:spLocks noGrp="1"/>
-          </p:cNvSpPr>
-          <p:nvPr>
-            <p:ph idx="1"/>
-          </p:nvPr>
-        </p:nvSpPr>
-        <p:spPr/>
-        <p:txBody>
-          <a:bodyPr>
-            <a:normAutofit/>
-          </a:bodyPr>
-          <a:lstStyle/>
-          <a:p>
-            <a:r>
-              <a:rPr lang="en-US" dirty="0"/>
-              <a:t>We observed that apply-to-each takes a function from </a:t>
-            </a:r>
-            <a:r>
-              <a:rPr lang="en-US" b="1" dirty="0"/>
-              <a:t>X</a:t>
-            </a:r>
-            <a:r>
-              <a:rPr lang="en-US" dirty="0"/>
-              <a:t>'s to </a:t>
-            </a:r>
-            <a:r>
-              <a:rPr lang="en-US" b="1" dirty="0"/>
-              <a:t>Y</a:t>
-            </a:r>
-            <a:r>
-              <a:rPr lang="en-US" dirty="0"/>
-              <a:t>'s, and a list of </a:t>
-            </a:r>
-            <a:r>
-              <a:rPr lang="en-US" b="1" dirty="0"/>
-              <a:t>X</a:t>
-            </a:r>
-            <a:r>
-              <a:rPr lang="en-US" dirty="0"/>
-              <a:t>'s, and it returns a list of </a:t>
-            </a:r>
-            <a:r>
-              <a:rPr lang="en-US" b="1" dirty="0"/>
-              <a:t>Y</a:t>
-            </a:r>
-            <a:r>
-              <a:rPr lang="en-US" dirty="0"/>
-              <a:t>'s</a:t>
-            </a:r>
-          </a:p>
-          <a:p>
-            <a:r>
-              <a:rPr lang="en-US" dirty="0"/>
-              <a:t>We write this down as a contract as follows:</a:t>
-            </a:r>
-          </a:p>
-          <a:p>
-            <a:endParaRPr lang="en-US" dirty="0"/>
-          </a:p>
-          <a:p>
-            <a:endParaRPr lang="en-US" dirty="0"/>
-          </a:p>
-          <a:p>
-            <a:endParaRPr lang="en-US" dirty="0"/>
-          </a:p>
-          <a:p>
-            <a:endParaRPr lang="en-US" dirty="0"/>
-          </a:p>
-          <a:p>
-            <a:endParaRPr lang="en-US" dirty="0"/>
-          </a:p>
-          <a:p>
-            <a:endParaRPr lang="en-US" dirty="0"/>
-          </a:p>
-        </p:txBody>
-      </p:sp>
-      <p:sp>
-        <p:nvSpPr>
-          <p:cNvPr id="3" name="Slide Number Placeholder 2"/>
-          <p:cNvSpPr>
-            <a:spLocks noGrp="1"/>
-          </p:cNvSpPr>
-          <p:nvPr>
-            <p:ph type="sldNum" sz="quarter" idx="12"/>
-          </p:nvPr>
-        </p:nvSpPr>
-        <p:spPr/>
-        <p:txBody>
-          <a:bodyPr/>
-          <a:lstStyle/>
-          <a:p>
-            <a:fld id="{9F4492BD-6A9C-48FC-AC76-0B4FE11194A1}" type="slidenum">
-              <a:rPr lang="en-US" smtClean="0"/>
-              <a:pPr/>
-              <a:t>25</a:t>
             </a:fld>
             <a:endParaRPr lang="en-US"/>
           </a:p>
@@ -10489,28 +10485,14 @@
                   <a:latin typeface="Consolas" pitchFamily="49" charset="0"/>
                   <a:cs typeface="Consolas" pitchFamily="49" charset="0"/>
                 </a:rPr>
-                <a:t>(X-&gt;Y) </a:t>
+                <a:t>(X-&gt;Y) XList -&gt; </a:t>
               </a:r>
               <a:r>
                 <a:rPr lang="en-US" sz="3200" b="1" dirty="0" err="1">
                   <a:latin typeface="Consolas" pitchFamily="49" charset="0"/>
                   <a:cs typeface="Consolas" pitchFamily="49" charset="0"/>
                 </a:rPr>
-                <a:t>ListOfX</a:t>
-              </a:r>
-              <a:r>
-                <a:rPr lang="en-US" sz="3200" b="1" dirty="0">
-                  <a:latin typeface="Consolas" pitchFamily="49" charset="0"/>
-                  <a:cs typeface="Consolas" pitchFamily="49" charset="0"/>
-                </a:rPr>
-                <a:t> -&gt; </a:t>
-              </a:r>
-              <a:r>
-                <a:rPr lang="en-US" sz="3200" b="1" dirty="0" err="1">
-                  <a:latin typeface="Consolas" pitchFamily="49" charset="0"/>
-                  <a:cs typeface="Consolas" pitchFamily="49" charset="0"/>
-                </a:rPr>
-                <a:t>ListOfY</a:t>
+                <a:t>YList</a:t>
               </a:r>
               <a:endParaRPr lang="en-US" sz="3200" b="1" dirty="0">
                 <a:latin typeface="Consolas" pitchFamily="49" charset="0"/>
@@ -10565,7 +10547,7 @@
 </p:sld>
 </file>
 
-<file path=ppt/slides/slide26.xml><?xml version="1.0" encoding="utf-8"?>
+<file path=ppt/slides/slide25.xml><?xml version="1.0" encoding="utf-8"?>
 <p:sld xmlns:a="http://schemas.openxmlformats.org/drawingml/2006/main" xmlns:r="http://schemas.openxmlformats.org/officeDocument/2006/relationships" xmlns:p="http://schemas.openxmlformats.org/presentationml/2006/main">
   <p:cSld>
     <p:spTree>
@@ -10694,7 +10676,7 @@
             <a:fld id="{9F4492BD-6A9C-48FC-AC76-0B4FE11194A1}" type="slidenum">
               <a:rPr lang="en-US" smtClean="0"/>
               <a:pPr/>
-              <a:t>26</a:t>
+              <a:t>25</a:t>
             </a:fld>
             <a:endParaRPr lang="en-US"/>
           </a:p>
@@ -10746,25 +10728,18 @@
                 <a:t>(X-&gt;Y) </a:t>
               </a:r>
               <a:r>
-                <a:rPr lang="en-US" sz="3200" b="1" dirty="0" err="1">
-                  <a:latin typeface="Consolas" pitchFamily="49" charset="0"/>
-                  <a:cs typeface="Consolas" pitchFamily="49" charset="0"/>
-                </a:rPr>
-                <a:t>ListOfX</a:t>
-              </a:r>
-              <a:r>
                 <a:rPr lang="en-US" sz="3200" b="1" dirty="0">
                   <a:latin typeface="Consolas" pitchFamily="49" charset="0"/>
                   <a:cs typeface="Consolas" pitchFamily="49" charset="0"/>
                 </a:rPr>
-                <a:t> -&gt; </a:t>
+                <a:t>XList -&gt; </a:t>
               </a:r>
               <a:r>
                 <a:rPr lang="en-US" sz="3200" b="1" dirty="0" err="1">
                   <a:latin typeface="Consolas" pitchFamily="49" charset="0"/>
                   <a:cs typeface="Consolas" pitchFamily="49" charset="0"/>
                 </a:rPr>
-                <a:t>ListOfY</a:t>
+                <a:t>YList</a:t>
               </a:r>
               <a:endParaRPr lang="en-US" sz="3200" b="1" dirty="0">
                 <a:latin typeface="Consolas" pitchFamily="49" charset="0"/>
@@ -10819,7 +10794,7 @@
 </p:sld>
 </file>
 
-<file path=ppt/slides/slide27.xml><?xml version="1.0" encoding="utf-8"?>
+<file path=ppt/slides/slide26.xml><?xml version="1.0" encoding="utf-8"?>
 <p:sld xmlns:a="http://schemas.openxmlformats.org/drawingml/2006/main" xmlns:r="http://schemas.openxmlformats.org/officeDocument/2006/relationships" xmlns:p="http://schemas.openxmlformats.org/presentationml/2006/main">
   <p:cSld>
     <p:spTree>
@@ -10924,7 +10899,7 @@
                 <a:latin typeface="Consolas" panose="020B0609020204030204" pitchFamily="49" charset="0"/>
                 <a:cs typeface="Consolas" panose="020B0609020204030204" pitchFamily="49" charset="0"/>
               </a:rPr>
-              <a:t>ListOfNumber</a:t>
+              <a:t>NumberList</a:t>
             </a:r>
             <a:r>
               <a:rPr lang="en-US" sz="2400" b="1" dirty="0">
@@ -10950,7 +10925,7 @@
                 <a:latin typeface="Consolas" panose="020B0609020204030204" pitchFamily="49" charset="0"/>
                 <a:cs typeface="Consolas" panose="020B0609020204030204" pitchFamily="49" charset="0"/>
               </a:rPr>
-              <a:t>ListOfNumber</a:t>
+              <a:t>NumberList</a:t>
             </a:r>
             <a:endParaRPr lang="en-US" sz="2400" b="1" dirty="0">
               <a:latin typeface="Consolas" panose="020B0609020204030204" pitchFamily="49" charset="0"/>
@@ -11049,7 +11024,7 @@
             <a:fld id="{9F4492BD-6A9C-48FC-AC76-0B4FE11194A1}" type="slidenum">
               <a:rPr lang="en-US" smtClean="0"/>
               <a:pPr/>
-              <a:t>27</a:t>
+              <a:t>26</a:t>
             </a:fld>
             <a:endParaRPr lang="en-US"/>
           </a:p>
@@ -11095,28 +11070,14 @@
                   <a:latin typeface="Consolas" pitchFamily="49" charset="0"/>
                   <a:cs typeface="Consolas" pitchFamily="49" charset="0"/>
                 </a:rPr>
-                <a:t>(X-&gt;Y) </a:t>
+                <a:t>(X-&gt;Y) XList -&gt; </a:t>
               </a:r>
               <a:r>
                 <a:rPr lang="en-US" sz="3200" b="1" dirty="0" err="1">
                   <a:latin typeface="Consolas" pitchFamily="49" charset="0"/>
                   <a:cs typeface="Consolas" pitchFamily="49" charset="0"/>
                 </a:rPr>
-                <a:t>ListOfX</a:t>
-              </a:r>
-              <a:r>
-                <a:rPr lang="en-US" sz="3200" b="1" dirty="0">
-                  <a:latin typeface="Consolas" pitchFamily="49" charset="0"/>
-                  <a:cs typeface="Consolas" pitchFamily="49" charset="0"/>
-                </a:rPr>
-                <a:t> -&gt; </a:t>
-              </a:r>
-              <a:r>
-                <a:rPr lang="en-US" sz="3200" b="1" dirty="0" err="1">
-                  <a:latin typeface="Consolas" pitchFamily="49" charset="0"/>
-                  <a:cs typeface="Consolas" pitchFamily="49" charset="0"/>
-                </a:rPr>
-                <a:t>ListOfY</a:t>
+                <a:t>YList</a:t>
               </a:r>
               <a:endParaRPr lang="en-US" sz="3200" b="1" dirty="0">
                 <a:latin typeface="Consolas" pitchFamily="49" charset="0"/>
@@ -11173,12 +11134,14 @@
             <a:avLst/>
           </a:prstGeom>
           <a:solidFill>
-            <a:schemeClr val="accent3">
-              <a:lumMod val="40000"/>
-              <a:lumOff val="60000"/>
+            <a:schemeClr val="accent1">
+              <a:lumMod val="20000"/>
+              <a:lumOff val="80000"/>
             </a:schemeClr>
           </a:solidFill>
-          <a:ln/>
+          <a:ln>
+            <a:noFill/>
+          </a:ln>
         </p:spPr>
         <p:style>
           <a:lnRef idx="2">
@@ -11219,6 +11182,138 @@
     <p:extLst>
       <p:ext uri="{BB962C8B-B14F-4D97-AF65-F5344CB8AC3E}">
         <p14:creationId xmlns:p14="http://schemas.microsoft.com/office/powerpoint/2010/main" val="4242290815"/>
+      </p:ext>
+    </p:extLst>
+  </p:cSld>
+  <p:clrMapOvr>
+    <a:masterClrMapping/>
+  </p:clrMapOvr>
+</p:sld>
+</file>
+
+<file path=ppt/slides/slide27.xml><?xml version="1.0" encoding="utf-8"?>
+<p:sld xmlns:a="http://schemas.openxmlformats.org/drawingml/2006/main" xmlns:r="http://schemas.openxmlformats.org/officeDocument/2006/relationships" xmlns:p="http://schemas.openxmlformats.org/presentationml/2006/main">
+  <p:cSld>
+    <p:spTree>
+      <p:nvGrpSpPr>
+        <p:cNvPr id="1" name=""/>
+        <p:cNvGrpSpPr/>
+        <p:nvPr/>
+      </p:nvGrpSpPr>
+      <p:grpSpPr>
+        <a:xfrm>
+          <a:off x="0" y="0"/>
+          <a:ext cx="0" cy="0"/>
+          <a:chOff x="0" y="0"/>
+          <a:chExt cx="0" cy="0"/>
+        </a:xfrm>
+      </p:grpSpPr>
+      <p:sp>
+        <p:nvSpPr>
+          <p:cNvPr id="2" name="Title 1"/>
+          <p:cNvSpPr>
+            <a:spLocks noGrp="1"/>
+          </p:cNvSpPr>
+          <p:nvPr>
+            <p:ph type="title"/>
+          </p:nvPr>
+        </p:nvSpPr>
+        <p:spPr/>
+        <p:txBody>
+          <a:bodyPr>
+            <a:normAutofit/>
+          </a:bodyPr>
+          <a:lstStyle/>
+          <a:p>
+            <a:r>
+              <a:rPr lang="en-US" dirty="0"/>
+              <a:t>Let's call this by its correct name</a:t>
+            </a:r>
+          </a:p>
+        </p:txBody>
+      </p:sp>
+      <p:sp>
+        <p:nvSpPr>
+          <p:cNvPr id="3" name="Content Placeholder 2"/>
+          <p:cNvSpPr>
+            <a:spLocks noGrp="1"/>
+          </p:cNvSpPr>
+          <p:nvPr>
+            <p:ph idx="1"/>
+          </p:nvPr>
+        </p:nvSpPr>
+        <p:spPr/>
+        <p:txBody>
+          <a:bodyPr/>
+          <a:lstStyle/>
+          <a:p>
+            <a:r>
+              <a:rPr lang="en-US" dirty="0"/>
+              <a:t>The standard name of </a:t>
+            </a:r>
+            <a:r>
+              <a:rPr lang="en-US" b="1" dirty="0">
+                <a:latin typeface="Consolas" panose="020B0609020204030204" pitchFamily="49" charset="0"/>
+                <a:cs typeface="Consolas" panose="020B0609020204030204" pitchFamily="49" charset="0"/>
+              </a:rPr>
+              <a:t>apply-to-each</a:t>
+            </a:r>
+            <a:r>
+              <a:rPr lang="en-US" dirty="0"/>
+              <a:t> is </a:t>
+            </a:r>
+            <a:r>
+              <a:rPr lang="en-US" b="1" dirty="0">
+                <a:latin typeface="Consolas" panose="020B0609020204030204" pitchFamily="49" charset="0"/>
+                <a:cs typeface="Consolas" panose="020B0609020204030204" pitchFamily="49" charset="0"/>
+              </a:rPr>
+              <a:t>map</a:t>
+            </a:r>
+            <a:r>
+              <a:rPr lang="en-US" dirty="0">
+                <a:cs typeface="Consolas" panose="020B0609020204030204" pitchFamily="49" charset="0"/>
+              </a:rPr>
+              <a:t>.</a:t>
+            </a:r>
+          </a:p>
+          <a:p>
+            <a:r>
+              <a:rPr lang="en-US" dirty="0">
+                <a:cs typeface="Consolas" panose="020B0609020204030204" pitchFamily="49" charset="0"/>
+              </a:rPr>
+              <a:t>That's what we'll call it from now on.</a:t>
+            </a:r>
+          </a:p>
+        </p:txBody>
+      </p:sp>
+      <p:sp>
+        <p:nvSpPr>
+          <p:cNvPr id="4" name="Slide Number Placeholder 3"/>
+          <p:cNvSpPr>
+            <a:spLocks noGrp="1"/>
+          </p:cNvSpPr>
+          <p:nvPr>
+            <p:ph type="sldNum" sz="quarter" idx="12"/>
+          </p:nvPr>
+        </p:nvSpPr>
+        <p:spPr/>
+        <p:txBody>
+          <a:bodyPr/>
+          <a:lstStyle/>
+          <a:p>
+            <a:fld id="{9F4492BD-6A9C-48FC-AC76-0B4FE11194A1}" type="slidenum">
+              <a:rPr lang="en-US" smtClean="0"/>
+              <a:pPr/>
+              <a:t>27</a:t>
+            </a:fld>
+            <a:endParaRPr lang="en-US"/>
+          </a:p>
+        </p:txBody>
+      </p:sp>
+    </p:spTree>
+    <p:extLst>
+      <p:ext uri="{BB962C8B-B14F-4D97-AF65-F5344CB8AC3E}">
+        <p14:creationId xmlns:p14="http://schemas.microsoft.com/office/powerpoint/2010/main" val="958683923"/>
       </p:ext>
     </p:extLst>
   </p:cSld>
@@ -11257,68 +11352,211 @@
         </p:nvSpPr>
         <p:spPr/>
         <p:txBody>
+          <a:bodyPr/>
+          <a:lstStyle/>
+          <a:p>
+            <a:r>
+              <a:rPr lang="en-US" dirty="0"/>
+              <a:t>Higher-Order Functions </a:t>
+            </a:r>
+            <a:r>
+              <a:rPr lang="en-US" dirty="0">
+                <a:hlinkClick r:id="rId2"/>
+              </a:rPr>
+              <a:t>FTW</a:t>
+            </a:r>
+            <a:endParaRPr lang="en-US" dirty="0"/>
+          </a:p>
+        </p:txBody>
+      </p:sp>
+      <p:sp>
+        <p:nvSpPr>
+          <p:cNvPr id="3" name="Content Placeholder 2"/>
+          <p:cNvSpPr>
+            <a:spLocks noGrp="1"/>
+          </p:cNvSpPr>
+          <p:nvPr>
+            <p:ph idx="1"/>
+          </p:nvPr>
+        </p:nvSpPr>
+        <p:spPr/>
+        <p:txBody>
           <a:bodyPr>
-            <a:normAutofit/>
+            <a:normAutofit fontScale="92500" lnSpcReduction="20000"/>
           </a:bodyPr>
           <a:lstStyle/>
           <a:p>
             <a:r>
               <a:rPr lang="en-US" dirty="0"/>
-              <a:t>Let's call this by its correct name</a:t>
-            </a:r>
-          </a:p>
-        </p:txBody>
-      </p:sp>
-      <p:sp>
-        <p:nvSpPr>
-          <p:cNvPr id="3" name="Content Placeholder 2"/>
-          <p:cNvSpPr>
-            <a:spLocks noGrp="1"/>
-          </p:cNvSpPr>
-          <p:nvPr>
-            <p:ph idx="1"/>
-          </p:nvPr>
-        </p:nvSpPr>
-        <p:spPr/>
-        <p:txBody>
-          <a:bodyPr/>
-          <a:lstStyle/>
-          <a:p>
-            <a:r>
-              <a:rPr lang="en-US" dirty="0"/>
-              <a:t>The standard name of </a:t>
-            </a:r>
+              <a:t>Now that we have higher-order functions, we can compose functions more easily.  Example:</a:t>
+            </a:r>
+          </a:p>
+          <a:p>
+            <a:pPr marL="0" indent="0">
+              <a:buNone/>
+            </a:pPr>
+            <a:endParaRPr lang="en-US" dirty="0"/>
+          </a:p>
+          <a:p>
+            <a:pPr marL="0" indent="0">
+              <a:buNone/>
+            </a:pPr>
             <a:r>
               <a:rPr lang="en-US" b="1" dirty="0">
                 <a:latin typeface="Consolas" panose="020B0609020204030204" pitchFamily="49" charset="0"/>
                 <a:cs typeface="Consolas" panose="020B0609020204030204" pitchFamily="49" charset="0"/>
               </a:rPr>
-              <a:t>apply-to-each</a:t>
-            </a:r>
-            <a:r>
-              <a:rPr lang="en-US" dirty="0"/>
-              <a:t> is </a:t>
-            </a:r>
+              <a:t>;; STRATEGY: Use HOF map on </a:t>
+            </a:r>
+            <a:r>
+              <a:rPr lang="en-US" b="1" dirty="0" err="1">
+                <a:latin typeface="Consolas" panose="020B0609020204030204" pitchFamily="49" charset="0"/>
+                <a:cs typeface="Consolas" panose="020B0609020204030204" pitchFamily="49" charset="0"/>
+              </a:rPr>
+              <a:t>lst</a:t>
+            </a:r>
+            <a:endParaRPr lang="en-US" b="1" dirty="0">
+              <a:latin typeface="Consolas" panose="020B0609020204030204" pitchFamily="49" charset="0"/>
+              <a:cs typeface="Consolas" panose="020B0609020204030204" pitchFamily="49" charset="0"/>
+            </a:endParaRPr>
+          </a:p>
+          <a:p>
+            <a:pPr marL="0" indent="0">
+              <a:buNone/>
+            </a:pPr>
             <a:r>
               <a:rPr lang="en-US" b="1" dirty="0">
                 <a:latin typeface="Consolas" panose="020B0609020204030204" pitchFamily="49" charset="0"/>
                 <a:cs typeface="Consolas" panose="020B0609020204030204" pitchFamily="49" charset="0"/>
               </a:rPr>
-              <a:t>map</a:t>
-            </a:r>
-            <a:r>
-              <a:rPr lang="en-US" dirty="0">
+              <a:t>;;   (twice)</a:t>
+            </a:r>
+          </a:p>
+          <a:p>
+            <a:pPr marL="0" indent="0">
+              <a:buNone/>
+            </a:pPr>
+            <a:r>
+              <a:rPr lang="en-US" b="1" dirty="0">
+                <a:latin typeface="Consolas" panose="020B0609020204030204" pitchFamily="49" charset="0"/>
                 <a:cs typeface="Consolas" panose="020B0609020204030204" pitchFamily="49" charset="0"/>
               </a:rPr>
-              <a:t>.</a:t>
-            </a:r>
-          </a:p>
-          <a:p>
-            <a:r>
-              <a:rPr lang="en-US" dirty="0">
+              <a:t>(define (</a:t>
+            </a:r>
+            <a:r>
+              <a:rPr lang="en-US" b="1" dirty="0" err="1">
+                <a:latin typeface="Consolas" panose="020B0609020204030204" pitchFamily="49" charset="0"/>
                 <a:cs typeface="Consolas" panose="020B0609020204030204" pitchFamily="49" charset="0"/>
               </a:rPr>
-              <a:t>That's what we'll call it from now on.</a:t>
+              <a:t>sqr</a:t>
+            </a:r>
+            <a:r>
+              <a:rPr lang="en-US" b="1" dirty="0">
+                <a:latin typeface="Consolas" panose="020B0609020204030204" pitchFamily="49" charset="0"/>
+                <a:cs typeface="Consolas" panose="020B0609020204030204" pitchFamily="49" charset="0"/>
+              </a:rPr>
+              <a:t>-plus-one </a:t>
+            </a:r>
+            <a:r>
+              <a:rPr lang="en-US" b="1" dirty="0" err="1">
+                <a:latin typeface="Consolas" panose="020B0609020204030204" pitchFamily="49" charset="0"/>
+                <a:cs typeface="Consolas" panose="020B0609020204030204" pitchFamily="49" charset="0"/>
+              </a:rPr>
+              <a:t>lst</a:t>
+            </a:r>
+            <a:r>
+              <a:rPr lang="en-US" b="1" dirty="0">
+                <a:latin typeface="Consolas" panose="020B0609020204030204" pitchFamily="49" charset="0"/>
+                <a:cs typeface="Consolas" panose="020B0609020204030204" pitchFamily="49" charset="0"/>
+              </a:rPr>
+              <a:t>)</a:t>
+            </a:r>
+          </a:p>
+          <a:p>
+            <a:pPr marL="0" indent="0">
+              <a:buNone/>
+            </a:pPr>
+            <a:r>
+              <a:rPr lang="en-US" b="1" dirty="0">
+                <a:latin typeface="Consolas" panose="020B0609020204030204" pitchFamily="49" charset="0"/>
+                <a:cs typeface="Consolas" panose="020B0609020204030204" pitchFamily="49" charset="0"/>
+              </a:rPr>
+              <a:t>  (map add1 (map </a:t>
+            </a:r>
+            <a:r>
+              <a:rPr lang="en-US" b="1" dirty="0" err="1">
+                <a:latin typeface="Consolas" panose="020B0609020204030204" pitchFamily="49" charset="0"/>
+                <a:cs typeface="Consolas" panose="020B0609020204030204" pitchFamily="49" charset="0"/>
+              </a:rPr>
+              <a:t>sqr</a:t>
+            </a:r>
+            <a:r>
+              <a:rPr lang="en-US" b="1" dirty="0">
+                <a:latin typeface="Consolas" panose="020B0609020204030204" pitchFamily="49" charset="0"/>
+                <a:cs typeface="Consolas" panose="020B0609020204030204" pitchFamily="49" charset="0"/>
+              </a:rPr>
+              <a:t> </a:t>
+            </a:r>
+            <a:r>
+              <a:rPr lang="en-US" b="1" dirty="0" err="1">
+                <a:latin typeface="Consolas" panose="020B0609020204030204" pitchFamily="49" charset="0"/>
+                <a:cs typeface="Consolas" panose="020B0609020204030204" pitchFamily="49" charset="0"/>
+              </a:rPr>
+              <a:t>lst</a:t>
+            </a:r>
+            <a:r>
+              <a:rPr lang="en-US" b="1" dirty="0">
+                <a:latin typeface="Consolas" panose="020B0609020204030204" pitchFamily="49" charset="0"/>
+                <a:cs typeface="Consolas" panose="020B0609020204030204" pitchFamily="49" charset="0"/>
+              </a:rPr>
+              <a:t>)))</a:t>
+            </a:r>
+          </a:p>
+          <a:p>
+            <a:pPr marL="0" indent="0">
+              <a:buNone/>
+            </a:pPr>
+            <a:endParaRPr lang="en-US" b="1" dirty="0">
+              <a:latin typeface="Consolas" panose="020B0609020204030204" pitchFamily="49" charset="0"/>
+              <a:cs typeface="Consolas" panose="020B0609020204030204" pitchFamily="49" charset="0"/>
+            </a:endParaRPr>
+          </a:p>
+          <a:p>
+            <a:pPr marL="0" indent="0">
+              <a:buNone/>
+            </a:pPr>
+            <a:r>
+              <a:rPr lang="en-US" b="1" dirty="0">
+                <a:latin typeface="Consolas" panose="020B0609020204030204" pitchFamily="49" charset="0"/>
+                <a:cs typeface="Consolas" panose="020B0609020204030204" pitchFamily="49" charset="0"/>
+              </a:rPr>
+              <a:t>(</a:t>
+            </a:r>
+            <a:r>
+              <a:rPr lang="en-US" b="1" dirty="0" err="1">
+                <a:latin typeface="Consolas" panose="020B0609020204030204" pitchFamily="49" charset="0"/>
+                <a:cs typeface="Consolas" panose="020B0609020204030204" pitchFamily="49" charset="0"/>
+              </a:rPr>
+              <a:t>sqr</a:t>
+            </a:r>
+            <a:r>
+              <a:rPr lang="en-US" b="1" dirty="0">
+                <a:latin typeface="Consolas" panose="020B0609020204030204" pitchFamily="49" charset="0"/>
+                <a:cs typeface="Consolas" panose="020B0609020204030204" pitchFamily="49" charset="0"/>
+              </a:rPr>
+              <a:t>-plus-one (list 2 3 4))</a:t>
+            </a:r>
+          </a:p>
+          <a:p>
+            <a:pPr marL="0" indent="0">
+              <a:buNone/>
+            </a:pPr>
+            <a:r>
+              <a:rPr lang="en-US" b="1" dirty="0">
+                <a:latin typeface="Consolas" panose="020B0609020204030204" pitchFamily="49" charset="0"/>
+                <a:cs typeface="Consolas" panose="020B0609020204030204" pitchFamily="49" charset="0"/>
+              </a:rPr>
+              <a:t>  = (list 5 10 17)</a:t>
             </a:r>
           </a:p>
         </p:txBody>
@@ -11350,7 +11588,7 @@
     </p:spTree>
     <p:extLst>
       <p:ext uri="{BB962C8B-B14F-4D97-AF65-F5344CB8AC3E}">
-        <p14:creationId xmlns:p14="http://schemas.microsoft.com/office/powerpoint/2010/main" val="958683923"/>
+        <p14:creationId xmlns:p14="http://schemas.microsoft.com/office/powerpoint/2010/main" val="1676424496"/>
       </p:ext>
     </p:extLst>
   </p:cSld>
@@ -11394,15 +11632,8 @@
           <a:p>
             <a:r>
               <a:rPr lang="en-US" dirty="0"/>
-              <a:t>Higher-Order Functions </a:t>
-            </a:r>
-            <a:r>
-              <a:rPr lang="en-US" dirty="0">
-                <a:hlinkClick r:id="rId2"/>
-              </a:rPr>
-              <a:t>FTW</a:t>
-            </a:r>
-            <a:endParaRPr lang="en-US" dirty="0"/>
+              <a:t>One-Pass vs Multi-Pass functions</a:t>
+            </a:r>
           </a:p>
         </p:txBody>
       </p:sp>
@@ -11416,16 +11647,32 @@
             <p:ph idx="1"/>
           </p:nvPr>
         </p:nvSpPr>
-        <p:spPr/>
+        <p:spPr>
+          <a:xfrm>
+            <a:off x="457200" y="1604134"/>
+            <a:ext cx="8229600" cy="4525963"/>
+          </a:xfrm>
+        </p:spPr>
         <p:txBody>
           <a:bodyPr>
-            <a:normAutofit fontScale="92500" lnSpcReduction="20000"/>
+            <a:normAutofit fontScale="70000" lnSpcReduction="20000"/>
           </a:bodyPr>
           <a:lstStyle/>
           <a:p>
+            <a:pPr marL="0" indent="0">
+              <a:buNone/>
+            </a:pPr>
             <a:r>
               <a:rPr lang="en-US" dirty="0"/>
-              <a:t>Now that we have higher-order functions, we can compose functions more easily.  Example:</a:t>
+              <a:t>Here are two versions of </a:t>
+            </a:r>
+            <a:r>
+              <a:rPr lang="en-US" b="1" dirty="0" err="1"/>
+              <a:t>sqr</a:t>
+            </a:r>
+            <a:r>
+              <a:rPr lang="en-US" b="1" dirty="0"/>
+              <a:t>-plus-one:</a:t>
             </a:r>
           </a:p>
           <a:p>
@@ -11443,15 +11690,81 @@
                 <a:latin typeface="Consolas" panose="020B0609020204030204" pitchFamily="49" charset="0"/>
                 <a:cs typeface="Consolas" panose="020B0609020204030204" pitchFamily="49" charset="0"/>
               </a:rPr>
-              <a:t>;; STRATEGY: Use HOF map on </a:t>
+              <a:t>(define (</a:t>
             </a:r>
             <a:r>
               <a:rPr lang="en-US" b="1" dirty="0" err="1">
                 <a:latin typeface="Consolas" panose="020B0609020204030204" pitchFamily="49" charset="0"/>
                 <a:cs typeface="Consolas" panose="020B0609020204030204" pitchFamily="49" charset="0"/>
               </a:rPr>
-              <a:t>lon</a:t>
-            </a:r>
+              <a:t>sqr</a:t>
+            </a:r>
+            <a:r>
+              <a:rPr lang="en-US" b="1" dirty="0">
+                <a:latin typeface="Consolas" panose="020B0609020204030204" pitchFamily="49" charset="0"/>
+                <a:cs typeface="Consolas" panose="020B0609020204030204" pitchFamily="49" charset="0"/>
+              </a:rPr>
+              <a:t>-plus-one </a:t>
+            </a:r>
+            <a:r>
+              <a:rPr lang="en-US" b="1" dirty="0" err="1">
+                <a:latin typeface="Consolas" panose="020B0609020204030204" pitchFamily="49" charset="0"/>
+                <a:cs typeface="Consolas" panose="020B0609020204030204" pitchFamily="49" charset="0"/>
+              </a:rPr>
+              <a:t>lst</a:t>
+            </a:r>
+            <a:r>
+              <a:rPr lang="en-US" b="1" dirty="0">
+                <a:latin typeface="Consolas" panose="020B0609020204030204" pitchFamily="49" charset="0"/>
+                <a:cs typeface="Consolas" panose="020B0609020204030204" pitchFamily="49" charset="0"/>
+              </a:rPr>
+              <a:t>)</a:t>
+            </a:r>
+          </a:p>
+          <a:p>
+            <a:pPr marL="0" indent="0">
+              <a:buNone/>
+            </a:pPr>
+            <a:r>
+              <a:rPr lang="en-US" b="1" dirty="0">
+                <a:latin typeface="Consolas" panose="020B0609020204030204" pitchFamily="49" charset="0"/>
+                <a:cs typeface="Consolas" panose="020B0609020204030204" pitchFamily="49" charset="0"/>
+              </a:rPr>
+              <a:t>  (map add1 (map </a:t>
+            </a:r>
+            <a:r>
+              <a:rPr lang="en-US" b="1" dirty="0" err="1">
+                <a:latin typeface="Consolas" panose="020B0609020204030204" pitchFamily="49" charset="0"/>
+                <a:cs typeface="Consolas" panose="020B0609020204030204" pitchFamily="49" charset="0"/>
+              </a:rPr>
+              <a:t>sqr</a:t>
+            </a:r>
+            <a:r>
+              <a:rPr lang="en-US" b="1" dirty="0">
+                <a:latin typeface="Consolas" panose="020B0609020204030204" pitchFamily="49" charset="0"/>
+                <a:cs typeface="Consolas" panose="020B0609020204030204" pitchFamily="49" charset="0"/>
+              </a:rPr>
+              <a:t> </a:t>
+            </a:r>
+            <a:r>
+              <a:rPr lang="en-US" b="1" dirty="0" err="1">
+                <a:latin typeface="Consolas" panose="020B0609020204030204" pitchFamily="49" charset="0"/>
+                <a:cs typeface="Consolas" panose="020B0609020204030204" pitchFamily="49" charset="0"/>
+              </a:rPr>
+              <a:t>lst</a:t>
+            </a:r>
+            <a:r>
+              <a:rPr lang="en-US" b="1" dirty="0">
+                <a:latin typeface="Consolas" panose="020B0609020204030204" pitchFamily="49" charset="0"/>
+                <a:cs typeface="Consolas" panose="020B0609020204030204" pitchFamily="49" charset="0"/>
+              </a:rPr>
+              <a:t>)))</a:t>
+            </a:r>
+          </a:p>
+          <a:p>
+            <a:pPr marL="0" indent="0">
+              <a:buNone/>
+            </a:pPr>
             <a:endParaRPr lang="en-US" b="1" dirty="0">
               <a:latin typeface="Consolas" panose="020B0609020204030204" pitchFamily="49" charset="0"/>
               <a:cs typeface="Consolas" panose="020B0609020204030204" pitchFamily="49" charset="0"/>
@@ -11466,47 +11779,73 @@
                 <a:latin typeface="Consolas" panose="020B0609020204030204" pitchFamily="49" charset="0"/>
                 <a:cs typeface="Consolas" panose="020B0609020204030204" pitchFamily="49" charset="0"/>
               </a:rPr>
-              <a:t>;;   (twice)</a:t>
-            </a:r>
-          </a:p>
-          <a:p>
-            <a:pPr marL="0" indent="0">
-              <a:buNone/>
-            </a:pPr>
+              <a:t>(define (</a:t>
+            </a:r>
+            <a:r>
+              <a:rPr lang="en-US" b="1" dirty="0" err="1">
+                <a:latin typeface="Consolas" panose="020B0609020204030204" pitchFamily="49" charset="0"/>
+                <a:cs typeface="Consolas" panose="020B0609020204030204" pitchFamily="49" charset="0"/>
+              </a:rPr>
+              <a:t>sqr</a:t>
+            </a:r>
             <a:r>
               <a:rPr lang="en-US" b="1" dirty="0">
                 <a:latin typeface="Consolas" panose="020B0609020204030204" pitchFamily="49" charset="0"/>
                 <a:cs typeface="Consolas" panose="020B0609020204030204" pitchFamily="49" charset="0"/>
               </a:rPr>
-              <a:t>(define (</a:t>
+              <a:t>-plus-one </a:t>
             </a:r>
             <a:r>
               <a:rPr lang="en-US" b="1" dirty="0" err="1">
                 <a:latin typeface="Consolas" panose="020B0609020204030204" pitchFamily="49" charset="0"/>
                 <a:cs typeface="Consolas" panose="020B0609020204030204" pitchFamily="49" charset="0"/>
               </a:rPr>
-              <a:t>sqr</a:t>
+              <a:t>lst</a:t>
             </a:r>
             <a:r>
               <a:rPr lang="en-US" b="1" dirty="0">
                 <a:latin typeface="Consolas" panose="020B0609020204030204" pitchFamily="49" charset="0"/>
                 <a:cs typeface="Consolas" panose="020B0609020204030204" pitchFamily="49" charset="0"/>
               </a:rPr>
-              <a:t>-plus-one </a:t>
+              <a:t>)</a:t>
+            </a:r>
+          </a:p>
+          <a:p>
+            <a:pPr marL="0" indent="0">
+              <a:buNone/>
+            </a:pPr>
+            <a:r>
+              <a:rPr lang="en-US" b="1" dirty="0">
+                <a:latin typeface="Consolas" panose="020B0609020204030204" pitchFamily="49" charset="0"/>
+                <a:cs typeface="Consolas" panose="020B0609020204030204" pitchFamily="49" charset="0"/>
+              </a:rPr>
+              <a:t>  (map</a:t>
+            </a:r>
+          </a:p>
+          <a:p>
+            <a:pPr marL="0" indent="0">
+              <a:buNone/>
+            </a:pPr>
+            <a:r>
+              <a:rPr lang="en-US" b="1" dirty="0">
+                <a:latin typeface="Consolas" panose="020B0609020204030204" pitchFamily="49" charset="0"/>
+                <a:cs typeface="Consolas" panose="020B0609020204030204" pitchFamily="49" charset="0"/>
+              </a:rPr>
+              <a:t>    (lambda (n) (+ 1 (</a:t>
             </a:r>
             <a:r>
               <a:rPr lang="en-US" b="1" dirty="0" err="1">
                 <a:latin typeface="Consolas" panose="020B0609020204030204" pitchFamily="49" charset="0"/>
                 <a:cs typeface="Consolas" panose="020B0609020204030204" pitchFamily="49" charset="0"/>
               </a:rPr>
-              <a:t>lon</a:t>
+              <a:t>sqr</a:t>
             </a:r>
             <a:r>
               <a:rPr lang="en-US" b="1" dirty="0">
                 <a:latin typeface="Consolas" panose="020B0609020204030204" pitchFamily="49" charset="0"/>
                 <a:cs typeface="Consolas" panose="020B0609020204030204" pitchFamily="49" charset="0"/>
               </a:rPr>
-              <a:t>)</a:t>
+              <a:t> n)))</a:t>
             </a:r>
           </a:p>
           <a:p>
@@ -11518,35 +11857,21 @@
                 <a:latin typeface="Consolas" panose="020B0609020204030204" pitchFamily="49" charset="0"/>
                 <a:cs typeface="Consolas" panose="020B0609020204030204" pitchFamily="49" charset="0"/>
               </a:rPr>
-              <a:t>  (map add1 (map </a:t>
+              <a:t>    </a:t>
             </a:r>
             <a:r>
               <a:rPr lang="en-US" b="1" dirty="0" err="1">
                 <a:latin typeface="Consolas" panose="020B0609020204030204" pitchFamily="49" charset="0"/>
                 <a:cs typeface="Consolas" panose="020B0609020204030204" pitchFamily="49" charset="0"/>
               </a:rPr>
-              <a:t>sqr</a:t>
+              <a:t>lst</a:t>
             </a:r>
             <a:r>
               <a:rPr lang="en-US" b="1" dirty="0">
                 <a:latin typeface="Consolas" panose="020B0609020204030204" pitchFamily="49" charset="0"/>
                 <a:cs typeface="Consolas" panose="020B0609020204030204" pitchFamily="49" charset="0"/>
               </a:rPr>
-              <a:t> </a:t>
-            </a:r>
-            <a:r>
-              <a:rPr lang="en-US" b="1" dirty="0" err="1">
-                <a:latin typeface="Consolas" panose="020B0609020204030204" pitchFamily="49" charset="0"/>
-                <a:cs typeface="Consolas" panose="020B0609020204030204" pitchFamily="49" charset="0"/>
-              </a:rPr>
-              <a:t>lon</a:t>
-            </a:r>
-            <a:r>
-              <a:rPr lang="en-US" b="1" dirty="0">
-                <a:latin typeface="Consolas" panose="020B0609020204030204" pitchFamily="49" charset="0"/>
-                <a:cs typeface="Consolas" panose="020B0609020204030204" pitchFamily="49" charset="0"/>
-              </a:rPr>
-              <a:t>)))</a:t>
+              <a:t>))</a:t>
             </a:r>
           </a:p>
           <a:p>
@@ -11622,10 +11947,102 @@
           </a:p>
         </p:txBody>
       </p:sp>
+      <p:sp>
+        <p:nvSpPr>
+          <p:cNvPr id="5" name="Rectangle 4"/>
+          <p:cNvSpPr/>
+          <p:nvPr/>
+        </p:nvSpPr>
+        <p:spPr>
+          <a:xfrm>
+            <a:off x="5562600" y="1742939"/>
+            <a:ext cx="2971800" cy="3819661"/>
+          </a:xfrm>
+          <a:prstGeom prst="rect">
+            <a:avLst/>
+          </a:prstGeom>
+          <a:solidFill>
+            <a:schemeClr val="accent1">
+              <a:lumMod val="20000"/>
+              <a:lumOff val="80000"/>
+            </a:schemeClr>
+          </a:solidFill>
+          <a:ln>
+            <a:noFill/>
+          </a:ln>
+        </p:spPr>
+        <p:style>
+          <a:lnRef idx="2">
+            <a:schemeClr val="accent1"/>
+          </a:lnRef>
+          <a:fillRef idx="1">
+            <a:schemeClr val="lt1"/>
+          </a:fillRef>
+          <a:effectRef idx="0">
+            <a:schemeClr val="accent1"/>
+          </a:effectRef>
+          <a:fontRef idx="minor">
+            <a:schemeClr val="dk1"/>
+          </a:fontRef>
+        </p:style>
+        <p:txBody>
+          <a:bodyPr rot="0" spcFirstLastPara="0" vertOverflow="overflow" horzOverflow="overflow" vert="horz" wrap="square" lIns="91440" tIns="45720" rIns="91440" bIns="45720" numCol="1" spcCol="0" rtlCol="0" fromWordArt="0" anchor="ctr" anchorCtr="0" forceAA="0" compatLnSpc="1">
+            <a:prstTxWarp prst="textNoShape">
+              <a:avLst/>
+            </a:prstTxWarp>
+            <a:noAutofit/>
+          </a:bodyPr>
+          <a:lstStyle/>
+          <a:p>
+            <a:r>
+              <a:rPr lang="en-US" dirty="0">
+                <a:solidFill>
+                  <a:schemeClr val="tx1"/>
+                </a:solidFill>
+              </a:rPr>
+              <a:t>Hand simulate each of these functions, like we did for (map add1 ...) back on slide 7.</a:t>
+            </a:r>
+          </a:p>
+          <a:p>
+            <a:endParaRPr lang="en-US" dirty="0">
+              <a:solidFill>
+                <a:schemeClr val="tx1"/>
+              </a:solidFill>
+            </a:endParaRPr>
+          </a:p>
+          <a:p>
+            <a:r>
+              <a:rPr lang="en-US" dirty="0">
+                <a:solidFill>
+                  <a:schemeClr val="tx1"/>
+                </a:solidFill>
+              </a:rPr>
+              <a:t>The first version makes TWO passes through the argument.   The second version goes through the argument only once.  </a:t>
+            </a:r>
+          </a:p>
+          <a:p>
+            <a:endParaRPr lang="en-US" dirty="0">
+              <a:solidFill>
+                <a:schemeClr val="tx1"/>
+              </a:solidFill>
+            </a:endParaRPr>
+          </a:p>
+          <a:p>
+            <a:r>
+              <a:rPr lang="en-US" dirty="0">
+                <a:solidFill>
+                  <a:schemeClr val="tx1"/>
+                </a:solidFill>
+              </a:rPr>
+              <a:t>Which of these is clearer?  Which might be more efficient if the list is long?</a:t>
+            </a:r>
+          </a:p>
+        </p:txBody>
+      </p:sp>
     </p:spTree>
     <p:extLst>
       <p:ext uri="{BB962C8B-B14F-4D97-AF65-F5344CB8AC3E}">
-        <p14:creationId xmlns:p14="http://schemas.microsoft.com/office/powerpoint/2010/main" val="1676424496"/>
+        <p14:creationId xmlns:p14="http://schemas.microsoft.com/office/powerpoint/2010/main" val="1770014592"/>
       </p:ext>
     </p:extLst>
   </p:cSld>
@@ -11770,59 +12187,6 @@
               <a:t>3</a:t>
             </a:fld>
             <a:endParaRPr lang="en-US"/>
-          </a:p>
-        </p:txBody>
-      </p:sp>
-      <p:sp>
-        <p:nvSpPr>
-          <p:cNvPr id="5" name="Rectangle 4"/>
-          <p:cNvSpPr/>
-          <p:nvPr/>
-        </p:nvSpPr>
-        <p:spPr>
-          <a:xfrm>
-            <a:off x="9677400" y="2209800"/>
-            <a:ext cx="2590800" cy="1447800"/>
-          </a:xfrm>
-          <a:prstGeom prst="rect">
-            <a:avLst/>
-          </a:prstGeom>
-          <a:solidFill>
-            <a:srgbClr val="FFFF00"/>
-          </a:solidFill>
-          <a:ln/>
-        </p:spPr>
-        <p:style>
-          <a:lnRef idx="2">
-            <a:schemeClr val="accent1"/>
-          </a:lnRef>
-          <a:fillRef idx="1">
-            <a:schemeClr val="lt1"/>
-          </a:fillRef>
-          <a:effectRef idx="0">
-            <a:schemeClr val="accent1"/>
-          </a:effectRef>
-          <a:fontRef idx="minor">
-            <a:schemeClr val="dk1"/>
-          </a:fontRef>
-        </p:style>
-        <p:txBody>
-          <a:bodyPr rot="0" spcFirstLastPara="0" vertOverflow="overflow" horzOverflow="overflow" vert="horz" wrap="square" lIns="91440" tIns="45720" rIns="91440" bIns="45720" numCol="1" spcCol="0" rtlCol="0" fromWordArt="0" anchor="t" anchorCtr="0" forceAA="0" compatLnSpc="1">
-            <a:prstTxWarp prst="textNoShape">
-              <a:avLst/>
-            </a:prstTxWarp>
-            <a:noAutofit/>
-          </a:bodyPr>
-          <a:lstStyle/>
-          <a:p>
-            <a:r>
-              <a:rPr lang="en-US" dirty="0">
-                <a:solidFill>
-                  <a:schemeClr val="tx1"/>
-                </a:solidFill>
-              </a:rPr>
-              <a:t>Need to mention: lambda, polymorphism(?), one-pass vs multi-pass</a:t>
-            </a:r>
           </a:p>
         </p:txBody>
       </p:sp>
@@ -11873,7 +12237,7 @@
           <a:p>
             <a:r>
               <a:rPr lang="en-US" dirty="0"/>
-              <a:t>One-Pass vs Multi-Pass functions</a:t>
+              <a:t>Summary</a:t>
             </a:r>
           </a:p>
         </p:txBody>
@@ -11891,271 +12255,65 @@
         <p:spPr/>
         <p:txBody>
           <a:bodyPr>
-            <a:normAutofit fontScale="70000" lnSpcReduction="20000"/>
+            <a:normAutofit fontScale="92500" lnSpcReduction="10000"/>
           </a:bodyPr>
           <a:lstStyle/>
           <a:p>
-            <a:pPr marL="0" indent="0">
-              <a:buNone/>
-            </a:pPr>
             <a:r>
               <a:rPr lang="en-US" dirty="0"/>
-              <a:t>Here are two versions of </a:t>
-            </a:r>
-            <a:r>
-              <a:rPr lang="en-US" b="1" dirty="0" err="1"/>
-              <a:t>sqr</a:t>
+              <a:t>At the end of this lesson you should be able to:</a:t>
+            </a:r>
+          </a:p>
+          <a:p>
+            <a:pPr lvl="1"/>
+            <a:r>
+              <a:rPr lang="en-US" dirty="0"/>
+              <a:t>recognize when two function definitions differ only in what functions are called at particular places in the definition</a:t>
+            </a:r>
+          </a:p>
+          <a:p>
+            <a:pPr lvl="1"/>
+            <a:r>
+              <a:rPr lang="en-US" dirty="0"/>
+              <a:t>apply the generalization technique from Lesson 5.1 to such situations.</a:t>
+            </a:r>
+          </a:p>
+          <a:p>
+            <a:pPr lvl="1"/>
+            <a:r>
+              <a:rPr lang="en-US" dirty="0"/>
+              <a:t>use the new strategy, called </a:t>
+            </a:r>
+            <a:r>
+              <a:rPr lang="en-US" i="1" dirty="0"/>
+              <a:t>Use HOF</a:t>
+            </a:r>
+          </a:p>
+          <a:p>
+            <a:pPr lvl="1"/>
+            <a:r>
+              <a:rPr lang="en-US" dirty="0"/>
+              <a:t>use </a:t>
             </a:r>
             <a:r>
               <a:rPr lang="en-US" b="1" dirty="0"/>
-              <a:t>-plus-one:</a:t>
-            </a:r>
-          </a:p>
-          <a:p>
-            <a:pPr marL="0" indent="0">
-              <a:buNone/>
-            </a:pPr>
+              <a:t>lambda </a:t>
+            </a:r>
+            <a:r>
+              <a:rPr lang="en-US" dirty="0"/>
+              <a:t>to define functions that don't need a name.</a:t>
+            </a:r>
+            <a:endParaRPr lang="en-US" b="1" dirty="0"/>
+          </a:p>
+          <a:p>
+            <a:pPr lvl="1"/>
+            <a:r>
+              <a:rPr lang="en-US" dirty="0"/>
+              <a:t>read and write contracts for functions that take other functions as arguments.</a:t>
+            </a:r>
+          </a:p>
+          <a:p>
             <a:endParaRPr lang="en-US" dirty="0"/>
-          </a:p>
-          <a:p>
-            <a:pPr marL="0" indent="0">
-              <a:buNone/>
-            </a:pPr>
-            <a:r>
-              <a:rPr lang="en-US" b="1" dirty="0">
-                <a:latin typeface="Consolas" panose="020B0609020204030204" pitchFamily="49" charset="0"/>
-                <a:cs typeface="Consolas" panose="020B0609020204030204" pitchFamily="49" charset="0"/>
-              </a:rPr>
-              <a:t>(define (</a:t>
-            </a:r>
-            <a:r>
-              <a:rPr lang="en-US" b="1" dirty="0" err="1">
-                <a:latin typeface="Consolas" panose="020B0609020204030204" pitchFamily="49" charset="0"/>
-                <a:cs typeface="Consolas" panose="020B0609020204030204" pitchFamily="49" charset="0"/>
-              </a:rPr>
-              <a:t>sqr</a:t>
-            </a:r>
-            <a:r>
-              <a:rPr lang="en-US" b="1" dirty="0">
-                <a:latin typeface="Consolas" panose="020B0609020204030204" pitchFamily="49" charset="0"/>
-                <a:cs typeface="Consolas" panose="020B0609020204030204" pitchFamily="49" charset="0"/>
-              </a:rPr>
-              <a:t>-plus-one </a:t>
-            </a:r>
-            <a:r>
-              <a:rPr lang="en-US" b="1" dirty="0" err="1">
-                <a:latin typeface="Consolas" panose="020B0609020204030204" pitchFamily="49" charset="0"/>
-                <a:cs typeface="Consolas" panose="020B0609020204030204" pitchFamily="49" charset="0"/>
-              </a:rPr>
-              <a:t>lon</a:t>
-            </a:r>
-            <a:r>
-              <a:rPr lang="en-US" b="1" dirty="0">
-                <a:latin typeface="Consolas" panose="020B0609020204030204" pitchFamily="49" charset="0"/>
-                <a:cs typeface="Consolas" panose="020B0609020204030204" pitchFamily="49" charset="0"/>
-              </a:rPr>
-              <a:t>)</a:t>
-            </a:r>
-          </a:p>
-          <a:p>
-            <a:pPr marL="0" indent="0">
-              <a:buNone/>
-            </a:pPr>
-            <a:r>
-              <a:rPr lang="en-US" b="1" dirty="0">
-                <a:latin typeface="Consolas" panose="020B0609020204030204" pitchFamily="49" charset="0"/>
-                <a:cs typeface="Consolas" panose="020B0609020204030204" pitchFamily="49" charset="0"/>
-              </a:rPr>
-              <a:t>  (map add1 (map </a:t>
-            </a:r>
-            <a:r>
-              <a:rPr lang="en-US" b="1" dirty="0" err="1">
-                <a:latin typeface="Consolas" panose="020B0609020204030204" pitchFamily="49" charset="0"/>
-                <a:cs typeface="Consolas" panose="020B0609020204030204" pitchFamily="49" charset="0"/>
-              </a:rPr>
-              <a:t>sqr</a:t>
-            </a:r>
-            <a:r>
-              <a:rPr lang="en-US" b="1" dirty="0">
-                <a:latin typeface="Consolas" panose="020B0609020204030204" pitchFamily="49" charset="0"/>
-                <a:cs typeface="Consolas" panose="020B0609020204030204" pitchFamily="49" charset="0"/>
-              </a:rPr>
-              <a:t> </a:t>
-            </a:r>
-            <a:r>
-              <a:rPr lang="en-US" b="1" dirty="0" err="1">
-                <a:latin typeface="Consolas" panose="020B0609020204030204" pitchFamily="49" charset="0"/>
-                <a:cs typeface="Consolas" panose="020B0609020204030204" pitchFamily="49" charset="0"/>
-              </a:rPr>
-              <a:t>lon</a:t>
-            </a:r>
-            <a:r>
-              <a:rPr lang="en-US" b="1" dirty="0">
-                <a:latin typeface="Consolas" panose="020B0609020204030204" pitchFamily="49" charset="0"/>
-                <a:cs typeface="Consolas" panose="020B0609020204030204" pitchFamily="49" charset="0"/>
-              </a:rPr>
-              <a:t>)))</a:t>
-            </a:r>
-          </a:p>
-          <a:p>
-            <a:pPr marL="0" indent="0">
-              <a:buNone/>
-            </a:pPr>
-            <a:endParaRPr lang="en-US" b="1" dirty="0">
-              <a:latin typeface="Consolas" panose="020B0609020204030204" pitchFamily="49" charset="0"/>
-              <a:cs typeface="Consolas" panose="020B0609020204030204" pitchFamily="49" charset="0"/>
-            </a:endParaRPr>
-          </a:p>
-          <a:p>
-            <a:pPr marL="0" indent="0">
-              <a:buNone/>
-            </a:pPr>
-            <a:r>
-              <a:rPr lang="en-US" b="1" dirty="0">
-                <a:latin typeface="Consolas" panose="020B0609020204030204" pitchFamily="49" charset="0"/>
-                <a:cs typeface="Consolas" panose="020B0609020204030204" pitchFamily="49" charset="0"/>
-              </a:rPr>
-              <a:t>(define (</a:t>
-            </a:r>
-            <a:r>
-              <a:rPr lang="en-US" b="1" dirty="0" err="1">
-                <a:latin typeface="Consolas" panose="020B0609020204030204" pitchFamily="49" charset="0"/>
-                <a:cs typeface="Consolas" panose="020B0609020204030204" pitchFamily="49" charset="0"/>
-              </a:rPr>
-              <a:t>sqr</a:t>
-            </a:r>
-            <a:r>
-              <a:rPr lang="en-US" b="1" dirty="0">
-                <a:latin typeface="Consolas" panose="020B0609020204030204" pitchFamily="49" charset="0"/>
-                <a:cs typeface="Consolas" panose="020B0609020204030204" pitchFamily="49" charset="0"/>
-              </a:rPr>
-              <a:t>-plus-one </a:t>
-            </a:r>
-            <a:r>
-              <a:rPr lang="en-US" b="1" dirty="0" err="1">
-                <a:latin typeface="Consolas" panose="020B0609020204030204" pitchFamily="49" charset="0"/>
-                <a:cs typeface="Consolas" panose="020B0609020204030204" pitchFamily="49" charset="0"/>
-              </a:rPr>
-              <a:t>lon</a:t>
-            </a:r>
-            <a:r>
-              <a:rPr lang="en-US" b="1" dirty="0">
-                <a:latin typeface="Consolas" panose="020B0609020204030204" pitchFamily="49" charset="0"/>
-                <a:cs typeface="Consolas" panose="020B0609020204030204" pitchFamily="49" charset="0"/>
-              </a:rPr>
-              <a:t>)</a:t>
-            </a:r>
-          </a:p>
-          <a:p>
-            <a:pPr marL="0" indent="0">
-              <a:buNone/>
-            </a:pPr>
-            <a:r>
-              <a:rPr lang="en-US" b="1" dirty="0">
-                <a:latin typeface="Consolas" panose="020B0609020204030204" pitchFamily="49" charset="0"/>
-                <a:cs typeface="Consolas" panose="020B0609020204030204" pitchFamily="49" charset="0"/>
-              </a:rPr>
-              <a:t>  (map</a:t>
-            </a:r>
-          </a:p>
-          <a:p>
-            <a:pPr marL="0" indent="0">
-              <a:buNone/>
-            </a:pPr>
-            <a:r>
-              <a:rPr lang="en-US" b="1" dirty="0">
-                <a:latin typeface="Consolas" panose="020B0609020204030204" pitchFamily="49" charset="0"/>
-                <a:cs typeface="Consolas" panose="020B0609020204030204" pitchFamily="49" charset="0"/>
-              </a:rPr>
-              <a:t>    (lambda (n) (+ 1 (</a:t>
-            </a:r>
-            <a:r>
-              <a:rPr lang="en-US" b="1" dirty="0" err="1">
-                <a:latin typeface="Consolas" panose="020B0609020204030204" pitchFamily="49" charset="0"/>
-                <a:cs typeface="Consolas" panose="020B0609020204030204" pitchFamily="49" charset="0"/>
-              </a:rPr>
-              <a:t>sqr</a:t>
-            </a:r>
-            <a:r>
-              <a:rPr lang="en-US" b="1" dirty="0">
-                <a:latin typeface="Consolas" panose="020B0609020204030204" pitchFamily="49" charset="0"/>
-                <a:cs typeface="Consolas" panose="020B0609020204030204" pitchFamily="49" charset="0"/>
-              </a:rPr>
-              <a:t> n)))</a:t>
-            </a:r>
-          </a:p>
-          <a:p>
-            <a:pPr marL="0" indent="0">
-              <a:buNone/>
-            </a:pPr>
-            <a:r>
-              <a:rPr lang="en-US" b="1" dirty="0">
-                <a:latin typeface="Consolas" panose="020B0609020204030204" pitchFamily="49" charset="0"/>
-                <a:cs typeface="Consolas" panose="020B0609020204030204" pitchFamily="49" charset="0"/>
-              </a:rPr>
-              <a:t>    </a:t>
-            </a:r>
-            <a:r>
-              <a:rPr lang="en-US" b="1" dirty="0" err="1">
-                <a:latin typeface="Consolas" panose="020B0609020204030204" pitchFamily="49" charset="0"/>
-                <a:cs typeface="Consolas" panose="020B0609020204030204" pitchFamily="49" charset="0"/>
-              </a:rPr>
-              <a:t>lon</a:t>
-            </a:r>
-            <a:r>
-              <a:rPr lang="en-US" b="1" dirty="0">
-                <a:latin typeface="Consolas" panose="020B0609020204030204" pitchFamily="49" charset="0"/>
-                <a:cs typeface="Consolas" panose="020B0609020204030204" pitchFamily="49" charset="0"/>
-              </a:rPr>
-              <a:t>))</a:t>
-            </a:r>
-          </a:p>
-          <a:p>
-            <a:pPr marL="0" indent="0">
-              <a:buNone/>
-            </a:pPr>
-            <a:endParaRPr lang="en-US" b="1" dirty="0">
-              <a:latin typeface="Consolas" panose="020B0609020204030204" pitchFamily="49" charset="0"/>
-              <a:cs typeface="Consolas" panose="020B0609020204030204" pitchFamily="49" charset="0"/>
-            </a:endParaRPr>
-          </a:p>
-          <a:p>
-            <a:pPr marL="0" indent="0">
-              <a:buNone/>
-            </a:pPr>
-            <a:r>
-              <a:rPr lang="en-US" b="1" dirty="0">
-                <a:latin typeface="Consolas" panose="020B0609020204030204" pitchFamily="49" charset="0"/>
-                <a:cs typeface="Consolas" panose="020B0609020204030204" pitchFamily="49" charset="0"/>
-              </a:rPr>
-              <a:t>(</a:t>
-            </a:r>
-            <a:r>
-              <a:rPr lang="en-US" b="1" dirty="0" err="1">
-                <a:latin typeface="Consolas" panose="020B0609020204030204" pitchFamily="49" charset="0"/>
-                <a:cs typeface="Consolas" panose="020B0609020204030204" pitchFamily="49" charset="0"/>
-              </a:rPr>
-              <a:t>sqr</a:t>
-            </a:r>
-            <a:r>
-              <a:rPr lang="en-US" b="1" dirty="0">
-                <a:latin typeface="Consolas" panose="020B0609020204030204" pitchFamily="49" charset="0"/>
-                <a:cs typeface="Consolas" panose="020B0609020204030204" pitchFamily="49" charset="0"/>
-              </a:rPr>
-              <a:t>-plus-one (list 2 3 4))</a:t>
-            </a:r>
-          </a:p>
-          <a:p>
-            <a:pPr marL="0" indent="0">
-              <a:buNone/>
-            </a:pPr>
-            <a:r>
-              <a:rPr lang="en-US" b="1" dirty="0">
-                <a:latin typeface="Consolas" panose="020B0609020204030204" pitchFamily="49" charset="0"/>
-                <a:cs typeface="Consolas" panose="020B0609020204030204" pitchFamily="49" charset="0"/>
-              </a:rPr>
-              <a:t>  = (list 5 10 17)</a:t>
-            </a:r>
           </a:p>
         </p:txBody>
       </p:sp>
@@ -12183,100 +12341,10 @@
           </a:p>
         </p:txBody>
       </p:sp>
-      <p:sp>
-        <p:nvSpPr>
-          <p:cNvPr id="5" name="Rectangle 4"/>
-          <p:cNvSpPr/>
-          <p:nvPr/>
-        </p:nvSpPr>
-        <p:spPr>
-          <a:xfrm>
-            <a:off x="5562600" y="1742939"/>
-            <a:ext cx="2971800" cy="3819661"/>
-          </a:xfrm>
-          <a:prstGeom prst="rect">
-            <a:avLst/>
-          </a:prstGeom>
-          <a:solidFill>
-            <a:schemeClr val="accent3">
-              <a:lumMod val="40000"/>
-              <a:lumOff val="60000"/>
-            </a:schemeClr>
-          </a:solidFill>
-          <a:ln/>
-        </p:spPr>
-        <p:style>
-          <a:lnRef idx="2">
-            <a:schemeClr val="accent1"/>
-          </a:lnRef>
-          <a:fillRef idx="1">
-            <a:schemeClr val="lt1"/>
-          </a:fillRef>
-          <a:effectRef idx="0">
-            <a:schemeClr val="accent1"/>
-          </a:effectRef>
-          <a:fontRef idx="minor">
-            <a:schemeClr val="dk1"/>
-          </a:fontRef>
-        </p:style>
-        <p:txBody>
-          <a:bodyPr rot="0" spcFirstLastPara="0" vertOverflow="overflow" horzOverflow="overflow" vert="horz" wrap="square" lIns="91440" tIns="45720" rIns="91440" bIns="45720" numCol="1" spcCol="0" rtlCol="0" fromWordArt="0" anchor="ctr" anchorCtr="0" forceAA="0" compatLnSpc="1">
-            <a:prstTxWarp prst="textNoShape">
-              <a:avLst/>
-            </a:prstTxWarp>
-            <a:noAutofit/>
-          </a:bodyPr>
-          <a:lstStyle/>
-          <a:p>
-            <a:r>
-              <a:rPr lang="en-US" dirty="0">
-                <a:solidFill>
-                  <a:schemeClr val="tx1"/>
-                </a:solidFill>
-              </a:rPr>
-              <a:t>Hand simulate each of these functions, like we did for (map add1 ...) back on slide 7.</a:t>
-            </a:r>
-          </a:p>
-          <a:p>
-            <a:endParaRPr lang="en-US" dirty="0">
-              <a:solidFill>
-                <a:schemeClr val="tx1"/>
-              </a:solidFill>
-            </a:endParaRPr>
-          </a:p>
-          <a:p>
-            <a:r>
-              <a:rPr lang="en-US" dirty="0">
-                <a:solidFill>
-                  <a:schemeClr val="tx1"/>
-                </a:solidFill>
-              </a:rPr>
-              <a:t>The first version makes TWO passes through the argument.   The second version goes through the argument only once.  </a:t>
-            </a:r>
-          </a:p>
-          <a:p>
-            <a:endParaRPr lang="en-US" dirty="0">
-              <a:solidFill>
-                <a:schemeClr val="tx1"/>
-              </a:solidFill>
-            </a:endParaRPr>
-          </a:p>
-          <a:p>
-            <a:r>
-              <a:rPr lang="en-US" dirty="0">
-                <a:solidFill>
-                  <a:schemeClr val="tx1"/>
-                </a:solidFill>
-              </a:rPr>
-              <a:t>Which of these is clearer?  Which might be more efficient if the list is long?</a:t>
-            </a:r>
-          </a:p>
-        </p:txBody>
-      </p:sp>
     </p:spTree>
     <p:extLst>
       <p:ext uri="{BB962C8B-B14F-4D97-AF65-F5344CB8AC3E}">
-        <p14:creationId xmlns:p14="http://schemas.microsoft.com/office/powerpoint/2010/main" val="1770014592"/>
+        <p14:creationId xmlns:p14="http://schemas.microsoft.com/office/powerpoint/2010/main" val="267962624"/>
       </p:ext>
     </p:extLst>
   </p:cSld>
@@ -12320,7 +12388,7 @@
           <a:p>
             <a:r>
               <a:rPr lang="en-US" dirty="0"/>
-              <a:t>Summary</a:t>
+              <a:t>Next Steps</a:t>
             </a:r>
           </a:p>
         </p:txBody>
@@ -12337,66 +12405,36 @@
         </p:nvSpPr>
         <p:spPr/>
         <p:txBody>
-          <a:bodyPr>
-            <a:normAutofit fontScale="92500" lnSpcReduction="10000"/>
-          </a:bodyPr>
+          <a:bodyPr/>
           <a:lstStyle/>
           <a:p>
             <a:r>
               <a:rPr lang="en-US" dirty="0"/>
-              <a:t>At the end of this lesson you should be able to:</a:t>
-            </a:r>
-          </a:p>
-          <a:p>
-            <a:pPr lvl="1"/>
+              <a:t>Study 06-2-1-map.rkt in the examples folder</a:t>
+            </a:r>
+          </a:p>
+          <a:p>
             <a:r>
               <a:rPr lang="en-US" dirty="0"/>
-              <a:t>recognize when two function definitions differ only in what functions are called at particular places in the definition</a:t>
-            </a:r>
-          </a:p>
-          <a:p>
-            <a:pPr lvl="1"/>
+              <a:t>If you have questions about this lesson, ask them on the Discussion Board</a:t>
+            </a:r>
+          </a:p>
+          <a:p>
             <a:r>
               <a:rPr lang="en-US" dirty="0"/>
-              <a:t>apply the generalization technique from Lesson 5.1 to such situations.</a:t>
-            </a:r>
-          </a:p>
-          <a:p>
-            <a:pPr lvl="1"/>
+              <a:t>Do Guided </a:t>
+            </a:r>
+            <a:r>
+              <a:rPr lang="en-US"/>
+              <a:t>Practice 6.2</a:t>
+            </a:r>
+            <a:endParaRPr lang="en-US" dirty="0"/>
+          </a:p>
+          <a:p>
             <a:r>
               <a:rPr lang="en-US" dirty="0"/>
-              <a:t>use the new strategy, called </a:t>
-            </a:r>
-            <a:r>
-              <a:rPr lang="en-US" i="1" dirty="0"/>
-              <a:t>Use HOF</a:t>
-            </a:r>
-          </a:p>
-          <a:p>
-            <a:pPr lvl="1"/>
-            <a:r>
-              <a:rPr lang="en-US" dirty="0"/>
-              <a:t>use </a:t>
-            </a:r>
-            <a:r>
-              <a:rPr lang="en-US" b="1" dirty="0"/>
-              <a:t>lambda </a:t>
-            </a:r>
-            <a:r>
-              <a:rPr lang="en-US" dirty="0"/>
-              <a:t>to define functions that don't need a name.</a:t>
-            </a:r>
-            <a:endParaRPr lang="en-US" b="1" dirty="0"/>
-          </a:p>
-          <a:p>
-            <a:pPr lvl="1"/>
-            <a:r>
-              <a:rPr lang="en-US" dirty="0"/>
-              <a:t>read and write contracts for functions that take other functions as arguments.</a:t>
-            </a:r>
-          </a:p>
-          <a:p>
-            <a:endParaRPr lang="en-US" dirty="0"/>
+              <a:t>Go on to the next lesson</a:t>
+            </a:r>
           </a:p>
         </p:txBody>
       </p:sp>
@@ -12419,122 +12457,6 @@
               <a:rPr lang="en-US" smtClean="0"/>
               <a:pPr/>
               <a:t>31</a:t>
-            </a:fld>
-            <a:endParaRPr lang="en-US"/>
-          </a:p>
-        </p:txBody>
-      </p:sp>
-    </p:spTree>
-    <p:extLst>
-      <p:ext uri="{BB962C8B-B14F-4D97-AF65-F5344CB8AC3E}">
-        <p14:creationId xmlns:p14="http://schemas.microsoft.com/office/powerpoint/2010/main" val="267962624"/>
-      </p:ext>
-    </p:extLst>
-  </p:cSld>
-  <p:clrMapOvr>
-    <a:masterClrMapping/>
-  </p:clrMapOvr>
-</p:sld>
-</file>
-
-<file path=ppt/slides/slide32.xml><?xml version="1.0" encoding="utf-8"?>
-<p:sld xmlns:a="http://schemas.openxmlformats.org/drawingml/2006/main" xmlns:r="http://schemas.openxmlformats.org/officeDocument/2006/relationships" xmlns:p="http://schemas.openxmlformats.org/presentationml/2006/main">
-  <p:cSld>
-    <p:spTree>
-      <p:nvGrpSpPr>
-        <p:cNvPr id="1" name=""/>
-        <p:cNvGrpSpPr/>
-        <p:nvPr/>
-      </p:nvGrpSpPr>
-      <p:grpSpPr>
-        <a:xfrm>
-          <a:off x="0" y="0"/>
-          <a:ext cx="0" cy="0"/>
-          <a:chOff x="0" y="0"/>
-          <a:chExt cx="0" cy="0"/>
-        </a:xfrm>
-      </p:grpSpPr>
-      <p:sp>
-        <p:nvSpPr>
-          <p:cNvPr id="2" name="Title 1"/>
-          <p:cNvSpPr>
-            <a:spLocks noGrp="1"/>
-          </p:cNvSpPr>
-          <p:nvPr>
-            <p:ph type="title"/>
-          </p:nvPr>
-        </p:nvSpPr>
-        <p:spPr/>
-        <p:txBody>
-          <a:bodyPr/>
-          <a:lstStyle/>
-          <a:p>
-            <a:r>
-              <a:rPr lang="en-US" dirty="0"/>
-              <a:t>Next Steps</a:t>
-            </a:r>
-          </a:p>
-        </p:txBody>
-      </p:sp>
-      <p:sp>
-        <p:nvSpPr>
-          <p:cNvPr id="3" name="Content Placeholder 2"/>
-          <p:cNvSpPr>
-            <a:spLocks noGrp="1"/>
-          </p:cNvSpPr>
-          <p:nvPr>
-            <p:ph idx="1"/>
-          </p:nvPr>
-        </p:nvSpPr>
-        <p:spPr/>
-        <p:txBody>
-          <a:bodyPr/>
-          <a:lstStyle/>
-          <a:p>
-            <a:r>
-              <a:rPr lang="en-US" dirty="0"/>
-              <a:t>Study 05-3-map.rkt in the examples folder</a:t>
-            </a:r>
-          </a:p>
-          <a:p>
-            <a:r>
-              <a:rPr lang="en-US" dirty="0"/>
-              <a:t>If you have questions about this lesson, ask them on the Discussion Board</a:t>
-            </a:r>
-          </a:p>
-          <a:p>
-            <a:r>
-              <a:rPr lang="en-US" dirty="0"/>
-              <a:t>Do Guided Practice 5.2</a:t>
-            </a:r>
-          </a:p>
-          <a:p>
-            <a:r>
-              <a:rPr lang="en-US" dirty="0"/>
-              <a:t>Go on to the next lesson</a:t>
-            </a:r>
-          </a:p>
-        </p:txBody>
-      </p:sp>
-      <p:sp>
-        <p:nvSpPr>
-          <p:cNvPr id="4" name="Slide Number Placeholder 3"/>
-          <p:cNvSpPr>
-            <a:spLocks noGrp="1"/>
-          </p:cNvSpPr>
-          <p:nvPr>
-            <p:ph type="sldNum" sz="quarter" idx="12"/>
-          </p:nvPr>
-        </p:nvSpPr>
-        <p:spPr/>
-        <p:txBody>
-          <a:bodyPr/>
-          <a:lstStyle/>
-          <a:p>
-            <a:fld id="{9F4492BD-6A9C-48FC-AC76-0B4FE11194A1}" type="slidenum">
-              <a:rPr lang="en-US" smtClean="0"/>
-              <a:pPr/>
-              <a:t>32</a:t>
             </a:fld>
             <a:endParaRPr lang="en-US"/>
           </a:p>
@@ -12589,7 +12511,7 @@
           <a:p>
             <a:r>
               <a:rPr lang="en-US" dirty="0"/>
-              <a:t>An Example</a:t>
+              <a:t>Example</a:t>
             </a:r>
           </a:p>
         </p:txBody>
@@ -12626,7 +12548,7 @@
                 <a:latin typeface="Consolas" pitchFamily="49" charset="0"/>
                 <a:cs typeface="Consolas" pitchFamily="49" charset="0"/>
               </a:rPr>
-              <a:t>ListOfNumber</a:t>
+              <a:t>NumberList</a:t>
             </a:r>
             <a:r>
               <a:rPr lang="en-US" sz="2400" b="1" dirty="0">
@@ -12640,7 +12562,7 @@
                 <a:latin typeface="Consolas" pitchFamily="49" charset="0"/>
                 <a:cs typeface="Consolas" pitchFamily="49" charset="0"/>
               </a:rPr>
-              <a:t>ListOfNumber</a:t>
+              <a:t>NumberList</a:t>
             </a:r>
             <a:endParaRPr lang="en-US" sz="2400" b="1" dirty="0">
               <a:latin typeface="Consolas" pitchFamily="49" charset="0"/>
@@ -12699,7 +12621,7 @@
                 <a:latin typeface="Consolas" pitchFamily="49" charset="0"/>
                 <a:cs typeface="Consolas" pitchFamily="49" charset="0"/>
               </a:rPr>
-              <a:t>ListOfNumber</a:t>
+              <a:t>NumberList</a:t>
             </a:r>
             <a:r>
               <a:rPr lang="en-US" sz="2400" b="1" dirty="0">
@@ -12713,7 +12635,7 @@
                 <a:latin typeface="Consolas" pitchFamily="49" charset="0"/>
                 <a:cs typeface="Consolas" pitchFamily="49" charset="0"/>
               </a:rPr>
-              <a:t>lon</a:t>
+              <a:t>lst</a:t>
             </a:r>
             <a:endParaRPr lang="en-US" sz="2400" b="1" dirty="0">
               <a:latin typeface="Consolas" pitchFamily="49" charset="0"/>
@@ -12736,7 +12658,7 @@
                 <a:latin typeface="Consolas" pitchFamily="49" charset="0"/>
                 <a:cs typeface="Consolas" pitchFamily="49" charset="0"/>
               </a:rPr>
-              <a:t>lon</a:t>
+              <a:t>lst</a:t>
             </a:r>
             <a:r>
               <a:rPr lang="en-US" sz="2400" b="1" dirty="0">
@@ -12785,7 +12707,7 @@
                 <a:latin typeface="Consolas" pitchFamily="49" charset="0"/>
                 <a:cs typeface="Consolas" pitchFamily="49" charset="0"/>
               </a:rPr>
-              <a:t>lon</a:t>
+              <a:t>lst</a:t>
             </a:r>
             <a:r>
               <a:rPr lang="en-US" sz="2400" b="1" dirty="0">
@@ -12823,7 +12745,7 @@
                 <a:latin typeface="Consolas" pitchFamily="49" charset="0"/>
                 <a:cs typeface="Consolas" pitchFamily="49" charset="0"/>
               </a:rPr>
-              <a:t>lon</a:t>
+              <a:t>lst</a:t>
             </a:r>
             <a:r>
               <a:rPr lang="en-US" sz="2400" b="1" dirty="0">
@@ -12849,7 +12771,7 @@
                 <a:latin typeface="Consolas" pitchFamily="49" charset="0"/>
                 <a:cs typeface="Consolas" pitchFamily="49" charset="0"/>
               </a:rPr>
-              <a:t>lon</a:t>
+              <a:t>lst</a:t>
             </a:r>
             <a:r>
               <a:rPr lang="en-US" sz="2400" b="1" dirty="0">
@@ -12925,14 +12847,21 @@
             <p:ph type="title"/>
           </p:nvPr>
         </p:nvSpPr>
-        <p:spPr/>
-        <p:txBody>
-          <a:bodyPr/>
+        <p:spPr>
+          <a:xfrm>
+            <a:off x="457200" y="260139"/>
+            <a:ext cx="8229600" cy="1143000"/>
+          </a:xfrm>
+        </p:spPr>
+        <p:txBody>
+          <a:bodyPr>
+            <a:normAutofit fontScale="90000"/>
+          </a:bodyPr>
           <a:lstStyle/>
           <a:p>
             <a:r>
               <a:rPr lang="en-US" dirty="0"/>
-              <a:t>Compare it to this function</a:t>
+              <a:t>Here’s another function definition with a similar structure</a:t>
             </a:r>
           </a:p>
         </p:txBody>
@@ -13298,18 +13227,13 @@
             <a:avLst/>
           </a:prstGeom>
           <a:solidFill>
-            <a:schemeClr val="accent3">
+            <a:schemeClr val="accent1">
               <a:lumMod val="20000"/>
               <a:lumOff val="80000"/>
             </a:schemeClr>
           </a:solidFill>
           <a:ln w="12700">
-            <a:solidFill>
-              <a:schemeClr val="tx2">
-                <a:lumMod val="60000"/>
-                <a:lumOff val="40000"/>
-              </a:schemeClr>
-            </a:solidFill>
+            <a:noFill/>
           </a:ln>
         </p:spPr>
         <p:txBody>
@@ -13479,7 +13403,7 @@
                 <a:latin typeface="Consolas" pitchFamily="49" charset="0"/>
                 <a:cs typeface="Consolas" pitchFamily="49" charset="0"/>
               </a:rPr>
-              <a:t>ListOfNumber</a:t>
+              <a:t>NumberList</a:t>
             </a:r>
             <a:r>
               <a:rPr lang="en-US" b="1" dirty="0">
@@ -13493,7 +13417,7 @@
                 <a:latin typeface="Consolas" pitchFamily="49" charset="0"/>
                 <a:cs typeface="Consolas" pitchFamily="49" charset="0"/>
               </a:rPr>
-              <a:t>ListOfNumber</a:t>
+              <a:t>NumberList</a:t>
             </a:r>
             <a:endParaRPr lang="en-US" b="1" dirty="0">
               <a:latin typeface="Consolas" pitchFamily="49" charset="0"/>
@@ -13533,7 +13457,7 @@
                 <a:latin typeface="Consolas" pitchFamily="49" charset="0"/>
                 <a:cs typeface="Consolas" pitchFamily="49" charset="0"/>
               </a:rPr>
-              <a:t>lon</a:t>
+              <a:t>lst</a:t>
             </a:r>
             <a:r>
               <a:rPr lang="en-US" b="1" dirty="0">
@@ -13582,7 +13506,7 @@
                 <a:latin typeface="Consolas" pitchFamily="49" charset="0"/>
                 <a:cs typeface="Consolas" pitchFamily="49" charset="0"/>
               </a:rPr>
-              <a:t>lon</a:t>
+              <a:t>lst</a:t>
             </a:r>
             <a:r>
               <a:rPr lang="en-US" b="1" dirty="0">
@@ -13649,7 +13573,7 @@
                 <a:latin typeface="Consolas" pitchFamily="49" charset="0"/>
                 <a:cs typeface="Consolas" pitchFamily="49" charset="0"/>
               </a:rPr>
-              <a:t>lon</a:t>
+              <a:t>lst</a:t>
             </a:r>
             <a:r>
               <a:rPr lang="en-US" b="1" dirty="0">
@@ -13704,7 +13628,7 @@
                 <a:latin typeface="Consolas" pitchFamily="49" charset="0"/>
                 <a:cs typeface="Consolas" pitchFamily="49" charset="0"/>
               </a:rPr>
-              <a:t>lon</a:t>
+              <a:t>lst</a:t>
             </a:r>
             <a:r>
               <a:rPr lang="en-US" b="1" dirty="0">
@@ -14055,18 +13979,13 @@
             <a:avLst/>
           </a:prstGeom>
           <a:solidFill>
-            <a:schemeClr val="accent3">
+            <a:schemeClr val="accent1">
               <a:lumMod val="20000"/>
               <a:lumOff val="80000"/>
             </a:schemeClr>
           </a:solidFill>
           <a:ln w="12700">
-            <a:solidFill>
-              <a:schemeClr val="tx2">
-                <a:lumMod val="60000"/>
-                <a:lumOff val="40000"/>
-              </a:schemeClr>
-            </a:solidFill>
+            <a:noFill/>
           </a:ln>
         </p:spPr>
         <p:txBody>
@@ -14542,7 +14461,7 @@
                 <a:latin typeface="Consolas" pitchFamily="49" charset="0"/>
                 <a:cs typeface="Consolas" pitchFamily="49" charset="0"/>
               </a:rPr>
-              <a:t>lon</a:t>
+              <a:t>lst</a:t>
             </a:r>
             <a:r>
               <a:rPr lang="en-US" sz="2600" b="1" dirty="0">
@@ -14585,7 +14504,7 @@
                 <a:latin typeface="Consolas" pitchFamily="49" charset="0"/>
                 <a:cs typeface="Consolas" pitchFamily="49" charset="0"/>
               </a:rPr>
-              <a:t>lon</a:t>
+              <a:t>lst</a:t>
             </a:r>
             <a:r>
               <a:rPr lang="en-US" sz="2600" b="1" dirty="0">
@@ -14714,18 +14633,13 @@
             <a:avLst/>
           </a:prstGeom>
           <a:solidFill>
-            <a:schemeClr val="accent3">
+            <a:schemeClr val="accent1">
               <a:lumMod val="20000"/>
               <a:lumOff val="80000"/>
             </a:schemeClr>
           </a:solidFill>
           <a:ln w="12700">
-            <a:solidFill>
-              <a:schemeClr val="tx2">
-                <a:lumMod val="60000"/>
-                <a:lumOff val="40000"/>
-              </a:schemeClr>
-            </a:solidFill>
+            <a:noFill/>
           </a:ln>
         </p:spPr>
         <p:txBody>
@@ -14756,18 +14670,13 @@
             <a:avLst/>
           </a:prstGeom>
           <a:solidFill>
-            <a:schemeClr val="accent3">
+            <a:schemeClr val="accent1">
               <a:lumMod val="20000"/>
               <a:lumOff val="80000"/>
             </a:schemeClr>
           </a:solidFill>
           <a:ln w="12700">
-            <a:solidFill>
-              <a:schemeClr val="tx2">
-                <a:lumMod val="60000"/>
-                <a:lumOff val="40000"/>
-              </a:schemeClr>
-            </a:solidFill>
+            <a:noFill/>
           </a:ln>
         </p:spPr>
         <p:txBody>
@@ -14855,48 +14764,6 @@
           </a:fontRef>
         </p:style>
       </p:cxnSp>
-      <p:sp>
-        <p:nvSpPr>
-          <p:cNvPr id="4" name="TextBox 3"/>
-          <p:cNvSpPr txBox="1"/>
-          <p:nvPr/>
-        </p:nvSpPr>
-        <p:spPr>
-          <a:xfrm>
-            <a:off x="5407574" y="2974429"/>
-            <a:ext cx="3393683" cy="1200329"/>
-          </a:xfrm>
-          <a:prstGeom prst="rect">
-            <a:avLst/>
-          </a:prstGeom>
-          <a:solidFill>
-            <a:schemeClr val="accent3">
-              <a:lumMod val="20000"/>
-              <a:lumOff val="80000"/>
-            </a:schemeClr>
-          </a:solidFill>
-          <a:ln w="12700">
-            <a:solidFill>
-              <a:schemeClr val="tx2">
-                <a:lumMod val="60000"/>
-                <a:lumOff val="40000"/>
-              </a:schemeClr>
-            </a:solidFill>
-          </a:ln>
-        </p:spPr>
-        <p:txBody>
-          <a:bodyPr wrap="square" rtlCol="0">
-            <a:spAutoFit/>
-          </a:bodyPr>
-          <a:lstStyle/>
-          <a:p>
-            <a:r>
-              <a:rPr lang="en-US" dirty="0"/>
-              <a:t>BSL does not allow functions as arguments, so we switch to Intermediate Student Language (ISL).</a:t>
-            </a:r>
-          </a:p>
-        </p:txBody>
-      </p:sp>
       <p:cxnSp>
         <p:nvCxnSpPr>
           <p:cNvPr id="15" name="Straight Connector 14"/>
@@ -15941,6 +15808,30 @@
         </a:fontRef>
       </a:style>
     </a:spDef>
+    <a:txDef>
+      <a:spPr>
+        <a:solidFill>
+          <a:schemeClr val="accent1">
+            <a:lumMod val="20000"/>
+            <a:lumOff val="80000"/>
+          </a:schemeClr>
+        </a:solidFill>
+        <a:ln w="12700">
+          <a:noFill/>
+        </a:ln>
+      </a:spPr>
+      <a:bodyPr wrap="square" rtlCol="0">
+        <a:spAutoFit/>
+      </a:bodyPr>
+      <a:lstStyle>
+        <a:defPPr>
+          <a:defRPr sz="2400" b="1" dirty="0">
+            <a:latin typeface="Consolas" panose="020B0609020204030204" pitchFamily="49" charset="0"/>
+            <a:cs typeface="Consolas" panose="020B0609020204030204" pitchFamily="49" charset="0"/>
+          </a:defRPr>
+        </a:defPPr>
+      </a:lstStyle>
+    </a:txDef>
   </a:objectDefaults>
   <a:extraClrSchemeLst/>
 </a:theme>

--- a/Slides/Lesson 6.2 Generalizing Over Functions.pptx
+++ b/Slides/Lesson 6.2 Generalizing Over Functions.pptx
@@ -165,6 +165,10 @@
 </p:cmAuthorLst>
 </file>
 
+<file path=ppt/revisionInfo.xml><?xml version="1.0" encoding="utf-8"?>
+<p1510:revInfo xmlns:a="http://schemas.openxmlformats.org/drawingml/2006/main" xmlns:r="http://schemas.openxmlformats.org/officeDocument/2006/relationships" xmlns:p1510="http://schemas.microsoft.com/office/powerpoint/2015/10/main"/>
+</file>
+
 <file path=ppt/notesMasters/notesMaster1.xml><?xml version="1.0" encoding="utf-8"?>
 <p:notesMaster xmlns:a="http://schemas.openxmlformats.org/drawingml/2006/main" xmlns:r="http://schemas.openxmlformats.org/officeDocument/2006/relationships" xmlns:p="http://schemas.openxmlformats.org/presentationml/2006/main">
   <p:cSld>
@@ -248,7 +252,7 @@
             <a:fld id="{CF8F25F6-E1EF-4065-8525-42EDEBD9BD22}" type="datetimeFigureOut">
               <a:rPr lang="en-US" smtClean="0"/>
               <a:pPr/>
-              <a:t>9/6/2017</a:t>
+              <a:t>10/27/2017</a:t>
             </a:fld>
             <a:endParaRPr lang="en-US"/>
           </a:p>
@@ -2094,7 +2098,7 @@
           <a:p>
             <a:fld id="{2F1F79F5-7BEC-496A-AFC7-876E38F64D71}" type="datetime1">
               <a:rPr lang="en-US" smtClean="0"/>
-              <a:t>9/6/2017</a:t>
+              <a:t>10/27/2017</a:t>
             </a:fld>
             <a:endParaRPr lang="en-US"/>
           </a:p>
@@ -2189,7 +2193,7 @@
           <a:p>
             <a:fld id="{0A05703A-7669-4FEA-9056-25299B4D29D4}" type="datetime1">
               <a:rPr lang="en-US" smtClean="0"/>
-              <a:t>9/6/2017</a:t>
+              <a:t>10/27/2017</a:t>
             </a:fld>
             <a:endParaRPr lang="en-US"/>
           </a:p>
@@ -2464,7 +2468,7 @@
           <a:p>
             <a:fld id="{6E5077B5-BB57-49DB-88CA-226A139E5C01}" type="datetime1">
               <a:rPr lang="en-US" smtClean="0"/>
-              <a:t>9/6/2017</a:t>
+              <a:t>10/27/2017</a:t>
             </a:fld>
             <a:endParaRPr lang="en-US"/>
           </a:p>
@@ -2716,7 +2720,7 @@
           <a:p>
             <a:fld id="{C48D9447-CBD6-49A1-89FD-8512A8CF8999}" type="datetime1">
               <a:rPr lang="en-US" smtClean="0"/>
-              <a:t>9/6/2017</a:t>
+              <a:t>10/27/2017</a:t>
             </a:fld>
             <a:endParaRPr lang="en-US"/>
           </a:p>
@@ -2884,7 +2888,7 @@
           <a:p>
             <a:fld id="{A3639A2A-823D-48B7-9ACE-7FAF42870BA9}" type="datetime1">
               <a:rPr lang="en-US" smtClean="0"/>
-              <a:t>9/6/2017</a:t>
+              <a:t>10/27/2017</a:t>
             </a:fld>
             <a:endParaRPr lang="en-US"/>
           </a:p>
@@ -3062,7 +3066,7 @@
           <a:p>
             <a:fld id="{ED1B6996-82E9-463C-972C-7B56056E426C}" type="datetime1">
               <a:rPr lang="en-US" smtClean="0"/>
-              <a:t>9/6/2017</a:t>
+              <a:t>10/27/2017</a:t>
             </a:fld>
             <a:endParaRPr lang="en-US"/>
           </a:p>
@@ -3236,7 +3240,7 @@
           <a:p>
             <a:fld id="{E22ED4DA-448D-4BB1-B935-CC112220207B}" type="datetime1">
               <a:rPr lang="en-US" smtClean="0"/>
-              <a:t>9/6/2017</a:t>
+              <a:t>10/27/2017</a:t>
             </a:fld>
             <a:endParaRPr lang="en-US"/>
           </a:p>
@@ -3409,7 +3413,7 @@
           <a:p>
             <a:fld id="{E22ED4DA-448D-4BB1-B935-CC112220207B}" type="datetime1">
               <a:rPr lang="en-US" smtClean="0"/>
-              <a:t>9/6/2017</a:t>
+              <a:t>10/27/2017</a:t>
             </a:fld>
             <a:endParaRPr lang="en-US"/>
           </a:p>
@@ -3669,7 +3673,7 @@
           <a:p>
             <a:fld id="{FF5D65A6-AB94-4435-B0B7-3743215FA46C}" type="datetime1">
               <a:rPr lang="en-US" smtClean="0"/>
-              <a:t>9/6/2017</a:t>
+              <a:t>10/27/2017</a:t>
             </a:fld>
             <a:endParaRPr lang="en-US"/>
           </a:p>
@@ -3845,7 +3849,7 @@
           <a:p>
             <a:fld id="{FF5D65A6-AB94-4435-B0B7-3743215FA46C}" type="datetime1">
               <a:rPr lang="en-US" smtClean="0"/>
-              <a:t>9/6/2017</a:t>
+              <a:t>10/27/2017</a:t>
             </a:fld>
             <a:endParaRPr lang="en-US"/>
           </a:p>
@@ -4139,7 +4143,7 @@
           <a:p>
             <a:fld id="{7C193DC4-6EF0-48C9-B29C-616106A645E1}" type="datetime1">
               <a:rPr lang="en-US" smtClean="0"/>
-              <a:t>9/6/2017</a:t>
+              <a:t>10/27/2017</a:t>
             </a:fld>
             <a:endParaRPr lang="en-US"/>
           </a:p>
@@ -4424,7 +4428,7 @@
           <a:p>
             <a:fld id="{5D1846AD-9252-4647-9435-4C2AC365653A}" type="datetime1">
               <a:rPr lang="en-US" smtClean="0"/>
-              <a:t>9/6/2017</a:t>
+              <a:t>10/27/2017</a:t>
             </a:fld>
             <a:endParaRPr lang="en-US"/>
           </a:p>
@@ -4843,7 +4847,7 @@
           <a:p>
             <a:fld id="{CE56DC10-3561-4063-A6AF-C1CC7A41040A}" type="datetime1">
               <a:rPr lang="en-US" smtClean="0"/>
-              <a:t>9/6/2017</a:t>
+              <a:t>10/27/2017</a:t>
             </a:fld>
             <a:endParaRPr lang="en-US"/>
           </a:p>
@@ -4960,7 +4964,7 @@
           <a:p>
             <a:fld id="{2F7B77F5-1464-4F6B-92A8-64FC8A508293}" type="datetime1">
               <a:rPr lang="en-US" smtClean="0"/>
-              <a:t>9/6/2017</a:t>
+              <a:t>10/27/2017</a:t>
             </a:fld>
             <a:endParaRPr lang="en-US"/>
           </a:p>
@@ -5183,7 +5187,7 @@
           <a:p>
             <a:fld id="{02B3F677-983B-48DB-ADFD-63FE6CBC7FB2}" type="datetime1">
               <a:rPr lang="en-US" smtClean="0"/>
-              <a:t>9/6/2017</a:t>
+              <a:t>10/27/2017</a:t>
             </a:fld>
             <a:endParaRPr lang="en-US"/>
           </a:p>
@@ -12602,7 +12606,7 @@
                 <a:latin typeface="Consolas" pitchFamily="49" charset="0"/>
                 <a:cs typeface="Consolas" pitchFamily="49" charset="0"/>
               </a:rPr>
-              <a:t>;; (add-1-to-each (list 11 22 33)) = (list 12 23 34)</a:t>
+              <a:t>;; (add1-to-each (list 11 22 33)) = (list 12 23 34)</a:t>
             </a:r>
           </a:p>
           <a:p>
@@ -12651,7 +12655,14 @@
                 <a:latin typeface="Consolas" pitchFamily="49" charset="0"/>
                 <a:cs typeface="Consolas" pitchFamily="49" charset="0"/>
               </a:rPr>
-              <a:t>  (define (add-1-to-each </a:t>
+              <a:t>  (define </a:t>
+            </a:r>
+            <a:r>
+              <a:rPr lang="en-US" sz="2400" b="1">
+                <a:latin typeface="Consolas" pitchFamily="49" charset="0"/>
+                <a:cs typeface="Consolas" pitchFamily="49" charset="0"/>
+              </a:rPr>
+              <a:t>(add1-to-each </a:t>
             </a:r>
             <a:r>
               <a:rPr lang="en-US" sz="2400" b="1" dirty="0" err="1">
